--- a/Presentation1.pptx
+++ b/Presentation1.pptx
@@ -12,24 +12,19 @@
     <p:sldId id="291" r:id="rId6"/>
     <p:sldId id="263" r:id="rId7"/>
     <p:sldId id="264" r:id="rId8"/>
-    <p:sldId id="279" r:id="rId9"/>
-    <p:sldId id="267" r:id="rId10"/>
-    <p:sldId id="268" r:id="rId11"/>
-    <p:sldId id="269" r:id="rId12"/>
-    <p:sldId id="270" r:id="rId13"/>
+    <p:sldId id="292" r:id="rId9"/>
+    <p:sldId id="279" r:id="rId10"/>
+    <p:sldId id="267" r:id="rId11"/>
+    <p:sldId id="268" r:id="rId12"/>
+    <p:sldId id="269" r:id="rId13"/>
     <p:sldId id="281" r:id="rId14"/>
-    <p:sldId id="282" r:id="rId15"/>
-    <p:sldId id="283" r:id="rId16"/>
-    <p:sldId id="284" r:id="rId17"/>
-    <p:sldId id="285" r:id="rId18"/>
-    <p:sldId id="289" r:id="rId19"/>
-    <p:sldId id="290" r:id="rId20"/>
-    <p:sldId id="271" r:id="rId21"/>
-    <p:sldId id="272" r:id="rId22"/>
-    <p:sldId id="273" r:id="rId23"/>
-    <p:sldId id="274" r:id="rId24"/>
-    <p:sldId id="288" r:id="rId25"/>
-    <p:sldId id="277" r:id="rId26"/>
+    <p:sldId id="285" r:id="rId15"/>
+    <p:sldId id="271" r:id="rId16"/>
+    <p:sldId id="272" r:id="rId17"/>
+    <p:sldId id="273" r:id="rId18"/>
+    <p:sldId id="274" r:id="rId19"/>
+    <p:sldId id="288" r:id="rId20"/>
+    <p:sldId id="277" r:id="rId21"/>
   </p:sldIdLst>
   <p:sldSz cx="12192000" cy="6858000"/>
   <p:notesSz cx="6858000" cy="9144000"/>
@@ -1641,753 +1636,6 @@
 </dgm:colorsDef>
 </file>
 
-<file path=ppt/diagrams/colors3.xml><?xml version="1.0" encoding="utf-8"?>
-<dgm:colorsDef xmlns:dgm="http://schemas.openxmlformats.org/drawingml/2006/diagram" xmlns:a="http://schemas.openxmlformats.org/drawingml/2006/main" uniqueId="urn:microsoft.com/office/officeart/2005/8/colors/accent1_2">
-  <dgm:title val=""/>
-  <dgm:desc val=""/>
-  <dgm:catLst>
-    <dgm:cat type="accent1" pri="11200"/>
-  </dgm:catLst>
-  <dgm:styleLbl name="node0">
-    <dgm:fillClrLst meth="repeat">
-      <a:schemeClr val="accent1"/>
-    </dgm:fillClrLst>
-    <dgm:linClrLst meth="repeat">
-      <a:schemeClr val="lt1"/>
-    </dgm:linClrLst>
-    <dgm:effectClrLst/>
-    <dgm:txLinClrLst/>
-    <dgm:txFillClrLst/>
-    <dgm:txEffectClrLst/>
-  </dgm:styleLbl>
-  <dgm:styleLbl name="alignNode1">
-    <dgm:fillClrLst meth="repeat">
-      <a:schemeClr val="accent1"/>
-    </dgm:fillClrLst>
-    <dgm:linClrLst meth="repeat">
-      <a:schemeClr val="accent1"/>
-    </dgm:linClrLst>
-    <dgm:effectClrLst/>
-    <dgm:txLinClrLst/>
-    <dgm:txFillClrLst/>
-    <dgm:txEffectClrLst/>
-  </dgm:styleLbl>
-  <dgm:styleLbl name="node1">
-    <dgm:fillClrLst meth="repeat">
-      <a:schemeClr val="accent1"/>
-    </dgm:fillClrLst>
-    <dgm:linClrLst meth="repeat">
-      <a:schemeClr val="lt1"/>
-    </dgm:linClrLst>
-    <dgm:effectClrLst/>
-    <dgm:txLinClrLst/>
-    <dgm:txFillClrLst/>
-    <dgm:txEffectClrLst/>
-  </dgm:styleLbl>
-  <dgm:styleLbl name="lnNode1">
-    <dgm:fillClrLst meth="repeat">
-      <a:schemeClr val="accent1"/>
-    </dgm:fillClrLst>
-    <dgm:linClrLst meth="repeat">
-      <a:schemeClr val="lt1"/>
-    </dgm:linClrLst>
-    <dgm:effectClrLst/>
-    <dgm:txLinClrLst/>
-    <dgm:txFillClrLst/>
-    <dgm:txEffectClrLst/>
-  </dgm:styleLbl>
-  <dgm:styleLbl name="vennNode1">
-    <dgm:fillClrLst meth="repeat">
-      <a:schemeClr val="accent1">
-        <a:alpha val="50000"/>
-      </a:schemeClr>
-    </dgm:fillClrLst>
-    <dgm:linClrLst meth="repeat">
-      <a:schemeClr val="lt1"/>
-    </dgm:linClrLst>
-    <dgm:effectClrLst/>
-    <dgm:txLinClrLst/>
-    <dgm:txFillClrLst/>
-    <dgm:txEffectClrLst/>
-  </dgm:styleLbl>
-  <dgm:styleLbl name="node2">
-    <dgm:fillClrLst meth="repeat">
-      <a:schemeClr val="accent1"/>
-    </dgm:fillClrLst>
-    <dgm:linClrLst meth="repeat">
-      <a:schemeClr val="lt1"/>
-    </dgm:linClrLst>
-    <dgm:effectClrLst/>
-    <dgm:txLinClrLst/>
-    <dgm:txFillClrLst/>
-    <dgm:txEffectClrLst/>
-  </dgm:styleLbl>
-  <dgm:styleLbl name="node3">
-    <dgm:fillClrLst meth="repeat">
-      <a:schemeClr val="accent1"/>
-    </dgm:fillClrLst>
-    <dgm:linClrLst meth="repeat">
-      <a:schemeClr val="lt1"/>
-    </dgm:linClrLst>
-    <dgm:effectClrLst/>
-    <dgm:txLinClrLst/>
-    <dgm:txFillClrLst/>
-    <dgm:txEffectClrLst/>
-  </dgm:styleLbl>
-  <dgm:styleLbl name="node4">
-    <dgm:fillClrLst meth="repeat">
-      <a:schemeClr val="accent1"/>
-    </dgm:fillClrLst>
-    <dgm:linClrLst meth="repeat">
-      <a:schemeClr val="lt1"/>
-    </dgm:linClrLst>
-    <dgm:effectClrLst/>
-    <dgm:txLinClrLst/>
-    <dgm:txFillClrLst/>
-    <dgm:txEffectClrLst/>
-  </dgm:styleLbl>
-  <dgm:styleLbl name="fgImgPlace1">
-    <dgm:fillClrLst meth="repeat">
-      <a:schemeClr val="accent1">
-        <a:tint val="50000"/>
-      </a:schemeClr>
-    </dgm:fillClrLst>
-    <dgm:linClrLst meth="repeat">
-      <a:schemeClr val="lt1"/>
-    </dgm:linClrLst>
-    <dgm:effectClrLst/>
-    <dgm:txLinClrLst/>
-    <dgm:txFillClrLst meth="repeat">
-      <a:schemeClr val="lt1"/>
-    </dgm:txFillClrLst>
-    <dgm:txEffectClrLst/>
-  </dgm:styleLbl>
-  <dgm:styleLbl name="alignImgPlace1">
-    <dgm:fillClrLst meth="repeat">
-      <a:schemeClr val="accent1">
-        <a:tint val="50000"/>
-      </a:schemeClr>
-    </dgm:fillClrLst>
-    <dgm:linClrLst meth="repeat">
-      <a:schemeClr val="lt1"/>
-    </dgm:linClrLst>
-    <dgm:effectClrLst/>
-    <dgm:txLinClrLst/>
-    <dgm:txFillClrLst meth="repeat">
-      <a:schemeClr val="lt1"/>
-    </dgm:txFillClrLst>
-    <dgm:txEffectClrLst/>
-  </dgm:styleLbl>
-  <dgm:styleLbl name="bgImgPlace1">
-    <dgm:fillClrLst meth="repeat">
-      <a:schemeClr val="accent1">
-        <a:tint val="50000"/>
-      </a:schemeClr>
-    </dgm:fillClrLst>
-    <dgm:linClrLst meth="repeat">
-      <a:schemeClr val="lt1"/>
-    </dgm:linClrLst>
-    <dgm:effectClrLst/>
-    <dgm:txLinClrLst/>
-    <dgm:txFillClrLst meth="repeat">
-      <a:schemeClr val="lt1"/>
-    </dgm:txFillClrLst>
-    <dgm:txEffectClrLst/>
-  </dgm:styleLbl>
-  <dgm:styleLbl name="sibTrans2D1">
-    <dgm:fillClrLst meth="repeat">
-      <a:schemeClr val="accent1">
-        <a:tint val="60000"/>
-      </a:schemeClr>
-    </dgm:fillClrLst>
-    <dgm:linClrLst meth="repeat">
-      <a:schemeClr val="accent1">
-        <a:tint val="60000"/>
-      </a:schemeClr>
-    </dgm:linClrLst>
-    <dgm:effectClrLst/>
-    <dgm:txLinClrLst/>
-    <dgm:txFillClrLst/>
-    <dgm:txEffectClrLst/>
-  </dgm:styleLbl>
-  <dgm:styleLbl name="fgSibTrans2D1">
-    <dgm:fillClrLst meth="repeat">
-      <a:schemeClr val="accent1">
-        <a:tint val="60000"/>
-      </a:schemeClr>
-    </dgm:fillClrLst>
-    <dgm:linClrLst meth="repeat">
-      <a:schemeClr val="accent1">
-        <a:tint val="60000"/>
-      </a:schemeClr>
-    </dgm:linClrLst>
-    <dgm:effectClrLst/>
-    <dgm:txLinClrLst/>
-    <dgm:txFillClrLst/>
-    <dgm:txEffectClrLst/>
-  </dgm:styleLbl>
-  <dgm:styleLbl name="bgSibTrans2D1">
-    <dgm:fillClrLst meth="repeat">
-      <a:schemeClr val="accent1">
-        <a:tint val="60000"/>
-      </a:schemeClr>
-    </dgm:fillClrLst>
-    <dgm:linClrLst meth="repeat">
-      <a:schemeClr val="accent1">
-        <a:tint val="60000"/>
-      </a:schemeClr>
-    </dgm:linClrLst>
-    <dgm:effectClrLst/>
-    <dgm:txLinClrLst/>
-    <dgm:txFillClrLst/>
-    <dgm:txEffectClrLst/>
-  </dgm:styleLbl>
-  <dgm:styleLbl name="sibTrans1D1">
-    <dgm:fillClrLst meth="repeat">
-      <a:schemeClr val="accent1"/>
-    </dgm:fillClrLst>
-    <dgm:linClrLst meth="repeat">
-      <a:schemeClr val="accent1"/>
-    </dgm:linClrLst>
-    <dgm:effectClrLst/>
-    <dgm:txLinClrLst/>
-    <dgm:txFillClrLst meth="repeat">
-      <a:schemeClr val="tx1"/>
-    </dgm:txFillClrLst>
-    <dgm:txEffectClrLst/>
-  </dgm:styleLbl>
-  <dgm:styleLbl name="callout">
-    <dgm:fillClrLst meth="repeat">
-      <a:schemeClr val="accent1"/>
-    </dgm:fillClrLst>
-    <dgm:linClrLst meth="repeat">
-      <a:schemeClr val="accent1">
-        <a:tint val="50000"/>
-      </a:schemeClr>
-    </dgm:linClrLst>
-    <dgm:effectClrLst/>
-    <dgm:txLinClrLst/>
-    <dgm:txFillClrLst meth="repeat">
-      <a:schemeClr val="tx1"/>
-    </dgm:txFillClrLst>
-    <dgm:txEffectClrLst/>
-  </dgm:styleLbl>
-  <dgm:styleLbl name="asst0">
-    <dgm:fillClrLst meth="repeat">
-      <a:schemeClr val="accent1"/>
-    </dgm:fillClrLst>
-    <dgm:linClrLst meth="repeat">
-      <a:schemeClr val="lt1"/>
-    </dgm:linClrLst>
-    <dgm:effectClrLst/>
-    <dgm:txLinClrLst/>
-    <dgm:txFillClrLst/>
-    <dgm:txEffectClrLst/>
-  </dgm:styleLbl>
-  <dgm:styleLbl name="asst1">
-    <dgm:fillClrLst meth="repeat">
-      <a:schemeClr val="accent1"/>
-    </dgm:fillClrLst>
-    <dgm:linClrLst meth="repeat">
-      <a:schemeClr val="lt1"/>
-    </dgm:linClrLst>
-    <dgm:effectClrLst/>
-    <dgm:txLinClrLst/>
-    <dgm:txFillClrLst/>
-    <dgm:txEffectClrLst/>
-  </dgm:styleLbl>
-  <dgm:styleLbl name="asst2">
-    <dgm:fillClrLst meth="repeat">
-      <a:schemeClr val="accent1"/>
-    </dgm:fillClrLst>
-    <dgm:linClrLst meth="repeat">
-      <a:schemeClr val="lt1"/>
-    </dgm:linClrLst>
-    <dgm:effectClrLst/>
-    <dgm:txLinClrLst/>
-    <dgm:txFillClrLst/>
-    <dgm:txEffectClrLst/>
-  </dgm:styleLbl>
-  <dgm:styleLbl name="asst3">
-    <dgm:fillClrLst meth="repeat">
-      <a:schemeClr val="accent1"/>
-    </dgm:fillClrLst>
-    <dgm:linClrLst meth="repeat">
-      <a:schemeClr val="lt1"/>
-    </dgm:linClrLst>
-    <dgm:effectClrLst/>
-    <dgm:txLinClrLst/>
-    <dgm:txFillClrLst/>
-    <dgm:txEffectClrLst/>
-  </dgm:styleLbl>
-  <dgm:styleLbl name="asst4">
-    <dgm:fillClrLst meth="repeat">
-      <a:schemeClr val="accent1"/>
-    </dgm:fillClrLst>
-    <dgm:linClrLst meth="repeat">
-      <a:schemeClr val="lt1"/>
-    </dgm:linClrLst>
-    <dgm:effectClrLst/>
-    <dgm:txLinClrLst/>
-    <dgm:txFillClrLst/>
-    <dgm:txEffectClrLst/>
-  </dgm:styleLbl>
-  <dgm:styleLbl name="parChTrans2D1">
-    <dgm:fillClrLst meth="repeat">
-      <a:schemeClr val="accent1">
-        <a:tint val="60000"/>
-      </a:schemeClr>
-    </dgm:fillClrLst>
-    <dgm:linClrLst meth="repeat">
-      <a:schemeClr val="accent1">
-        <a:tint val="60000"/>
-      </a:schemeClr>
-    </dgm:linClrLst>
-    <dgm:effectClrLst/>
-    <dgm:txLinClrLst/>
-    <dgm:txFillClrLst meth="repeat">
-      <a:schemeClr val="lt1"/>
-    </dgm:txFillClrLst>
-    <dgm:txEffectClrLst/>
-  </dgm:styleLbl>
-  <dgm:styleLbl name="parChTrans2D2">
-    <dgm:fillClrLst meth="repeat">
-      <a:schemeClr val="accent1"/>
-    </dgm:fillClrLst>
-    <dgm:linClrLst meth="repeat">
-      <a:schemeClr val="accent1"/>
-    </dgm:linClrLst>
-    <dgm:effectClrLst/>
-    <dgm:txLinClrLst/>
-    <dgm:txFillClrLst meth="repeat">
-      <a:schemeClr val="lt1"/>
-    </dgm:txFillClrLst>
-    <dgm:txEffectClrLst/>
-  </dgm:styleLbl>
-  <dgm:styleLbl name="parChTrans2D3">
-    <dgm:fillClrLst meth="repeat">
-      <a:schemeClr val="accent1"/>
-    </dgm:fillClrLst>
-    <dgm:linClrLst meth="repeat">
-      <a:schemeClr val="accent1"/>
-    </dgm:linClrLst>
-    <dgm:effectClrLst/>
-    <dgm:txLinClrLst/>
-    <dgm:txFillClrLst meth="repeat">
-      <a:schemeClr val="lt1"/>
-    </dgm:txFillClrLst>
-    <dgm:txEffectClrLst/>
-  </dgm:styleLbl>
-  <dgm:styleLbl name="parChTrans2D4">
-    <dgm:fillClrLst meth="repeat">
-      <a:schemeClr val="accent1"/>
-    </dgm:fillClrLst>
-    <dgm:linClrLst meth="repeat">
-      <a:schemeClr val="accent1"/>
-    </dgm:linClrLst>
-    <dgm:effectClrLst/>
-    <dgm:txLinClrLst/>
-    <dgm:txFillClrLst meth="repeat">
-      <a:schemeClr val="lt1"/>
-    </dgm:txFillClrLst>
-    <dgm:txEffectClrLst/>
-  </dgm:styleLbl>
-  <dgm:styleLbl name="parChTrans1D1">
-    <dgm:fillClrLst meth="repeat">
-      <a:schemeClr val="accent1"/>
-    </dgm:fillClrLst>
-    <dgm:linClrLst meth="repeat">
-      <a:schemeClr val="accent1">
-        <a:shade val="60000"/>
-      </a:schemeClr>
-    </dgm:linClrLst>
-    <dgm:effectClrLst/>
-    <dgm:txLinClrLst/>
-    <dgm:txFillClrLst meth="repeat">
-      <a:schemeClr val="tx1"/>
-    </dgm:txFillClrLst>
-    <dgm:txEffectClrLst/>
-  </dgm:styleLbl>
-  <dgm:styleLbl name="parChTrans1D2">
-    <dgm:fillClrLst meth="repeat">
-      <a:schemeClr val="accent1"/>
-    </dgm:fillClrLst>
-    <dgm:linClrLst meth="repeat">
-      <a:schemeClr val="accent1">
-        <a:shade val="60000"/>
-      </a:schemeClr>
-    </dgm:linClrLst>
-    <dgm:effectClrLst/>
-    <dgm:txLinClrLst/>
-    <dgm:txFillClrLst meth="repeat">
-      <a:schemeClr val="tx1"/>
-    </dgm:txFillClrLst>
-    <dgm:txEffectClrLst/>
-  </dgm:styleLbl>
-  <dgm:styleLbl name="parChTrans1D3">
-    <dgm:fillClrLst meth="repeat">
-      <a:schemeClr val="accent1"/>
-    </dgm:fillClrLst>
-    <dgm:linClrLst meth="repeat">
-      <a:schemeClr val="accent1">
-        <a:shade val="80000"/>
-      </a:schemeClr>
-    </dgm:linClrLst>
-    <dgm:effectClrLst/>
-    <dgm:txLinClrLst/>
-    <dgm:txFillClrLst meth="repeat">
-      <a:schemeClr val="tx1"/>
-    </dgm:txFillClrLst>
-    <dgm:txEffectClrLst/>
-  </dgm:styleLbl>
-  <dgm:styleLbl name="parChTrans1D4">
-    <dgm:fillClrLst meth="repeat">
-      <a:schemeClr val="accent1"/>
-    </dgm:fillClrLst>
-    <dgm:linClrLst meth="repeat">
-      <a:schemeClr val="accent1">
-        <a:shade val="80000"/>
-      </a:schemeClr>
-    </dgm:linClrLst>
-    <dgm:effectClrLst/>
-    <dgm:txLinClrLst/>
-    <dgm:txFillClrLst meth="repeat">
-      <a:schemeClr val="tx1"/>
-    </dgm:txFillClrLst>
-    <dgm:txEffectClrLst/>
-  </dgm:styleLbl>
-  <dgm:styleLbl name="fgAcc1">
-    <dgm:fillClrLst meth="repeat">
-      <a:schemeClr val="lt1">
-        <a:alpha val="90000"/>
-      </a:schemeClr>
-    </dgm:fillClrLst>
-    <dgm:linClrLst meth="repeat">
-      <a:schemeClr val="accent1"/>
-    </dgm:linClrLst>
-    <dgm:effectClrLst/>
-    <dgm:txLinClrLst/>
-    <dgm:txFillClrLst meth="repeat">
-      <a:schemeClr val="dk1"/>
-    </dgm:txFillClrLst>
-    <dgm:txEffectClrLst/>
-  </dgm:styleLbl>
-  <dgm:styleLbl name="conFgAcc1">
-    <dgm:fillClrLst meth="repeat">
-      <a:schemeClr val="lt1">
-        <a:alpha val="90000"/>
-      </a:schemeClr>
-    </dgm:fillClrLst>
-    <dgm:linClrLst meth="repeat">
-      <a:schemeClr val="accent1"/>
-    </dgm:linClrLst>
-    <dgm:effectClrLst/>
-    <dgm:txLinClrLst/>
-    <dgm:txFillClrLst meth="repeat">
-      <a:schemeClr val="dk1"/>
-    </dgm:txFillClrLst>
-    <dgm:txEffectClrLst/>
-  </dgm:styleLbl>
-  <dgm:styleLbl name="alignAcc1">
-    <dgm:fillClrLst meth="repeat">
-      <a:schemeClr val="lt1">
-        <a:alpha val="90000"/>
-      </a:schemeClr>
-    </dgm:fillClrLst>
-    <dgm:linClrLst meth="repeat">
-      <a:schemeClr val="accent1"/>
-    </dgm:linClrLst>
-    <dgm:effectClrLst/>
-    <dgm:txLinClrLst/>
-    <dgm:txFillClrLst meth="repeat">
-      <a:schemeClr val="dk1"/>
-    </dgm:txFillClrLst>
-    <dgm:txEffectClrLst/>
-  </dgm:styleLbl>
-  <dgm:styleLbl name="trAlignAcc1">
-    <dgm:fillClrLst meth="repeat">
-      <a:schemeClr val="lt1">
-        <a:alpha val="40000"/>
-      </a:schemeClr>
-    </dgm:fillClrLst>
-    <dgm:linClrLst meth="repeat">
-      <a:schemeClr val="accent1"/>
-    </dgm:linClrLst>
-    <dgm:effectClrLst/>
-    <dgm:txLinClrLst/>
-    <dgm:txFillClrLst meth="repeat">
-      <a:schemeClr val="dk1"/>
-    </dgm:txFillClrLst>
-    <dgm:txEffectClrLst/>
-  </dgm:styleLbl>
-  <dgm:styleLbl name="bgAcc1">
-    <dgm:fillClrLst meth="repeat">
-      <a:schemeClr val="lt1">
-        <a:alpha val="90000"/>
-      </a:schemeClr>
-    </dgm:fillClrLst>
-    <dgm:linClrLst meth="repeat">
-      <a:schemeClr val="accent1"/>
-    </dgm:linClrLst>
-    <dgm:effectClrLst/>
-    <dgm:txLinClrLst/>
-    <dgm:txFillClrLst meth="repeat">
-      <a:schemeClr val="dk1"/>
-    </dgm:txFillClrLst>
-    <dgm:txEffectClrLst/>
-  </dgm:styleLbl>
-  <dgm:styleLbl name="solidFgAcc1">
-    <dgm:fillClrLst meth="repeat">
-      <a:schemeClr val="lt1"/>
-    </dgm:fillClrLst>
-    <dgm:linClrLst meth="repeat">
-      <a:schemeClr val="accent1"/>
-    </dgm:linClrLst>
-    <dgm:effectClrLst/>
-    <dgm:txLinClrLst/>
-    <dgm:txFillClrLst meth="repeat">
-      <a:schemeClr val="dk1"/>
-    </dgm:txFillClrLst>
-    <dgm:txEffectClrLst/>
-  </dgm:styleLbl>
-  <dgm:styleLbl name="solidAlignAcc1">
-    <dgm:fillClrLst meth="repeat">
-      <a:schemeClr val="lt1"/>
-    </dgm:fillClrLst>
-    <dgm:linClrLst meth="repeat">
-      <a:schemeClr val="accent1"/>
-    </dgm:linClrLst>
-    <dgm:effectClrLst/>
-    <dgm:txLinClrLst/>
-    <dgm:txFillClrLst meth="repeat">
-      <a:schemeClr val="dk1"/>
-    </dgm:txFillClrLst>
-    <dgm:txEffectClrLst/>
-  </dgm:styleLbl>
-  <dgm:styleLbl name="solidBgAcc1">
-    <dgm:fillClrLst meth="repeat">
-      <a:schemeClr val="lt1"/>
-    </dgm:fillClrLst>
-    <dgm:linClrLst meth="repeat">
-      <a:schemeClr val="accent1"/>
-    </dgm:linClrLst>
-    <dgm:effectClrLst/>
-    <dgm:txLinClrLst/>
-    <dgm:txFillClrLst meth="repeat">
-      <a:schemeClr val="dk1"/>
-    </dgm:txFillClrLst>
-    <dgm:txEffectClrLst/>
-  </dgm:styleLbl>
-  <dgm:styleLbl name="fgAccFollowNode1">
-    <dgm:fillClrLst meth="repeat">
-      <a:schemeClr val="accent1">
-        <a:alpha val="90000"/>
-        <a:tint val="40000"/>
-      </a:schemeClr>
-    </dgm:fillClrLst>
-    <dgm:linClrLst meth="repeat">
-      <a:schemeClr val="accent1">
-        <a:alpha val="90000"/>
-        <a:tint val="40000"/>
-      </a:schemeClr>
-    </dgm:linClrLst>
-    <dgm:effectClrLst/>
-    <dgm:txLinClrLst/>
-    <dgm:txFillClrLst meth="repeat">
-      <a:schemeClr val="dk1"/>
-    </dgm:txFillClrLst>
-    <dgm:txEffectClrLst/>
-  </dgm:styleLbl>
-  <dgm:styleLbl name="alignAccFollowNode1">
-    <dgm:fillClrLst meth="repeat">
-      <a:schemeClr val="accent1">
-        <a:alpha val="90000"/>
-        <a:tint val="40000"/>
-      </a:schemeClr>
-    </dgm:fillClrLst>
-    <dgm:linClrLst meth="repeat">
-      <a:schemeClr val="accent1">
-        <a:alpha val="90000"/>
-        <a:tint val="40000"/>
-      </a:schemeClr>
-    </dgm:linClrLst>
-    <dgm:effectClrLst/>
-    <dgm:txLinClrLst/>
-    <dgm:txFillClrLst meth="repeat">
-      <a:schemeClr val="dk1"/>
-    </dgm:txFillClrLst>
-    <dgm:txEffectClrLst/>
-  </dgm:styleLbl>
-  <dgm:styleLbl name="bgAccFollowNode1">
-    <dgm:fillClrLst meth="repeat">
-      <a:schemeClr val="accent1">
-        <a:alpha val="90000"/>
-        <a:tint val="40000"/>
-      </a:schemeClr>
-    </dgm:fillClrLst>
-    <dgm:linClrLst meth="repeat">
-      <a:schemeClr val="accent1">
-        <a:alpha val="90000"/>
-        <a:tint val="40000"/>
-      </a:schemeClr>
-    </dgm:linClrLst>
-    <dgm:effectClrLst/>
-    <dgm:txLinClrLst/>
-    <dgm:txFillClrLst meth="repeat">
-      <a:schemeClr val="dk1"/>
-    </dgm:txFillClrLst>
-    <dgm:txEffectClrLst/>
-  </dgm:styleLbl>
-  <dgm:styleLbl name="fgAcc0">
-    <dgm:fillClrLst meth="repeat">
-      <a:schemeClr val="lt1">
-        <a:alpha val="90000"/>
-      </a:schemeClr>
-    </dgm:fillClrLst>
-    <dgm:linClrLst meth="repeat">
-      <a:schemeClr val="accent1"/>
-    </dgm:linClrLst>
-    <dgm:effectClrLst/>
-    <dgm:txLinClrLst/>
-    <dgm:txFillClrLst meth="repeat">
-      <a:schemeClr val="dk1"/>
-    </dgm:txFillClrLst>
-    <dgm:txEffectClrLst/>
-  </dgm:styleLbl>
-  <dgm:styleLbl name="fgAcc2">
-    <dgm:fillClrLst meth="repeat">
-      <a:schemeClr val="lt1">
-        <a:alpha val="90000"/>
-      </a:schemeClr>
-    </dgm:fillClrLst>
-    <dgm:linClrLst meth="repeat">
-      <a:schemeClr val="accent1"/>
-    </dgm:linClrLst>
-    <dgm:effectClrLst/>
-    <dgm:txLinClrLst/>
-    <dgm:txFillClrLst meth="repeat">
-      <a:schemeClr val="dk1"/>
-    </dgm:txFillClrLst>
-    <dgm:txEffectClrLst/>
-  </dgm:styleLbl>
-  <dgm:styleLbl name="fgAcc3">
-    <dgm:fillClrLst meth="repeat">
-      <a:schemeClr val="lt1">
-        <a:alpha val="90000"/>
-      </a:schemeClr>
-    </dgm:fillClrLst>
-    <dgm:linClrLst meth="repeat">
-      <a:schemeClr val="accent1"/>
-    </dgm:linClrLst>
-    <dgm:effectClrLst/>
-    <dgm:txLinClrLst/>
-    <dgm:txFillClrLst meth="repeat">
-      <a:schemeClr val="dk1"/>
-    </dgm:txFillClrLst>
-    <dgm:txEffectClrLst/>
-  </dgm:styleLbl>
-  <dgm:styleLbl name="fgAcc4">
-    <dgm:fillClrLst meth="repeat">
-      <a:schemeClr val="lt1">
-        <a:alpha val="90000"/>
-      </a:schemeClr>
-    </dgm:fillClrLst>
-    <dgm:linClrLst meth="repeat">
-      <a:schemeClr val="accent1"/>
-    </dgm:linClrLst>
-    <dgm:effectClrLst/>
-    <dgm:txLinClrLst/>
-    <dgm:txFillClrLst meth="repeat">
-      <a:schemeClr val="dk1"/>
-    </dgm:txFillClrLst>
-    <dgm:txEffectClrLst/>
-  </dgm:styleLbl>
-  <dgm:styleLbl name="bgShp">
-    <dgm:fillClrLst meth="repeat">
-      <a:schemeClr val="accent1">
-        <a:tint val="40000"/>
-      </a:schemeClr>
-    </dgm:fillClrLst>
-    <dgm:linClrLst meth="repeat">
-      <a:schemeClr val="accent1"/>
-    </dgm:linClrLst>
-    <dgm:effectClrLst/>
-    <dgm:txLinClrLst/>
-    <dgm:txFillClrLst meth="repeat">
-      <a:schemeClr val="dk1"/>
-    </dgm:txFillClrLst>
-    <dgm:txEffectClrLst/>
-  </dgm:styleLbl>
-  <dgm:styleLbl name="dkBgShp">
-    <dgm:fillClrLst meth="repeat">
-      <a:schemeClr val="accent1">
-        <a:shade val="80000"/>
-      </a:schemeClr>
-    </dgm:fillClrLst>
-    <dgm:linClrLst meth="repeat">
-      <a:schemeClr val="accent1"/>
-    </dgm:linClrLst>
-    <dgm:effectClrLst/>
-    <dgm:txLinClrLst/>
-    <dgm:txFillClrLst meth="repeat">
-      <a:schemeClr val="lt1"/>
-    </dgm:txFillClrLst>
-    <dgm:txEffectClrLst/>
-  </dgm:styleLbl>
-  <dgm:styleLbl name="trBgShp">
-    <dgm:fillClrLst meth="repeat">
-      <a:schemeClr val="accent1">
-        <a:tint val="50000"/>
-        <a:alpha val="40000"/>
-      </a:schemeClr>
-    </dgm:fillClrLst>
-    <dgm:linClrLst meth="repeat">
-      <a:schemeClr val="accent1"/>
-    </dgm:linClrLst>
-    <dgm:effectClrLst/>
-    <dgm:txLinClrLst/>
-    <dgm:txFillClrLst meth="repeat">
-      <a:schemeClr val="lt1"/>
-    </dgm:txFillClrLst>
-    <dgm:txEffectClrLst/>
-  </dgm:styleLbl>
-  <dgm:styleLbl name="fgShp">
-    <dgm:fillClrLst meth="repeat">
-      <a:schemeClr val="accent1">
-        <a:tint val="60000"/>
-      </a:schemeClr>
-    </dgm:fillClrLst>
-    <dgm:linClrLst meth="repeat">
-      <a:schemeClr val="lt1"/>
-    </dgm:linClrLst>
-    <dgm:effectClrLst/>
-    <dgm:txLinClrLst/>
-    <dgm:txFillClrLst meth="repeat">
-      <a:schemeClr val="dk1"/>
-    </dgm:txFillClrLst>
-    <dgm:txEffectClrLst/>
-  </dgm:styleLbl>
-  <dgm:styleLbl name="revTx">
-    <dgm:fillClrLst meth="repeat">
-      <a:schemeClr val="lt1">
-        <a:alpha val="0"/>
-      </a:schemeClr>
-    </dgm:fillClrLst>
-    <dgm:linClrLst meth="repeat">
-      <a:schemeClr val="dk1">
-        <a:alpha val="0"/>
-      </a:schemeClr>
-    </dgm:linClrLst>
-    <dgm:effectClrLst/>
-    <dgm:txLinClrLst/>
-    <dgm:txFillClrLst meth="repeat">
-      <a:schemeClr val="tx1"/>
-    </dgm:txFillClrLst>
-    <dgm:txEffectClrLst/>
-  </dgm:styleLbl>
-</dgm:colorsDef>
-</file>
-
 <file path=ppt/diagrams/data1.xml><?xml version="1.0" encoding="utf-8"?>
 <dgm:dataModel xmlns:dgm="http://schemas.openxmlformats.org/drawingml/2006/diagram" xmlns:a="http://schemas.openxmlformats.org/drawingml/2006/main">
   <dgm:ptLst>
@@ -2701,113 +1949,6 @@
 </file>
 
 <file path=ppt/diagrams/data2.xml><?xml version="1.0" encoding="utf-8"?>
-<dgm:dataModel xmlns:dgm="http://schemas.openxmlformats.org/drawingml/2006/diagram" xmlns:a="http://schemas.openxmlformats.org/drawingml/2006/main">
-  <dgm:ptLst>
-    <dgm:pt modelId="{36F7B3D8-5521-486E-A840-675CD5663D63}" type="doc">
-      <dgm:prSet loTypeId="urn:microsoft.com/office/officeart/2005/8/layout/lProcess3" loCatId="process" qsTypeId="urn:microsoft.com/office/officeart/2005/8/quickstyle/simple1" qsCatId="simple" csTypeId="urn:microsoft.com/office/officeart/2005/8/colors/accent1_2" csCatId="accent1" phldr="1"/>
-      <dgm:spPr/>
-      <dgm:t>
-        <a:bodyPr/>
-        <a:lstStyle/>
-        <a:p>
-          <a:endParaRPr lang="en-US"/>
-        </a:p>
-      </dgm:t>
-    </dgm:pt>
-    <dgm:pt modelId="{B0BBC257-6BC8-40C9-972C-0145B55AA1FF}">
-      <dgm:prSet/>
-      <dgm:spPr>
-        <a:solidFill>
-          <a:srgbClr val="492856"/>
-        </a:solidFill>
-      </dgm:spPr>
-      <dgm:t>
-        <a:bodyPr/>
-        <a:lstStyle/>
-        <a:p>
-          <a:pPr rtl="0"/>
-          <a:r>
-            <a:rPr lang="en-US" b="0" i="0" dirty="0" smtClean="0"/>
-            <a:t>Register:</a:t>
-          </a:r>
-          <a:endParaRPr lang="en-US" dirty="0"/>
-        </a:p>
-      </dgm:t>
-    </dgm:pt>
-    <dgm:pt modelId="{4723CC5D-6CC7-4BEA-ADB2-023388DFF69B}" type="parTrans" cxnId="{D14704B2-CD95-4A9B-BDCF-998C96594FBF}">
-      <dgm:prSet/>
-      <dgm:spPr/>
-      <dgm:t>
-        <a:bodyPr/>
-        <a:lstStyle/>
-        <a:p>
-          <a:endParaRPr lang="en-US"/>
-        </a:p>
-      </dgm:t>
-    </dgm:pt>
-    <dgm:pt modelId="{9332BEB3-0CC0-4D41-B157-CA9FAFB8B790}" type="sibTrans" cxnId="{D14704B2-CD95-4A9B-BDCF-998C96594FBF}">
-      <dgm:prSet/>
-      <dgm:spPr/>
-      <dgm:t>
-        <a:bodyPr/>
-        <a:lstStyle/>
-        <a:p>
-          <a:endParaRPr lang="en-US"/>
-        </a:p>
-      </dgm:t>
-    </dgm:pt>
-    <dgm:pt modelId="{1A6BF691-0197-4FE9-AC45-CF57B326B417}" type="pres">
-      <dgm:prSet presAssocID="{36F7B3D8-5521-486E-A840-675CD5663D63}" presName="Name0" presStyleCnt="0">
-        <dgm:presLayoutVars>
-          <dgm:chPref val="3"/>
-          <dgm:dir/>
-          <dgm:animLvl val="lvl"/>
-          <dgm:resizeHandles/>
-        </dgm:presLayoutVars>
-      </dgm:prSet>
-      <dgm:spPr/>
-      <dgm:t>
-        <a:bodyPr/>
-        <a:lstStyle/>
-        <a:p>
-          <a:endParaRPr lang="en-US"/>
-        </a:p>
-      </dgm:t>
-    </dgm:pt>
-    <dgm:pt modelId="{5E1EEDB2-D5F2-482A-B7DF-FD01B54881A9}" type="pres">
-      <dgm:prSet presAssocID="{B0BBC257-6BC8-40C9-972C-0145B55AA1FF}" presName="horFlow" presStyleCnt="0"/>
-      <dgm:spPr/>
-    </dgm:pt>
-    <dgm:pt modelId="{E93AFE61-0092-4A9F-AD5E-A54C772A64C1}" type="pres">
-      <dgm:prSet presAssocID="{B0BBC257-6BC8-40C9-972C-0145B55AA1FF}" presName="bigChev" presStyleLbl="node1" presStyleIdx="0" presStyleCnt="1" custLinFactNeighborX="-40941" custLinFactNeighborY="-59"/>
-      <dgm:spPr/>
-      <dgm:t>
-        <a:bodyPr/>
-        <a:lstStyle/>
-        <a:p>
-          <a:endParaRPr lang="en-US"/>
-        </a:p>
-      </dgm:t>
-    </dgm:pt>
-  </dgm:ptLst>
-  <dgm:cxnLst>
-    <dgm:cxn modelId="{6E7BF3A0-843B-452A-AB34-261A80BA515C}" type="presOf" srcId="{36F7B3D8-5521-486E-A840-675CD5663D63}" destId="{1A6BF691-0197-4FE9-AC45-CF57B326B417}" srcOrd="0" destOrd="0" presId="urn:microsoft.com/office/officeart/2005/8/layout/lProcess3"/>
-    <dgm:cxn modelId="{8E3DA4F7-CC21-4507-82A4-0BC23F5CE59A}" type="presOf" srcId="{B0BBC257-6BC8-40C9-972C-0145B55AA1FF}" destId="{E93AFE61-0092-4A9F-AD5E-A54C772A64C1}" srcOrd="0" destOrd="0" presId="urn:microsoft.com/office/officeart/2005/8/layout/lProcess3"/>
-    <dgm:cxn modelId="{D14704B2-CD95-4A9B-BDCF-998C96594FBF}" srcId="{36F7B3D8-5521-486E-A840-675CD5663D63}" destId="{B0BBC257-6BC8-40C9-972C-0145B55AA1FF}" srcOrd="0" destOrd="0" parTransId="{4723CC5D-6CC7-4BEA-ADB2-023388DFF69B}" sibTransId="{9332BEB3-0CC0-4D41-B157-CA9FAFB8B790}"/>
-    <dgm:cxn modelId="{3D496ECA-249B-4EA6-827B-6ACBE4F0351A}" type="presParOf" srcId="{1A6BF691-0197-4FE9-AC45-CF57B326B417}" destId="{5E1EEDB2-D5F2-482A-B7DF-FD01B54881A9}" srcOrd="0" destOrd="0" presId="urn:microsoft.com/office/officeart/2005/8/layout/lProcess3"/>
-    <dgm:cxn modelId="{55EC9782-FBCF-4510-AE05-DCDD948D66F2}" type="presParOf" srcId="{5E1EEDB2-D5F2-482A-B7DF-FD01B54881A9}" destId="{E93AFE61-0092-4A9F-AD5E-A54C772A64C1}" srcOrd="0" destOrd="0" presId="urn:microsoft.com/office/officeart/2005/8/layout/lProcess3"/>
-  </dgm:cxnLst>
-  <dgm:bg/>
-  <dgm:whole/>
-  <dgm:extLst>
-    <a:ext uri="http://schemas.microsoft.com/office/drawing/2008/diagram">
-      <dsp:dataModelExt xmlns:dsp="http://schemas.microsoft.com/office/drawing/2008/diagram" relId="rId6" minVer="http://schemas.openxmlformats.org/drawingml/2006/diagram"/>
-    </a:ext>
-  </dgm:extLst>
-</dgm:dataModel>
-</file>
-
-<file path=ppt/diagrams/data3.xml><?xml version="1.0" encoding="utf-8"?>
 <dgm:dataModel xmlns:dgm="http://schemas.openxmlformats.org/drawingml/2006/diagram" xmlns:a="http://schemas.openxmlformats.org/drawingml/2006/main">
   <dgm:ptLst>
     <dgm:pt modelId="{11E93BED-0E5A-47E4-8EAF-5B93ADB01DA5}" type="doc">
@@ -3324,90 +2465,6 @@
       <dsp:cNvGrpSpPr/>
     </dsp:nvGrpSpPr>
     <dsp:grpSpPr/>
-    <dsp:sp modelId="{E93AFE61-0092-4A9F-AD5E-A54C772A64C1}">
-      <dsp:nvSpPr>
-        <dsp:cNvPr id="0" name=""/>
-        <dsp:cNvSpPr/>
-      </dsp:nvSpPr>
-      <dsp:spPr>
-        <a:xfrm>
-          <a:off x="7" y="3"/>
-          <a:ext cx="2029585" cy="811834"/>
-        </a:xfrm>
-        <a:prstGeom prst="chevron">
-          <a:avLst/>
-        </a:prstGeom>
-        <a:solidFill>
-          <a:srgbClr val="492856"/>
-        </a:solidFill>
-        <a:ln w="19050" cap="rnd" cmpd="sng" algn="ctr">
-          <a:solidFill>
-            <a:schemeClr val="lt1">
-              <a:hueOff val="0"/>
-              <a:satOff val="0"/>
-              <a:lumOff val="0"/>
-              <a:alphaOff val="0"/>
-            </a:schemeClr>
-          </a:solidFill>
-          <a:prstDash val="solid"/>
-        </a:ln>
-        <a:effectLst/>
-      </dsp:spPr>
-      <dsp:style>
-        <a:lnRef idx="2">
-          <a:scrgbClr r="0" g="0" b="0"/>
-        </a:lnRef>
-        <a:fillRef idx="1">
-          <a:scrgbClr r="0" g="0" b="0"/>
-        </a:fillRef>
-        <a:effectRef idx="0">
-          <a:scrgbClr r="0" g="0" b="0"/>
-        </a:effectRef>
-        <a:fontRef idx="minor">
-          <a:schemeClr val="lt1"/>
-        </a:fontRef>
-      </dsp:style>
-      <dsp:txBody>
-        <a:bodyPr spcFirstLastPara="0" vert="horz" wrap="square" lIns="27940" tIns="13970" rIns="0" bIns="13970" numCol="1" spcCol="1270" anchor="ctr" anchorCtr="0">
-          <a:noAutofit/>
-        </a:bodyPr>
-        <a:lstStyle/>
-        <a:p>
-          <a:pPr lvl="0" algn="ctr" defTabSz="977900" rtl="0">
-            <a:lnSpc>
-              <a:spcPct val="90000"/>
-            </a:lnSpc>
-            <a:spcBef>
-              <a:spcPct val="0"/>
-            </a:spcBef>
-            <a:spcAft>
-              <a:spcPct val="35000"/>
-            </a:spcAft>
-          </a:pPr>
-          <a:r>
-            <a:rPr lang="en-US" sz="2200" b="0" i="0" kern="1200" dirty="0" smtClean="0"/>
-            <a:t>Register:</a:t>
-          </a:r>
-          <a:endParaRPr lang="en-US" sz="2200" kern="1200" dirty="0"/>
-        </a:p>
-      </dsp:txBody>
-      <dsp:txXfrm>
-        <a:off x="405924" y="3"/>
-        <a:ext cx="1217751" cy="811834"/>
-      </dsp:txXfrm>
-    </dsp:sp>
-  </dsp:spTree>
-</dsp:drawing>
-</file>
-
-<file path=ppt/diagrams/drawing3.xml><?xml version="1.0" encoding="utf-8"?>
-<dsp:drawing xmlns:dgm="http://schemas.openxmlformats.org/drawingml/2006/diagram" xmlns:dsp="http://schemas.microsoft.com/office/drawing/2008/diagram" xmlns:a="http://schemas.openxmlformats.org/drawingml/2006/main">
-  <dsp:spTree>
-    <dsp:nvGrpSpPr>
-      <dsp:cNvPr id="0" name=""/>
-      <dsp:cNvGrpSpPr/>
-    </dsp:nvGrpSpPr>
-    <dsp:grpSpPr/>
     <dsp:sp modelId="{DC47FBCC-5F59-4945-810D-7878BE10F831}">
       <dsp:nvSpPr>
         <dsp:cNvPr id="0" name=""/>
@@ -3717,287 +2774,6 @@
 </file>
 
 <file path=ppt/diagrams/layout2.xml><?xml version="1.0" encoding="utf-8"?>
-<dgm:layoutDef xmlns:dgm="http://schemas.openxmlformats.org/drawingml/2006/diagram" xmlns:a="http://schemas.openxmlformats.org/drawingml/2006/main" uniqueId="urn:microsoft.com/office/officeart/2005/8/layout/lProcess3">
-  <dgm:title val=""/>
-  <dgm:desc val=""/>
-  <dgm:catLst>
-    <dgm:cat type="process" pri="11000"/>
-    <dgm:cat type="convert" pri="12000"/>
-  </dgm:catLst>
-  <dgm:sampData>
-    <dgm:dataModel>
-      <dgm:ptLst>
-        <dgm:pt modelId="0" type="doc"/>
-        <dgm:pt modelId="1">
-          <dgm:prSet phldr="1"/>
-        </dgm:pt>
-        <dgm:pt modelId="11">
-          <dgm:prSet phldr="1"/>
-        </dgm:pt>
-        <dgm:pt modelId="12">
-          <dgm:prSet phldr="1"/>
-        </dgm:pt>
-        <dgm:pt modelId="2">
-          <dgm:prSet phldr="1"/>
-        </dgm:pt>
-        <dgm:pt modelId="21">
-          <dgm:prSet phldr="1"/>
-        </dgm:pt>
-        <dgm:pt modelId="22">
-          <dgm:prSet phldr="1"/>
-        </dgm:pt>
-        <dgm:pt modelId="3">
-          <dgm:prSet phldr="1"/>
-        </dgm:pt>
-        <dgm:pt modelId="31">
-          <dgm:prSet phldr="1"/>
-        </dgm:pt>
-        <dgm:pt modelId="32">
-          <dgm:prSet phldr="1"/>
-        </dgm:pt>
-      </dgm:ptLst>
-      <dgm:cxnLst>
-        <dgm:cxn modelId="4" srcId="0" destId="1" srcOrd="0" destOrd="0"/>
-        <dgm:cxn modelId="5" srcId="0" destId="2" srcOrd="1" destOrd="0"/>
-        <dgm:cxn modelId="6" srcId="0" destId="3" srcOrd="2" destOrd="0"/>
-        <dgm:cxn modelId="41" srcId="1" destId="11" srcOrd="0" destOrd="0"/>
-        <dgm:cxn modelId="42" srcId="1" destId="12" srcOrd="1" destOrd="0"/>
-        <dgm:cxn modelId="51" srcId="2" destId="21" srcOrd="0" destOrd="0"/>
-        <dgm:cxn modelId="52" srcId="2" destId="22" srcOrd="1" destOrd="0"/>
-        <dgm:cxn modelId="61" srcId="3" destId="31" srcOrd="0" destOrd="0"/>
-        <dgm:cxn modelId="62" srcId="3" destId="32" srcOrd="1" destOrd="0"/>
-      </dgm:cxnLst>
-      <dgm:bg/>
-      <dgm:whole/>
-    </dgm:dataModel>
-  </dgm:sampData>
-  <dgm:styleData>
-    <dgm:dataModel>
-      <dgm:ptLst>
-        <dgm:pt modelId="0" type="doc"/>
-        <dgm:pt modelId="1"/>
-        <dgm:pt modelId="2"/>
-      </dgm:ptLst>
-      <dgm:cxnLst>
-        <dgm:cxn modelId="4" srcId="0" destId="1" srcOrd="0" destOrd="0"/>
-        <dgm:cxn modelId="5" srcId="1" destId="2" srcOrd="0" destOrd="0"/>
-      </dgm:cxnLst>
-      <dgm:bg/>
-      <dgm:whole/>
-    </dgm:dataModel>
-  </dgm:styleData>
-  <dgm:clrData>
-    <dgm:dataModel>
-      <dgm:ptLst>
-        <dgm:pt modelId="0" type="doc"/>
-        <dgm:pt modelId="1"/>
-        <dgm:pt modelId="11"/>
-        <dgm:pt modelId="2"/>
-        <dgm:pt modelId="21"/>
-        <dgm:pt modelId="3"/>
-        <dgm:pt modelId="31"/>
-        <dgm:pt modelId="4"/>
-        <dgm:pt modelId="41"/>
-      </dgm:ptLst>
-      <dgm:cxnLst>
-        <dgm:cxn modelId="5" srcId="0" destId="1" srcOrd="0" destOrd="0"/>
-        <dgm:cxn modelId="6" srcId="0" destId="2" srcOrd="1" destOrd="0"/>
-        <dgm:cxn modelId="7" srcId="0" destId="3" srcOrd="2" destOrd="0"/>
-        <dgm:cxn modelId="8" srcId="0" destId="4" srcOrd="3" destOrd="0"/>
-        <dgm:cxn modelId="51" srcId="1" destId="11" srcOrd="0" destOrd="0"/>
-        <dgm:cxn modelId="61" srcId="2" destId="21" srcOrd="0" destOrd="0"/>
-        <dgm:cxn modelId="71" srcId="3" destId="31" srcOrd="0" destOrd="0"/>
-        <dgm:cxn modelId="81" srcId="4" destId="41" srcOrd="0" destOrd="0"/>
-      </dgm:cxnLst>
-      <dgm:bg/>
-      <dgm:whole/>
-    </dgm:dataModel>
-  </dgm:clrData>
-  <dgm:layoutNode name="Name0">
-    <dgm:varLst>
-      <dgm:chPref val="3"/>
-      <dgm:dir/>
-      <dgm:animLvl val="lvl"/>
-      <dgm:resizeHandles/>
-    </dgm:varLst>
-    <dgm:choose name="Name1">
-      <dgm:if name="Name2" func="var" arg="dir" op="equ" val="norm">
-        <dgm:alg type="lin">
-          <dgm:param type="linDir" val="fromT"/>
-          <dgm:param type="vertAlign" val="mid"/>
-          <dgm:param type="nodeHorzAlign" val="l"/>
-          <dgm:param type="nodeVertAlign" val="t"/>
-          <dgm:param type="fallback" val="2D"/>
-        </dgm:alg>
-      </dgm:if>
-      <dgm:else name="Name3">
-        <dgm:alg type="lin">
-          <dgm:param type="linDir" val="fromT"/>
-          <dgm:param type="vertAlign" val="mid"/>
-          <dgm:param type="nodeHorzAlign" val="r"/>
-          <dgm:param type="nodeVertAlign" val="t"/>
-          <dgm:param type="fallback" val="2D"/>
-        </dgm:alg>
-      </dgm:else>
-    </dgm:choose>
-    <dgm:shape xmlns:r="http://schemas.openxmlformats.org/officeDocument/2006/relationships" r:blip="">
-      <dgm:adjLst/>
-    </dgm:shape>
-    <dgm:presOf/>
-    <dgm:constrLst>
-      <dgm:constr type="w" for="des" forName="bigChev" refType="w"/>
-      <dgm:constr type="h" for="des" forName="bigChev" refType="w" refFor="des" refForName="bigChev" op="equ" fact="0.4"/>
-      <dgm:constr type="w" for="des" forName="node" refType="w" refFor="des" refForName="bigChev" fact="0.83"/>
-      <dgm:constr type="h" for="des" forName="node" refType="w" refFor="des" refForName="node" op="equ" fact="0.4"/>
-      <dgm:constr type="w" for="des" forName="parTrans" refType="w" refFor="des" refForName="bigChev" op="equ" fact="-0.13"/>
-      <dgm:constr type="w" for="des" forName="sibTrans" refType="w" refFor="des" refForName="node" op="equ" fact="-0.14"/>
-      <dgm:constr type="h" for="ch" forName="vSp" refType="h" refFor="des" refForName="bigChev" op="equ" fact="0.14"/>
-      <dgm:constr type="primFontSz" for="des" forName="node" op="equ"/>
-      <dgm:constr type="primFontSz" for="des" forName="bigChev" op="equ"/>
-    </dgm:constrLst>
-    <dgm:ruleLst/>
-    <dgm:forEach name="Name4" axis="ch" ptType="node">
-      <dgm:layoutNode name="horFlow">
-        <dgm:choose name="Name5">
-          <dgm:if name="Name6" func="var" arg="dir" op="equ" val="norm">
-            <dgm:alg type="lin">
-              <dgm:param type="linDir" val="fromL"/>
-              <dgm:param type="nodeHorzAlign" val="l"/>
-              <dgm:param type="nodeVertAlign" val="mid"/>
-              <dgm:param type="fallback" val="2D"/>
-            </dgm:alg>
-          </dgm:if>
-          <dgm:else name="Name7">
-            <dgm:alg type="lin">
-              <dgm:param type="linDir" val="fromR"/>
-              <dgm:param type="nodeHorzAlign" val="r"/>
-              <dgm:param type="nodeVertAlign" val="mid"/>
-              <dgm:param type="fallback" val="2D"/>
-            </dgm:alg>
-          </dgm:else>
-        </dgm:choose>
-        <dgm:shape xmlns:r="http://schemas.openxmlformats.org/officeDocument/2006/relationships" r:blip="">
-          <dgm:adjLst/>
-        </dgm:shape>
-        <dgm:presOf/>
-        <dgm:constrLst/>
-        <dgm:ruleLst/>
-        <dgm:layoutNode name="bigChev" styleLbl="node1">
-          <dgm:alg type="tx"/>
-          <dgm:choose name="Name8">
-            <dgm:if name="Name9" func="var" arg="dir" op="equ" val="norm">
-              <dgm:shape xmlns:r="http://schemas.openxmlformats.org/officeDocument/2006/relationships" type="chevron" r:blip="">
-                <dgm:adjLst/>
-              </dgm:shape>
-              <dgm:presOf axis="self"/>
-              <dgm:constrLst>
-                <dgm:constr type="primFontSz" val="65"/>
-                <dgm:constr type="rMarg"/>
-                <dgm:constr type="lMarg" refType="primFontSz" fact="0.1"/>
-                <dgm:constr type="tMarg" refType="primFontSz" fact="0.05"/>
-                <dgm:constr type="bMarg" refType="primFontSz" fact="0.05"/>
-              </dgm:constrLst>
-            </dgm:if>
-            <dgm:else name="Name10">
-              <dgm:shape xmlns:r="http://schemas.openxmlformats.org/officeDocument/2006/relationships" rot="180" type="chevron" r:blip="">
-                <dgm:adjLst/>
-              </dgm:shape>
-              <dgm:presOf axis="self"/>
-              <dgm:constrLst>
-                <dgm:constr type="primFontSz" val="65"/>
-                <dgm:constr type="lMarg"/>
-                <dgm:constr type="rMarg" refType="primFontSz" fact="0.1"/>
-                <dgm:constr type="tMarg" refType="primFontSz" fact="0.05"/>
-                <dgm:constr type="bMarg" refType="primFontSz" fact="0.05"/>
-              </dgm:constrLst>
-            </dgm:else>
-          </dgm:choose>
-          <dgm:ruleLst>
-            <dgm:rule type="primFontSz" val="5" fact="NaN" max="NaN"/>
-          </dgm:ruleLst>
-        </dgm:layoutNode>
-        <dgm:forEach name="parTransForEach" axis="ch" ptType="parTrans" cnt="1">
-          <dgm:layoutNode name="parTrans">
-            <dgm:alg type="sp"/>
-            <dgm:shape xmlns:r="http://schemas.openxmlformats.org/officeDocument/2006/relationships" r:blip="">
-              <dgm:adjLst/>
-            </dgm:shape>
-            <dgm:presOf/>
-            <dgm:constrLst/>
-            <dgm:ruleLst/>
-          </dgm:layoutNode>
-        </dgm:forEach>
-        <dgm:forEach name="Name11" axis="ch" ptType="node">
-          <dgm:layoutNode name="node" styleLbl="alignAccFollowNode1">
-            <dgm:varLst>
-              <dgm:bulletEnabled val="1"/>
-            </dgm:varLst>
-            <dgm:alg type="tx"/>
-            <dgm:choose name="Name12">
-              <dgm:if name="Name13" func="var" arg="dir" op="equ" val="norm">
-                <dgm:shape xmlns:r="http://schemas.openxmlformats.org/officeDocument/2006/relationships" type="chevron" r:blip="">
-                  <dgm:adjLst/>
-                </dgm:shape>
-                <dgm:presOf axis="desOrSelf" ptType="node"/>
-                <dgm:constrLst>
-                  <dgm:constr type="primFontSz" val="65"/>
-                  <dgm:constr type="rMarg"/>
-                  <dgm:constr type="lMarg" refType="primFontSz" fact="0.1"/>
-                  <dgm:constr type="tMarg" refType="primFontSz" fact="0.05"/>
-                  <dgm:constr type="bMarg" refType="primFontSz" fact="0.05"/>
-                </dgm:constrLst>
-              </dgm:if>
-              <dgm:else name="Name14">
-                <dgm:shape xmlns:r="http://schemas.openxmlformats.org/officeDocument/2006/relationships" rot="180" type="chevron" r:blip="">
-                  <dgm:adjLst/>
-                </dgm:shape>
-                <dgm:presOf axis="desOrSelf" ptType="node"/>
-                <dgm:constrLst>
-                  <dgm:constr type="primFontSz" val="65"/>
-                  <dgm:constr type="lMarg"/>
-                  <dgm:constr type="rMarg" refType="primFontSz" fact="0.1"/>
-                  <dgm:constr type="tMarg" refType="primFontSz" fact="0.05"/>
-                  <dgm:constr type="bMarg" refType="primFontSz" fact="0.05"/>
-                </dgm:constrLst>
-              </dgm:else>
-            </dgm:choose>
-            <dgm:ruleLst>
-              <dgm:rule type="primFontSz" val="5" fact="NaN" max="NaN"/>
-            </dgm:ruleLst>
-          </dgm:layoutNode>
-          <dgm:forEach name="sibTransForEach" axis="followSib" ptType="sibTrans" cnt="1">
-            <dgm:layoutNode name="sibTrans">
-              <dgm:alg type="sp"/>
-              <dgm:shape xmlns:r="http://schemas.openxmlformats.org/officeDocument/2006/relationships" r:blip="">
-                <dgm:adjLst/>
-              </dgm:shape>
-              <dgm:presOf/>
-              <dgm:constrLst/>
-              <dgm:ruleLst/>
-            </dgm:layoutNode>
-          </dgm:forEach>
-        </dgm:forEach>
-      </dgm:layoutNode>
-      <dgm:choose name="Name15">
-        <dgm:if name="Name16" axis="self" ptType="node" func="revPos" op="gte" val="2">
-          <dgm:layoutNode name="vSp">
-            <dgm:alg type="sp"/>
-            <dgm:shape xmlns:r="http://schemas.openxmlformats.org/officeDocument/2006/relationships" r:blip="">
-              <dgm:adjLst/>
-            </dgm:shape>
-            <dgm:presOf/>
-            <dgm:constrLst/>
-            <dgm:ruleLst/>
-          </dgm:layoutNode>
-        </dgm:if>
-        <dgm:else name="Name17"/>
-      </dgm:choose>
-    </dgm:forEach>
-  </dgm:layoutNode>
-</dgm:layoutDef>
-</file>
-
-<file path=ppt/diagrams/layout3.xml><?xml version="1.0" encoding="utf-8"?>
 <dgm:layoutDef xmlns:dgm="http://schemas.openxmlformats.org/drawingml/2006/diagram" xmlns:a="http://schemas.openxmlformats.org/drawingml/2006/main" uniqueId="urn:microsoft.com/office/officeart/2005/8/layout/vList2">
   <dgm:title val=""/>
   <dgm:desc val=""/>
@@ -6232,1040 +5008,6 @@
 </dgm:styleDef>
 </file>
 
-<file path=ppt/diagrams/quickStyle3.xml><?xml version="1.0" encoding="utf-8"?>
-<dgm:styleDef xmlns:dgm="http://schemas.openxmlformats.org/drawingml/2006/diagram" xmlns:a="http://schemas.openxmlformats.org/drawingml/2006/main" uniqueId="urn:microsoft.com/office/officeart/2005/8/quickstyle/simple1">
-  <dgm:title val=""/>
-  <dgm:desc val=""/>
-  <dgm:catLst>
-    <dgm:cat type="simple" pri="10100"/>
-  </dgm:catLst>
-  <dgm:scene3d>
-    <a:camera prst="orthographicFront"/>
-    <a:lightRig rig="threePt" dir="t"/>
-  </dgm:scene3d>
-  <dgm:styleLbl name="node0">
-    <dgm:scene3d>
-      <a:camera prst="orthographicFront"/>
-      <a:lightRig rig="threePt" dir="t"/>
-    </dgm:scene3d>
-    <dgm:sp3d/>
-    <dgm:txPr/>
-    <dgm:style>
-      <a:lnRef idx="2">
-        <a:scrgbClr r="0" g="0" b="0"/>
-      </a:lnRef>
-      <a:fillRef idx="1">
-        <a:scrgbClr r="0" g="0" b="0"/>
-      </a:fillRef>
-      <a:effectRef idx="0">
-        <a:scrgbClr r="0" g="0" b="0"/>
-      </a:effectRef>
-      <a:fontRef idx="minor">
-        <a:schemeClr val="lt1"/>
-      </a:fontRef>
-    </dgm:style>
-  </dgm:styleLbl>
-  <dgm:styleLbl name="lnNode1">
-    <dgm:scene3d>
-      <a:camera prst="orthographicFront"/>
-      <a:lightRig rig="threePt" dir="t"/>
-    </dgm:scene3d>
-    <dgm:sp3d/>
-    <dgm:txPr/>
-    <dgm:style>
-      <a:lnRef idx="2">
-        <a:scrgbClr r="0" g="0" b="0"/>
-      </a:lnRef>
-      <a:fillRef idx="1">
-        <a:scrgbClr r="0" g="0" b="0"/>
-      </a:fillRef>
-      <a:effectRef idx="0">
-        <a:scrgbClr r="0" g="0" b="0"/>
-      </a:effectRef>
-      <a:fontRef idx="minor">
-        <a:schemeClr val="lt1"/>
-      </a:fontRef>
-    </dgm:style>
-  </dgm:styleLbl>
-  <dgm:styleLbl name="vennNode1">
-    <dgm:scene3d>
-      <a:camera prst="orthographicFront"/>
-      <a:lightRig rig="threePt" dir="t"/>
-    </dgm:scene3d>
-    <dgm:sp3d/>
-    <dgm:txPr/>
-    <dgm:style>
-      <a:lnRef idx="2">
-        <a:scrgbClr r="0" g="0" b="0"/>
-      </a:lnRef>
-      <a:fillRef idx="1">
-        <a:scrgbClr r="0" g="0" b="0"/>
-      </a:fillRef>
-      <a:effectRef idx="0">
-        <a:scrgbClr r="0" g="0" b="0"/>
-      </a:effectRef>
-      <a:fontRef idx="minor">
-        <a:schemeClr val="tx1"/>
-      </a:fontRef>
-    </dgm:style>
-  </dgm:styleLbl>
-  <dgm:styleLbl name="alignNode1">
-    <dgm:scene3d>
-      <a:camera prst="orthographicFront"/>
-      <a:lightRig rig="threePt" dir="t"/>
-    </dgm:scene3d>
-    <dgm:sp3d/>
-    <dgm:txPr/>
-    <dgm:style>
-      <a:lnRef idx="2">
-        <a:scrgbClr r="0" g="0" b="0"/>
-      </a:lnRef>
-      <a:fillRef idx="1">
-        <a:scrgbClr r="0" g="0" b="0"/>
-      </a:fillRef>
-      <a:effectRef idx="0">
-        <a:scrgbClr r="0" g="0" b="0"/>
-      </a:effectRef>
-      <a:fontRef idx="minor">
-        <a:schemeClr val="lt1"/>
-      </a:fontRef>
-    </dgm:style>
-  </dgm:styleLbl>
-  <dgm:styleLbl name="node1">
-    <dgm:scene3d>
-      <a:camera prst="orthographicFront"/>
-      <a:lightRig rig="threePt" dir="t"/>
-    </dgm:scene3d>
-    <dgm:sp3d/>
-    <dgm:txPr/>
-    <dgm:style>
-      <a:lnRef idx="2">
-        <a:scrgbClr r="0" g="0" b="0"/>
-      </a:lnRef>
-      <a:fillRef idx="1">
-        <a:scrgbClr r="0" g="0" b="0"/>
-      </a:fillRef>
-      <a:effectRef idx="0">
-        <a:scrgbClr r="0" g="0" b="0"/>
-      </a:effectRef>
-      <a:fontRef idx="minor">
-        <a:schemeClr val="lt1"/>
-      </a:fontRef>
-    </dgm:style>
-  </dgm:styleLbl>
-  <dgm:styleLbl name="node2">
-    <dgm:scene3d>
-      <a:camera prst="orthographicFront"/>
-      <a:lightRig rig="threePt" dir="t"/>
-    </dgm:scene3d>
-    <dgm:sp3d/>
-    <dgm:txPr/>
-    <dgm:style>
-      <a:lnRef idx="2">
-        <a:scrgbClr r="0" g="0" b="0"/>
-      </a:lnRef>
-      <a:fillRef idx="1">
-        <a:scrgbClr r="0" g="0" b="0"/>
-      </a:fillRef>
-      <a:effectRef idx="0">
-        <a:scrgbClr r="0" g="0" b="0"/>
-      </a:effectRef>
-      <a:fontRef idx="minor">
-        <a:schemeClr val="lt1"/>
-      </a:fontRef>
-    </dgm:style>
-  </dgm:styleLbl>
-  <dgm:styleLbl name="node3">
-    <dgm:scene3d>
-      <a:camera prst="orthographicFront"/>
-      <a:lightRig rig="threePt" dir="t"/>
-    </dgm:scene3d>
-    <dgm:sp3d/>
-    <dgm:txPr/>
-    <dgm:style>
-      <a:lnRef idx="2">
-        <a:scrgbClr r="0" g="0" b="0"/>
-      </a:lnRef>
-      <a:fillRef idx="1">
-        <a:scrgbClr r="0" g="0" b="0"/>
-      </a:fillRef>
-      <a:effectRef idx="0">
-        <a:scrgbClr r="0" g="0" b="0"/>
-      </a:effectRef>
-      <a:fontRef idx="minor">
-        <a:schemeClr val="lt1"/>
-      </a:fontRef>
-    </dgm:style>
-  </dgm:styleLbl>
-  <dgm:styleLbl name="node4">
-    <dgm:scene3d>
-      <a:camera prst="orthographicFront"/>
-      <a:lightRig rig="threePt" dir="t"/>
-    </dgm:scene3d>
-    <dgm:sp3d/>
-    <dgm:txPr/>
-    <dgm:style>
-      <a:lnRef idx="2">
-        <a:scrgbClr r="0" g="0" b="0"/>
-      </a:lnRef>
-      <a:fillRef idx="1">
-        <a:scrgbClr r="0" g="0" b="0"/>
-      </a:fillRef>
-      <a:effectRef idx="0">
-        <a:scrgbClr r="0" g="0" b="0"/>
-      </a:effectRef>
-      <a:fontRef idx="minor">
-        <a:schemeClr val="lt1"/>
-      </a:fontRef>
-    </dgm:style>
-  </dgm:styleLbl>
-  <dgm:styleLbl name="fgImgPlace1">
-    <dgm:scene3d>
-      <a:camera prst="orthographicFront"/>
-      <a:lightRig rig="threePt" dir="t"/>
-    </dgm:scene3d>
-    <dgm:sp3d/>
-    <dgm:txPr/>
-    <dgm:style>
-      <a:lnRef idx="2">
-        <a:scrgbClr r="0" g="0" b="0"/>
-      </a:lnRef>
-      <a:fillRef idx="1">
-        <a:scrgbClr r="0" g="0" b="0"/>
-      </a:fillRef>
-      <a:effectRef idx="0">
-        <a:scrgbClr r="0" g="0" b="0"/>
-      </a:effectRef>
-      <a:fontRef idx="minor"/>
-    </dgm:style>
-  </dgm:styleLbl>
-  <dgm:styleLbl name="alignImgPlace1">
-    <dgm:scene3d>
-      <a:camera prst="orthographicFront"/>
-      <a:lightRig rig="threePt" dir="t"/>
-    </dgm:scene3d>
-    <dgm:sp3d/>
-    <dgm:txPr/>
-    <dgm:style>
-      <a:lnRef idx="2">
-        <a:scrgbClr r="0" g="0" b="0"/>
-      </a:lnRef>
-      <a:fillRef idx="1">
-        <a:scrgbClr r="0" g="0" b="0"/>
-      </a:fillRef>
-      <a:effectRef idx="0">
-        <a:scrgbClr r="0" g="0" b="0"/>
-      </a:effectRef>
-      <a:fontRef idx="minor"/>
-    </dgm:style>
-  </dgm:styleLbl>
-  <dgm:styleLbl name="bgImgPlace1">
-    <dgm:scene3d>
-      <a:camera prst="orthographicFront"/>
-      <a:lightRig rig="threePt" dir="t"/>
-    </dgm:scene3d>
-    <dgm:sp3d/>
-    <dgm:txPr/>
-    <dgm:style>
-      <a:lnRef idx="2">
-        <a:scrgbClr r="0" g="0" b="0"/>
-      </a:lnRef>
-      <a:fillRef idx="1">
-        <a:scrgbClr r="0" g="0" b="0"/>
-      </a:fillRef>
-      <a:effectRef idx="0">
-        <a:scrgbClr r="0" g="0" b="0"/>
-      </a:effectRef>
-      <a:fontRef idx="minor"/>
-    </dgm:style>
-  </dgm:styleLbl>
-  <dgm:styleLbl name="sibTrans2D1">
-    <dgm:scene3d>
-      <a:camera prst="orthographicFront"/>
-      <a:lightRig rig="threePt" dir="t"/>
-    </dgm:scene3d>
-    <dgm:sp3d/>
-    <dgm:txPr/>
-    <dgm:style>
-      <a:lnRef idx="0">
-        <a:scrgbClr r="0" g="0" b="0"/>
-      </a:lnRef>
-      <a:fillRef idx="1">
-        <a:scrgbClr r="0" g="0" b="0"/>
-      </a:fillRef>
-      <a:effectRef idx="0">
-        <a:scrgbClr r="0" g="0" b="0"/>
-      </a:effectRef>
-      <a:fontRef idx="minor">
-        <a:schemeClr val="lt1"/>
-      </a:fontRef>
-    </dgm:style>
-  </dgm:styleLbl>
-  <dgm:styleLbl name="fgSibTrans2D1">
-    <dgm:scene3d>
-      <a:camera prst="orthographicFront"/>
-      <a:lightRig rig="threePt" dir="t"/>
-    </dgm:scene3d>
-    <dgm:sp3d/>
-    <dgm:txPr/>
-    <dgm:style>
-      <a:lnRef idx="0">
-        <a:scrgbClr r="0" g="0" b="0"/>
-      </a:lnRef>
-      <a:fillRef idx="1">
-        <a:scrgbClr r="0" g="0" b="0"/>
-      </a:fillRef>
-      <a:effectRef idx="0">
-        <a:scrgbClr r="0" g="0" b="0"/>
-      </a:effectRef>
-      <a:fontRef idx="minor">
-        <a:schemeClr val="lt1"/>
-      </a:fontRef>
-    </dgm:style>
-  </dgm:styleLbl>
-  <dgm:styleLbl name="bgSibTrans2D1">
-    <dgm:scene3d>
-      <a:camera prst="orthographicFront"/>
-      <a:lightRig rig="threePt" dir="t"/>
-    </dgm:scene3d>
-    <dgm:sp3d/>
-    <dgm:txPr/>
-    <dgm:style>
-      <a:lnRef idx="0">
-        <a:scrgbClr r="0" g="0" b="0"/>
-      </a:lnRef>
-      <a:fillRef idx="1">
-        <a:scrgbClr r="0" g="0" b="0"/>
-      </a:fillRef>
-      <a:effectRef idx="0">
-        <a:scrgbClr r="0" g="0" b="0"/>
-      </a:effectRef>
-      <a:fontRef idx="minor">
-        <a:schemeClr val="lt1"/>
-      </a:fontRef>
-    </dgm:style>
-  </dgm:styleLbl>
-  <dgm:styleLbl name="sibTrans1D1">
-    <dgm:scene3d>
-      <a:camera prst="orthographicFront"/>
-      <a:lightRig rig="threePt" dir="t"/>
-    </dgm:scene3d>
-    <dgm:sp3d/>
-    <dgm:txPr/>
-    <dgm:style>
-      <a:lnRef idx="1">
-        <a:scrgbClr r="0" g="0" b="0"/>
-      </a:lnRef>
-      <a:fillRef idx="0">
-        <a:scrgbClr r="0" g="0" b="0"/>
-      </a:fillRef>
-      <a:effectRef idx="0">
-        <a:scrgbClr r="0" g="0" b="0"/>
-      </a:effectRef>
-      <a:fontRef idx="minor"/>
-    </dgm:style>
-  </dgm:styleLbl>
-  <dgm:styleLbl name="callout">
-    <dgm:scene3d>
-      <a:camera prst="orthographicFront"/>
-      <a:lightRig rig="threePt" dir="t"/>
-    </dgm:scene3d>
-    <dgm:sp3d/>
-    <dgm:txPr/>
-    <dgm:style>
-      <a:lnRef idx="2">
-        <a:scrgbClr r="0" g="0" b="0"/>
-      </a:lnRef>
-      <a:fillRef idx="1">
-        <a:scrgbClr r="0" g="0" b="0"/>
-      </a:fillRef>
-      <a:effectRef idx="0">
-        <a:scrgbClr r="0" g="0" b="0"/>
-      </a:effectRef>
-      <a:fontRef idx="minor"/>
-    </dgm:style>
-  </dgm:styleLbl>
-  <dgm:styleLbl name="asst0">
-    <dgm:scene3d>
-      <a:camera prst="orthographicFront"/>
-      <a:lightRig rig="threePt" dir="t"/>
-    </dgm:scene3d>
-    <dgm:sp3d/>
-    <dgm:txPr/>
-    <dgm:style>
-      <a:lnRef idx="2">
-        <a:scrgbClr r="0" g="0" b="0"/>
-      </a:lnRef>
-      <a:fillRef idx="1">
-        <a:scrgbClr r="0" g="0" b="0"/>
-      </a:fillRef>
-      <a:effectRef idx="0">
-        <a:scrgbClr r="0" g="0" b="0"/>
-      </a:effectRef>
-      <a:fontRef idx="minor">
-        <a:schemeClr val="lt1"/>
-      </a:fontRef>
-    </dgm:style>
-  </dgm:styleLbl>
-  <dgm:styleLbl name="asst1">
-    <dgm:scene3d>
-      <a:camera prst="orthographicFront"/>
-      <a:lightRig rig="threePt" dir="t"/>
-    </dgm:scene3d>
-    <dgm:sp3d/>
-    <dgm:txPr/>
-    <dgm:style>
-      <a:lnRef idx="2">
-        <a:scrgbClr r="0" g="0" b="0"/>
-      </a:lnRef>
-      <a:fillRef idx="1">
-        <a:scrgbClr r="0" g="0" b="0"/>
-      </a:fillRef>
-      <a:effectRef idx="0">
-        <a:scrgbClr r="0" g="0" b="0"/>
-      </a:effectRef>
-      <a:fontRef idx="minor">
-        <a:schemeClr val="lt1"/>
-      </a:fontRef>
-    </dgm:style>
-  </dgm:styleLbl>
-  <dgm:styleLbl name="asst2">
-    <dgm:scene3d>
-      <a:camera prst="orthographicFront"/>
-      <a:lightRig rig="threePt" dir="t"/>
-    </dgm:scene3d>
-    <dgm:sp3d/>
-    <dgm:txPr/>
-    <dgm:style>
-      <a:lnRef idx="2">
-        <a:scrgbClr r="0" g="0" b="0"/>
-      </a:lnRef>
-      <a:fillRef idx="1">
-        <a:scrgbClr r="0" g="0" b="0"/>
-      </a:fillRef>
-      <a:effectRef idx="0">
-        <a:scrgbClr r="0" g="0" b="0"/>
-      </a:effectRef>
-      <a:fontRef idx="minor">
-        <a:schemeClr val="lt1"/>
-      </a:fontRef>
-    </dgm:style>
-  </dgm:styleLbl>
-  <dgm:styleLbl name="asst3">
-    <dgm:scene3d>
-      <a:camera prst="orthographicFront"/>
-      <a:lightRig rig="threePt" dir="t"/>
-    </dgm:scene3d>
-    <dgm:sp3d/>
-    <dgm:txPr/>
-    <dgm:style>
-      <a:lnRef idx="2">
-        <a:scrgbClr r="0" g="0" b="0"/>
-      </a:lnRef>
-      <a:fillRef idx="1">
-        <a:scrgbClr r="0" g="0" b="0"/>
-      </a:fillRef>
-      <a:effectRef idx="0">
-        <a:scrgbClr r="0" g="0" b="0"/>
-      </a:effectRef>
-      <a:fontRef idx="minor">
-        <a:schemeClr val="lt1"/>
-      </a:fontRef>
-    </dgm:style>
-  </dgm:styleLbl>
-  <dgm:styleLbl name="asst4">
-    <dgm:scene3d>
-      <a:camera prst="orthographicFront"/>
-      <a:lightRig rig="threePt" dir="t"/>
-    </dgm:scene3d>
-    <dgm:sp3d/>
-    <dgm:txPr/>
-    <dgm:style>
-      <a:lnRef idx="2">
-        <a:scrgbClr r="0" g="0" b="0"/>
-      </a:lnRef>
-      <a:fillRef idx="1">
-        <a:scrgbClr r="0" g="0" b="0"/>
-      </a:fillRef>
-      <a:effectRef idx="0">
-        <a:scrgbClr r="0" g="0" b="0"/>
-      </a:effectRef>
-      <a:fontRef idx="minor">
-        <a:schemeClr val="lt1"/>
-      </a:fontRef>
-    </dgm:style>
-  </dgm:styleLbl>
-  <dgm:styleLbl name="parChTrans2D1">
-    <dgm:scene3d>
-      <a:camera prst="orthographicFront"/>
-      <a:lightRig rig="threePt" dir="t"/>
-    </dgm:scene3d>
-    <dgm:sp3d/>
-    <dgm:txPr/>
-    <dgm:style>
-      <a:lnRef idx="2">
-        <a:scrgbClr r="0" g="0" b="0"/>
-      </a:lnRef>
-      <a:fillRef idx="1">
-        <a:scrgbClr r="0" g="0" b="0"/>
-      </a:fillRef>
-      <a:effectRef idx="0">
-        <a:scrgbClr r="0" g="0" b="0"/>
-      </a:effectRef>
-      <a:fontRef idx="minor">
-        <a:schemeClr val="lt1"/>
-      </a:fontRef>
-    </dgm:style>
-  </dgm:styleLbl>
-  <dgm:styleLbl name="parChTrans2D2">
-    <dgm:scene3d>
-      <a:camera prst="orthographicFront"/>
-      <a:lightRig rig="threePt" dir="t"/>
-    </dgm:scene3d>
-    <dgm:sp3d/>
-    <dgm:txPr/>
-    <dgm:style>
-      <a:lnRef idx="2">
-        <a:scrgbClr r="0" g="0" b="0"/>
-      </a:lnRef>
-      <a:fillRef idx="1">
-        <a:scrgbClr r="0" g="0" b="0"/>
-      </a:fillRef>
-      <a:effectRef idx="0">
-        <a:scrgbClr r="0" g="0" b="0"/>
-      </a:effectRef>
-      <a:fontRef idx="minor">
-        <a:schemeClr val="lt1"/>
-      </a:fontRef>
-    </dgm:style>
-  </dgm:styleLbl>
-  <dgm:styleLbl name="parChTrans2D3">
-    <dgm:scene3d>
-      <a:camera prst="orthographicFront"/>
-      <a:lightRig rig="threePt" dir="t"/>
-    </dgm:scene3d>
-    <dgm:sp3d/>
-    <dgm:txPr/>
-    <dgm:style>
-      <a:lnRef idx="2">
-        <a:scrgbClr r="0" g="0" b="0"/>
-      </a:lnRef>
-      <a:fillRef idx="1">
-        <a:scrgbClr r="0" g="0" b="0"/>
-      </a:fillRef>
-      <a:effectRef idx="0">
-        <a:scrgbClr r="0" g="0" b="0"/>
-      </a:effectRef>
-      <a:fontRef idx="minor">
-        <a:schemeClr val="lt1"/>
-      </a:fontRef>
-    </dgm:style>
-  </dgm:styleLbl>
-  <dgm:styleLbl name="parChTrans2D4">
-    <dgm:scene3d>
-      <a:camera prst="orthographicFront"/>
-      <a:lightRig rig="threePt" dir="t"/>
-    </dgm:scene3d>
-    <dgm:sp3d/>
-    <dgm:txPr/>
-    <dgm:style>
-      <a:lnRef idx="2">
-        <a:scrgbClr r="0" g="0" b="0"/>
-      </a:lnRef>
-      <a:fillRef idx="1">
-        <a:scrgbClr r="0" g="0" b="0"/>
-      </a:fillRef>
-      <a:effectRef idx="0">
-        <a:scrgbClr r="0" g="0" b="0"/>
-      </a:effectRef>
-      <a:fontRef idx="minor">
-        <a:schemeClr val="lt1"/>
-      </a:fontRef>
-    </dgm:style>
-  </dgm:styleLbl>
-  <dgm:styleLbl name="parChTrans1D1">
-    <dgm:scene3d>
-      <a:camera prst="orthographicFront"/>
-      <a:lightRig rig="threePt" dir="t"/>
-    </dgm:scene3d>
-    <dgm:sp3d/>
-    <dgm:txPr/>
-    <dgm:style>
-      <a:lnRef idx="2">
-        <a:scrgbClr r="0" g="0" b="0"/>
-      </a:lnRef>
-      <a:fillRef idx="0">
-        <a:scrgbClr r="0" g="0" b="0"/>
-      </a:fillRef>
-      <a:effectRef idx="0">
-        <a:scrgbClr r="0" g="0" b="0"/>
-      </a:effectRef>
-      <a:fontRef idx="minor"/>
-    </dgm:style>
-  </dgm:styleLbl>
-  <dgm:styleLbl name="parChTrans1D2">
-    <dgm:scene3d>
-      <a:camera prst="orthographicFront"/>
-      <a:lightRig rig="threePt" dir="t"/>
-    </dgm:scene3d>
-    <dgm:sp3d/>
-    <dgm:txPr/>
-    <dgm:style>
-      <a:lnRef idx="2">
-        <a:scrgbClr r="0" g="0" b="0"/>
-      </a:lnRef>
-      <a:fillRef idx="0">
-        <a:scrgbClr r="0" g="0" b="0"/>
-      </a:fillRef>
-      <a:effectRef idx="0">
-        <a:scrgbClr r="0" g="0" b="0"/>
-      </a:effectRef>
-      <a:fontRef idx="minor"/>
-    </dgm:style>
-  </dgm:styleLbl>
-  <dgm:styleLbl name="parChTrans1D3">
-    <dgm:scene3d>
-      <a:camera prst="orthographicFront"/>
-      <a:lightRig rig="threePt" dir="t"/>
-    </dgm:scene3d>
-    <dgm:sp3d/>
-    <dgm:txPr/>
-    <dgm:style>
-      <a:lnRef idx="2">
-        <a:scrgbClr r="0" g="0" b="0"/>
-      </a:lnRef>
-      <a:fillRef idx="0">
-        <a:scrgbClr r="0" g="0" b="0"/>
-      </a:fillRef>
-      <a:effectRef idx="0">
-        <a:scrgbClr r="0" g="0" b="0"/>
-      </a:effectRef>
-      <a:fontRef idx="minor"/>
-    </dgm:style>
-  </dgm:styleLbl>
-  <dgm:styleLbl name="parChTrans1D4">
-    <dgm:scene3d>
-      <a:camera prst="orthographicFront"/>
-      <a:lightRig rig="threePt" dir="t"/>
-    </dgm:scene3d>
-    <dgm:sp3d/>
-    <dgm:txPr/>
-    <dgm:style>
-      <a:lnRef idx="2">
-        <a:scrgbClr r="0" g="0" b="0"/>
-      </a:lnRef>
-      <a:fillRef idx="0">
-        <a:scrgbClr r="0" g="0" b="0"/>
-      </a:fillRef>
-      <a:effectRef idx="0">
-        <a:scrgbClr r="0" g="0" b="0"/>
-      </a:effectRef>
-      <a:fontRef idx="minor"/>
-    </dgm:style>
-  </dgm:styleLbl>
-  <dgm:styleLbl name="fgAcc1">
-    <dgm:scene3d>
-      <a:camera prst="orthographicFront"/>
-      <a:lightRig rig="threePt" dir="t"/>
-    </dgm:scene3d>
-    <dgm:sp3d/>
-    <dgm:txPr/>
-    <dgm:style>
-      <a:lnRef idx="2">
-        <a:scrgbClr r="0" g="0" b="0"/>
-      </a:lnRef>
-      <a:fillRef idx="1">
-        <a:scrgbClr r="0" g="0" b="0"/>
-      </a:fillRef>
-      <a:effectRef idx="0">
-        <a:scrgbClr r="0" g="0" b="0"/>
-      </a:effectRef>
-      <a:fontRef idx="minor"/>
-    </dgm:style>
-  </dgm:styleLbl>
-  <dgm:styleLbl name="conFgAcc1">
-    <dgm:scene3d>
-      <a:camera prst="orthographicFront"/>
-      <a:lightRig rig="threePt" dir="t"/>
-    </dgm:scene3d>
-    <dgm:sp3d/>
-    <dgm:txPr/>
-    <dgm:style>
-      <a:lnRef idx="2">
-        <a:scrgbClr r="0" g="0" b="0"/>
-      </a:lnRef>
-      <a:fillRef idx="1">
-        <a:scrgbClr r="0" g="0" b="0"/>
-      </a:fillRef>
-      <a:effectRef idx="0">
-        <a:scrgbClr r="0" g="0" b="0"/>
-      </a:effectRef>
-      <a:fontRef idx="minor"/>
-    </dgm:style>
-  </dgm:styleLbl>
-  <dgm:styleLbl name="alignAcc1">
-    <dgm:scene3d>
-      <a:camera prst="orthographicFront"/>
-      <a:lightRig rig="threePt" dir="t"/>
-    </dgm:scene3d>
-    <dgm:sp3d/>
-    <dgm:txPr/>
-    <dgm:style>
-      <a:lnRef idx="2">
-        <a:scrgbClr r="0" g="0" b="0"/>
-      </a:lnRef>
-      <a:fillRef idx="1">
-        <a:scrgbClr r="0" g="0" b="0"/>
-      </a:fillRef>
-      <a:effectRef idx="0">
-        <a:scrgbClr r="0" g="0" b="0"/>
-      </a:effectRef>
-      <a:fontRef idx="minor"/>
-    </dgm:style>
-  </dgm:styleLbl>
-  <dgm:styleLbl name="trAlignAcc1">
-    <dgm:scene3d>
-      <a:camera prst="orthographicFront"/>
-      <a:lightRig rig="threePt" dir="t"/>
-    </dgm:scene3d>
-    <dgm:sp3d/>
-    <dgm:txPr/>
-    <dgm:style>
-      <a:lnRef idx="1">
-        <a:scrgbClr r="0" g="0" b="0"/>
-      </a:lnRef>
-      <a:fillRef idx="1">
-        <a:scrgbClr r="0" g="0" b="0"/>
-      </a:fillRef>
-      <a:effectRef idx="0">
-        <a:scrgbClr r="0" g="0" b="0"/>
-      </a:effectRef>
-      <a:fontRef idx="minor"/>
-    </dgm:style>
-  </dgm:styleLbl>
-  <dgm:styleLbl name="bgAcc1">
-    <dgm:scene3d>
-      <a:camera prst="orthographicFront"/>
-      <a:lightRig rig="threePt" dir="t"/>
-    </dgm:scene3d>
-    <dgm:sp3d/>
-    <dgm:txPr/>
-    <dgm:style>
-      <a:lnRef idx="2">
-        <a:scrgbClr r="0" g="0" b="0"/>
-      </a:lnRef>
-      <a:fillRef idx="1">
-        <a:scrgbClr r="0" g="0" b="0"/>
-      </a:fillRef>
-      <a:effectRef idx="0">
-        <a:scrgbClr r="0" g="0" b="0"/>
-      </a:effectRef>
-      <a:fontRef idx="minor"/>
-    </dgm:style>
-  </dgm:styleLbl>
-  <dgm:styleLbl name="solidFgAcc1">
-    <dgm:scene3d>
-      <a:camera prst="orthographicFront"/>
-      <a:lightRig rig="threePt" dir="t"/>
-    </dgm:scene3d>
-    <dgm:sp3d/>
-    <dgm:txPr/>
-    <dgm:style>
-      <a:lnRef idx="2">
-        <a:scrgbClr r="0" g="0" b="0"/>
-      </a:lnRef>
-      <a:fillRef idx="1">
-        <a:scrgbClr r="0" g="0" b="0"/>
-      </a:fillRef>
-      <a:effectRef idx="0">
-        <a:scrgbClr r="0" g="0" b="0"/>
-      </a:effectRef>
-      <a:fontRef idx="minor"/>
-    </dgm:style>
-  </dgm:styleLbl>
-  <dgm:styleLbl name="solidAlignAcc1">
-    <dgm:scene3d>
-      <a:camera prst="orthographicFront"/>
-      <a:lightRig rig="threePt" dir="t"/>
-    </dgm:scene3d>
-    <dgm:sp3d/>
-    <dgm:txPr/>
-    <dgm:style>
-      <a:lnRef idx="2">
-        <a:scrgbClr r="0" g="0" b="0"/>
-      </a:lnRef>
-      <a:fillRef idx="1">
-        <a:scrgbClr r="0" g="0" b="0"/>
-      </a:fillRef>
-      <a:effectRef idx="0">
-        <a:scrgbClr r="0" g="0" b="0"/>
-      </a:effectRef>
-      <a:fontRef idx="minor"/>
-    </dgm:style>
-  </dgm:styleLbl>
-  <dgm:styleLbl name="solidBgAcc1">
-    <dgm:scene3d>
-      <a:camera prst="orthographicFront"/>
-      <a:lightRig rig="threePt" dir="t"/>
-    </dgm:scene3d>
-    <dgm:sp3d/>
-    <dgm:txPr/>
-    <dgm:style>
-      <a:lnRef idx="2">
-        <a:scrgbClr r="0" g="0" b="0"/>
-      </a:lnRef>
-      <a:fillRef idx="1">
-        <a:scrgbClr r="0" g="0" b="0"/>
-      </a:fillRef>
-      <a:effectRef idx="0">
-        <a:scrgbClr r="0" g="0" b="0"/>
-      </a:effectRef>
-      <a:fontRef idx="minor"/>
-    </dgm:style>
-  </dgm:styleLbl>
-  <dgm:styleLbl name="fgAccFollowNode1">
-    <dgm:scene3d>
-      <a:camera prst="orthographicFront"/>
-      <a:lightRig rig="threePt" dir="t"/>
-    </dgm:scene3d>
-    <dgm:sp3d/>
-    <dgm:txPr/>
-    <dgm:style>
-      <a:lnRef idx="2">
-        <a:scrgbClr r="0" g="0" b="0"/>
-      </a:lnRef>
-      <a:fillRef idx="1">
-        <a:scrgbClr r="0" g="0" b="0"/>
-      </a:fillRef>
-      <a:effectRef idx="0">
-        <a:scrgbClr r="0" g="0" b="0"/>
-      </a:effectRef>
-      <a:fontRef idx="minor"/>
-    </dgm:style>
-  </dgm:styleLbl>
-  <dgm:styleLbl name="alignAccFollowNode1">
-    <dgm:scene3d>
-      <a:camera prst="orthographicFront"/>
-      <a:lightRig rig="threePt" dir="t"/>
-    </dgm:scene3d>
-    <dgm:sp3d/>
-    <dgm:txPr/>
-    <dgm:style>
-      <a:lnRef idx="2">
-        <a:scrgbClr r="0" g="0" b="0"/>
-      </a:lnRef>
-      <a:fillRef idx="1">
-        <a:scrgbClr r="0" g="0" b="0"/>
-      </a:fillRef>
-      <a:effectRef idx="0">
-        <a:scrgbClr r="0" g="0" b="0"/>
-      </a:effectRef>
-      <a:fontRef idx="minor"/>
-    </dgm:style>
-  </dgm:styleLbl>
-  <dgm:styleLbl name="bgAccFollowNode1">
-    <dgm:scene3d>
-      <a:camera prst="orthographicFront"/>
-      <a:lightRig rig="threePt" dir="t"/>
-    </dgm:scene3d>
-    <dgm:sp3d/>
-    <dgm:txPr/>
-    <dgm:style>
-      <a:lnRef idx="2">
-        <a:scrgbClr r="0" g="0" b="0"/>
-      </a:lnRef>
-      <a:fillRef idx="1">
-        <a:scrgbClr r="0" g="0" b="0"/>
-      </a:fillRef>
-      <a:effectRef idx="0">
-        <a:scrgbClr r="0" g="0" b="0"/>
-      </a:effectRef>
-      <a:fontRef idx="minor"/>
-    </dgm:style>
-  </dgm:styleLbl>
-  <dgm:styleLbl name="fgAcc0">
-    <dgm:scene3d>
-      <a:camera prst="orthographicFront"/>
-      <a:lightRig rig="threePt" dir="t"/>
-    </dgm:scene3d>
-    <dgm:sp3d/>
-    <dgm:txPr/>
-    <dgm:style>
-      <a:lnRef idx="2">
-        <a:scrgbClr r="0" g="0" b="0"/>
-      </a:lnRef>
-      <a:fillRef idx="1">
-        <a:scrgbClr r="0" g="0" b="0"/>
-      </a:fillRef>
-      <a:effectRef idx="0">
-        <a:scrgbClr r="0" g="0" b="0"/>
-      </a:effectRef>
-      <a:fontRef idx="minor"/>
-    </dgm:style>
-  </dgm:styleLbl>
-  <dgm:styleLbl name="fgAcc2">
-    <dgm:scene3d>
-      <a:camera prst="orthographicFront"/>
-      <a:lightRig rig="threePt" dir="t"/>
-    </dgm:scene3d>
-    <dgm:sp3d/>
-    <dgm:txPr/>
-    <dgm:style>
-      <a:lnRef idx="2">
-        <a:scrgbClr r="0" g="0" b="0"/>
-      </a:lnRef>
-      <a:fillRef idx="1">
-        <a:scrgbClr r="0" g="0" b="0"/>
-      </a:fillRef>
-      <a:effectRef idx="0">
-        <a:scrgbClr r="0" g="0" b="0"/>
-      </a:effectRef>
-      <a:fontRef idx="minor"/>
-    </dgm:style>
-  </dgm:styleLbl>
-  <dgm:styleLbl name="fgAcc3">
-    <dgm:scene3d>
-      <a:camera prst="orthographicFront"/>
-      <a:lightRig rig="threePt" dir="t"/>
-    </dgm:scene3d>
-    <dgm:sp3d/>
-    <dgm:txPr/>
-    <dgm:style>
-      <a:lnRef idx="2">
-        <a:scrgbClr r="0" g="0" b="0"/>
-      </a:lnRef>
-      <a:fillRef idx="1">
-        <a:scrgbClr r="0" g="0" b="0"/>
-      </a:fillRef>
-      <a:effectRef idx="0">
-        <a:scrgbClr r="0" g="0" b="0"/>
-      </a:effectRef>
-      <a:fontRef idx="minor"/>
-    </dgm:style>
-  </dgm:styleLbl>
-  <dgm:styleLbl name="fgAcc4">
-    <dgm:scene3d>
-      <a:camera prst="orthographicFront"/>
-      <a:lightRig rig="threePt" dir="t"/>
-    </dgm:scene3d>
-    <dgm:sp3d/>
-    <dgm:txPr/>
-    <dgm:style>
-      <a:lnRef idx="2">
-        <a:scrgbClr r="0" g="0" b="0"/>
-      </a:lnRef>
-      <a:fillRef idx="1">
-        <a:scrgbClr r="0" g="0" b="0"/>
-      </a:fillRef>
-      <a:effectRef idx="0">
-        <a:scrgbClr r="0" g="0" b="0"/>
-      </a:effectRef>
-      <a:fontRef idx="minor"/>
-    </dgm:style>
-  </dgm:styleLbl>
-  <dgm:styleLbl name="bgShp">
-    <dgm:scene3d>
-      <a:camera prst="orthographicFront"/>
-      <a:lightRig rig="threePt" dir="t"/>
-    </dgm:scene3d>
-    <dgm:sp3d/>
-    <dgm:txPr/>
-    <dgm:style>
-      <a:lnRef idx="0">
-        <a:scrgbClr r="0" g="0" b="0"/>
-      </a:lnRef>
-      <a:fillRef idx="1">
-        <a:scrgbClr r="0" g="0" b="0"/>
-      </a:fillRef>
-      <a:effectRef idx="0">
-        <a:scrgbClr r="0" g="0" b="0"/>
-      </a:effectRef>
-      <a:fontRef idx="minor"/>
-    </dgm:style>
-  </dgm:styleLbl>
-  <dgm:styleLbl name="dkBgShp">
-    <dgm:scene3d>
-      <a:camera prst="orthographicFront"/>
-      <a:lightRig rig="threePt" dir="t"/>
-    </dgm:scene3d>
-    <dgm:sp3d/>
-    <dgm:txPr/>
-    <dgm:style>
-      <a:lnRef idx="0">
-        <a:scrgbClr r="0" g="0" b="0"/>
-      </a:lnRef>
-      <a:fillRef idx="1">
-        <a:scrgbClr r="0" g="0" b="0"/>
-      </a:fillRef>
-      <a:effectRef idx="0">
-        <a:scrgbClr r="0" g="0" b="0"/>
-      </a:effectRef>
-      <a:fontRef idx="minor"/>
-    </dgm:style>
-  </dgm:styleLbl>
-  <dgm:styleLbl name="trBgShp">
-    <dgm:scene3d>
-      <a:camera prst="orthographicFront"/>
-      <a:lightRig rig="threePt" dir="t"/>
-    </dgm:scene3d>
-    <dgm:sp3d/>
-    <dgm:txPr/>
-    <dgm:style>
-      <a:lnRef idx="0">
-        <a:scrgbClr r="0" g="0" b="0"/>
-      </a:lnRef>
-      <a:fillRef idx="1">
-        <a:scrgbClr r="0" g="0" b="0"/>
-      </a:fillRef>
-      <a:effectRef idx="0">
-        <a:scrgbClr r="0" g="0" b="0"/>
-      </a:effectRef>
-      <a:fontRef idx="minor"/>
-    </dgm:style>
-  </dgm:styleLbl>
-  <dgm:styleLbl name="fgShp">
-    <dgm:scene3d>
-      <a:camera prst="orthographicFront"/>
-      <a:lightRig rig="threePt" dir="t"/>
-    </dgm:scene3d>
-    <dgm:sp3d/>
-    <dgm:txPr/>
-    <dgm:style>
-      <a:lnRef idx="2">
-        <a:scrgbClr r="0" g="0" b="0"/>
-      </a:lnRef>
-      <a:fillRef idx="1">
-        <a:scrgbClr r="0" g="0" b="0"/>
-      </a:fillRef>
-      <a:effectRef idx="0">
-        <a:scrgbClr r="0" g="0" b="0"/>
-      </a:effectRef>
-      <a:fontRef idx="minor"/>
-    </dgm:style>
-  </dgm:styleLbl>
-  <dgm:styleLbl name="revTx">
-    <dgm:scene3d>
-      <a:camera prst="orthographicFront"/>
-      <a:lightRig rig="threePt" dir="t"/>
-    </dgm:scene3d>
-    <dgm:sp3d/>
-    <dgm:txPr/>
-    <dgm:style>
-      <a:lnRef idx="0">
-        <a:scrgbClr r="0" g="0" b="0"/>
-      </a:lnRef>
-      <a:fillRef idx="0">
-        <a:scrgbClr r="0" g="0" b="0"/>
-      </a:fillRef>
-      <a:effectRef idx="0">
-        <a:scrgbClr r="0" g="0" b="0"/>
-      </a:effectRef>
-      <a:fontRef idx="minor"/>
-    </dgm:style>
-  </dgm:styleLbl>
-</dgm:styleDef>
-</file>
-
 <file path=ppt/slideLayouts/slideLayout1.xml><?xml version="1.0" encoding="utf-8"?>
 <p:sldLayout xmlns:a="http://schemas.openxmlformats.org/drawingml/2006/main" xmlns:r="http://schemas.openxmlformats.org/officeDocument/2006/relationships" xmlns:p="http://schemas.openxmlformats.org/presentationml/2006/main" showMasterSp="0" type="title" preserve="1">
   <p:cSld name="Title Slide">
@@ -7601,7 +5343,7 @@
           <a:p>
             <a:fld id="{A66386EC-CDED-4673-94A1-A05716B9016F}" type="datetimeFigureOut">
               <a:rPr lang="en-US" smtClean="0"/>
-              <a:t>2/7/2018</a:t>
+              <a:t>2/15/2018</a:t>
             </a:fld>
             <a:endParaRPr lang="en-US"/>
           </a:p>
@@ -8689,7 +6431,7 @@
           <a:p>
             <a:fld id="{A66386EC-CDED-4673-94A1-A05716B9016F}" type="datetimeFigureOut">
               <a:rPr lang="en-US" smtClean="0"/>
-              <a:t>2/7/2018</a:t>
+              <a:t>2/15/2018</a:t>
             </a:fld>
             <a:endParaRPr lang="en-US"/>
           </a:p>
@@ -9669,7 +7411,7 @@
           <a:p>
             <a:fld id="{A66386EC-CDED-4673-94A1-A05716B9016F}" type="datetimeFigureOut">
               <a:rPr lang="en-US" smtClean="0"/>
-              <a:t>2/7/2018</a:t>
+              <a:t>2/15/2018</a:t>
             </a:fld>
             <a:endParaRPr lang="en-US"/>
           </a:p>
@@ -10803,7 +8545,7 @@
           <a:p>
             <a:fld id="{A66386EC-CDED-4673-94A1-A05716B9016F}" type="datetimeFigureOut">
               <a:rPr lang="en-US" smtClean="0"/>
-              <a:t>2/7/2018</a:t>
+              <a:t>2/15/2018</a:t>
             </a:fld>
             <a:endParaRPr lang="en-US"/>
           </a:p>
@@ -11836,7 +9578,7 @@
           <a:p>
             <a:fld id="{A66386EC-CDED-4673-94A1-A05716B9016F}" type="datetimeFigureOut">
               <a:rPr lang="en-US" smtClean="0"/>
-              <a:t>2/7/2018</a:t>
+              <a:t>2/15/2018</a:t>
             </a:fld>
             <a:endParaRPr lang="en-US"/>
           </a:p>
@@ -12496,7 +10238,7 @@
           <a:p>
             <a:fld id="{A66386EC-CDED-4673-94A1-A05716B9016F}" type="datetimeFigureOut">
               <a:rPr lang="en-US" smtClean="0"/>
-              <a:t>2/7/2018</a:t>
+              <a:t>2/15/2018</a:t>
             </a:fld>
             <a:endParaRPr lang="en-US"/>
           </a:p>
@@ -13357,7 +11099,7 @@
           <a:p>
             <a:fld id="{A66386EC-CDED-4673-94A1-A05716B9016F}" type="datetimeFigureOut">
               <a:rPr lang="en-US" smtClean="0"/>
-              <a:t>2/7/2018</a:t>
+              <a:t>2/15/2018</a:t>
             </a:fld>
             <a:endParaRPr lang="en-US"/>
           </a:p>
@@ -13547,7 +11289,7 @@
           <a:p>
             <a:fld id="{A66386EC-CDED-4673-94A1-A05716B9016F}" type="datetimeFigureOut">
               <a:rPr lang="en-US" smtClean="0"/>
-              <a:t>2/7/2018</a:t>
+              <a:t>2/15/2018</a:t>
             </a:fld>
             <a:endParaRPr lang="en-US"/>
           </a:p>
@@ -14519,7 +12261,7 @@
           <a:p>
             <a:fld id="{A66386EC-CDED-4673-94A1-A05716B9016F}" type="datetimeFigureOut">
               <a:rPr lang="en-US" smtClean="0"/>
-              <a:t>2/7/2018</a:t>
+              <a:t>2/15/2018</a:t>
             </a:fld>
             <a:endParaRPr lang="en-US"/>
           </a:p>
@@ -14730,7 +12472,7 @@
           <a:p>
             <a:fld id="{A66386EC-CDED-4673-94A1-A05716B9016F}" type="datetimeFigureOut">
               <a:rPr lang="en-US" smtClean="0"/>
-              <a:t>2/7/2018</a:t>
+              <a:t>2/15/2018</a:t>
             </a:fld>
             <a:endParaRPr lang="en-US"/>
           </a:p>
@@ -15764,7 +13506,7 @@
           <a:p>
             <a:fld id="{A66386EC-CDED-4673-94A1-A05716B9016F}" type="datetimeFigureOut">
               <a:rPr lang="en-US" smtClean="0"/>
-              <a:t>2/7/2018</a:t>
+              <a:t>2/15/2018</a:t>
             </a:fld>
             <a:endParaRPr lang="en-US"/>
           </a:p>
@@ -16036,7 +13778,7 @@
           <a:p>
             <a:fld id="{A66386EC-CDED-4673-94A1-A05716B9016F}" type="datetimeFigureOut">
               <a:rPr lang="en-US" smtClean="0"/>
-              <a:t>2/7/2018</a:t>
+              <a:t>2/15/2018</a:t>
             </a:fld>
             <a:endParaRPr lang="en-US"/>
           </a:p>
@@ -16446,7 +14188,7 @@
           <a:p>
             <a:fld id="{A66386EC-CDED-4673-94A1-A05716B9016F}" type="datetimeFigureOut">
               <a:rPr lang="en-US" smtClean="0"/>
-              <a:t>2/7/2018</a:t>
+              <a:t>2/15/2018</a:t>
             </a:fld>
             <a:endParaRPr lang="en-US"/>
           </a:p>
@@ -16573,7 +14315,7 @@
           <a:p>
             <a:fld id="{A66386EC-CDED-4673-94A1-A05716B9016F}" type="datetimeFigureOut">
               <a:rPr lang="en-US" smtClean="0"/>
-              <a:t>2/7/2018</a:t>
+              <a:t>2/15/2018</a:t>
             </a:fld>
             <a:endParaRPr lang="en-US"/>
           </a:p>
@@ -16668,7 +14410,7 @@
           <a:p>
             <a:fld id="{A66386EC-CDED-4673-94A1-A05716B9016F}" type="datetimeFigureOut">
               <a:rPr lang="en-US" smtClean="0"/>
-              <a:t>2/7/2018</a:t>
+              <a:t>2/15/2018</a:t>
             </a:fld>
             <a:endParaRPr lang="en-US"/>
           </a:p>
@@ -17749,7 +15491,7 @@
           <a:p>
             <a:fld id="{A66386EC-CDED-4673-94A1-A05716B9016F}" type="datetimeFigureOut">
               <a:rPr lang="en-US" smtClean="0"/>
-              <a:t>2/7/2018</a:t>
+              <a:t>2/15/2018</a:t>
             </a:fld>
             <a:endParaRPr lang="en-US"/>
           </a:p>
@@ -18857,7 +16599,7 @@
           <a:p>
             <a:fld id="{A66386EC-CDED-4673-94A1-A05716B9016F}" type="datetimeFigureOut">
               <a:rPr lang="en-US" smtClean="0"/>
-              <a:t>2/7/2018</a:t>
+              <a:t>2/15/2018</a:t>
             </a:fld>
             <a:endParaRPr lang="en-US"/>
           </a:p>
@@ -19854,7 +17596,7 @@
           <a:p>
             <a:fld id="{A66386EC-CDED-4673-94A1-A05716B9016F}" type="datetimeFigureOut">
               <a:rPr lang="en-US" smtClean="0"/>
-              <a:t>2/7/2018</a:t>
+              <a:t>2/15/2018</a:t>
             </a:fld>
             <a:endParaRPr lang="en-US"/>
           </a:p>
@@ -20989,38 +18731,20 @@
       </p:grpSpPr>
       <p:sp>
         <p:nvSpPr>
-          <p:cNvPr id="2" name="Title 1"/>
-          <p:cNvSpPr>
-            <a:spLocks noGrp="1"/>
-          </p:cNvSpPr>
-          <p:nvPr>
-            <p:ph type="title"/>
-          </p:nvPr>
-        </p:nvSpPr>
-        <p:spPr/>
-        <p:txBody>
-          <a:bodyPr/>
-          <a:lstStyle/>
-          <a:p>
-            <a:pPr algn="ctr"/>
-            <a:r>
-              <a:rPr lang="en-US" dirty="0"/>
-              <a:t>System Analysis and Design</a:t>
-            </a:r>
-          </a:p>
-        </p:txBody>
-      </p:sp>
-      <p:sp>
-        <p:nvSpPr>
           <p:cNvPr id="3" name="Content Placeholder 2"/>
           <p:cNvSpPr>
             <a:spLocks noGrp="1"/>
           </p:cNvSpPr>
           <p:nvPr>
-            <p:ph idx="1"/>
+            <p:ph idx="4294967295"/>
           </p:nvPr>
         </p:nvSpPr>
-        <p:spPr/>
+        <p:spPr>
+          <a:xfrm>
+            <a:off x="11289" y="0"/>
+            <a:ext cx="8824913" cy="4333875"/>
+          </a:xfrm>
+        </p:spPr>
         <p:txBody>
           <a:bodyPr/>
           <a:lstStyle/>
@@ -21031,7 +18755,7 @@
                   <a:schemeClr val="tx1"/>
                 </a:solidFill>
               </a:rPr>
-              <a:t>Sample </a:t>
+              <a:t>Use-case </a:t>
             </a:r>
             <a:r>
               <a:rPr lang="en-US" dirty="0" smtClean="0">
@@ -21039,7 +18763,7 @@
                   <a:schemeClr val="tx1"/>
                 </a:solidFill>
               </a:rPr>
-              <a:t>Use-cases:</a:t>
+              <a:t>Diagram:</a:t>
             </a:r>
           </a:p>
           <a:p>
@@ -21050,10 +18774,88 @@
           </a:p>
         </p:txBody>
       </p:sp>
+      <p:sp>
+        <p:nvSpPr>
+          <p:cNvPr id="5" name="Flowchart: Process 4"/>
+          <p:cNvSpPr/>
+          <p:nvPr/>
+        </p:nvSpPr>
+        <p:spPr>
+          <a:xfrm>
+            <a:off x="10374489" y="11289"/>
+            <a:ext cx="790222" cy="1286933"/>
+          </a:xfrm>
+          <a:prstGeom prst="flowChartProcess">
+            <a:avLst/>
+          </a:prstGeom>
+          <a:solidFill>
+            <a:schemeClr val="bg1"/>
+          </a:solidFill>
+          <a:ln>
+            <a:solidFill>
+              <a:schemeClr val="bg1"/>
+            </a:solidFill>
+          </a:ln>
+        </p:spPr>
+        <p:style>
+          <a:lnRef idx="2">
+            <a:schemeClr val="accent1">
+              <a:shade val="50000"/>
+            </a:schemeClr>
+          </a:lnRef>
+          <a:fillRef idx="1">
+            <a:schemeClr val="accent1"/>
+          </a:fillRef>
+          <a:effectRef idx="0">
+            <a:schemeClr val="accent1"/>
+          </a:effectRef>
+          <a:fontRef idx="minor">
+            <a:schemeClr val="lt1"/>
+          </a:fontRef>
+        </p:style>
+        <p:txBody>
+          <a:bodyPr rtlCol="0" anchor="ctr"/>
+          <a:lstStyle/>
+          <a:p>
+            <a:pPr algn="ctr"/>
+            <a:endParaRPr lang="en-US"/>
+          </a:p>
+        </p:txBody>
+      </p:sp>
+      <p:pic>
+        <p:nvPicPr>
+          <p:cNvPr id="2" name="Picture 1"/>
+          <p:cNvPicPr>
+            <a:picLocks noChangeAspect="1"/>
+          </p:cNvPicPr>
+          <p:nvPr/>
+        </p:nvPicPr>
+        <p:blipFill>
+          <a:blip r:embed="rId2">
+            <a:extLst>
+              <a:ext uri="{28A0092B-C50C-407E-A947-70E740481C1C}">
+                <a14:useLocalDpi xmlns:a14="http://schemas.microsoft.com/office/drawing/2010/main" val="0"/>
+              </a:ext>
+            </a:extLst>
+          </a:blip>
+          <a:stretch>
+            <a:fillRect/>
+          </a:stretch>
+        </p:blipFill>
+        <p:spPr>
+          <a:xfrm>
+            <a:off x="2723917" y="0"/>
+            <a:ext cx="6713594" cy="6858000"/>
+          </a:xfrm>
+          <a:prstGeom prst="rect">
+            <a:avLst/>
+          </a:prstGeom>
+        </p:spPr>
+      </p:pic>
     </p:spTree>
     <p:extLst>
       <p:ext uri="{BB962C8B-B14F-4D97-AF65-F5344CB8AC3E}">
-        <p14:creationId xmlns:p14="http://schemas.microsoft.com/office/powerpoint/2010/main" val="2241229419"/>
+        <p14:creationId xmlns:p14="http://schemas.microsoft.com/office/powerpoint/2010/main" val="416776786"/>
       </p:ext>
     </p:extLst>
   </p:cSld>
@@ -21100,6 +18902,2596 @@
         <p:spPr>
           <a:xfrm>
             <a:off x="0" y="0"/>
+            <a:ext cx="4074289" cy="578734"/>
+          </a:xfrm>
+        </p:spPr>
+        <p:txBody>
+          <a:bodyPr/>
+          <a:lstStyle/>
+          <a:p>
+            <a:r>
+              <a:rPr lang="en-US" dirty="0">
+                <a:solidFill>
+                  <a:schemeClr val="tx1"/>
+                </a:solidFill>
+              </a:rPr>
+              <a:t>Sample </a:t>
+            </a:r>
+            <a:r>
+              <a:rPr lang="en-US" dirty="0" smtClean="0">
+                <a:solidFill>
+                  <a:schemeClr val="tx1"/>
+                </a:solidFill>
+              </a:rPr>
+              <a:t>Use-cases:</a:t>
+            </a:r>
+          </a:p>
+          <a:p>
+            <a:pPr marL="0" indent="0">
+              <a:buNone/>
+            </a:pPr>
+            <a:endParaRPr lang="en-US" dirty="0"/>
+          </a:p>
+        </p:txBody>
+      </p:sp>
+      <p:sp>
+        <p:nvSpPr>
+          <p:cNvPr id="5" name="Rectangle 1"/>
+          <p:cNvSpPr>
+            <a:spLocks noChangeArrowheads="1"/>
+          </p:cNvSpPr>
+          <p:nvPr/>
+        </p:nvSpPr>
+        <p:spPr bwMode="auto">
+          <a:xfrm>
+            <a:off x="3717925" y="2538413"/>
+            <a:ext cx="12192000" cy="457200"/>
+          </a:xfrm>
+          <a:prstGeom prst="rect">
+            <a:avLst/>
+          </a:prstGeom>
+          <a:noFill/>
+          <a:ln>
+            <a:noFill/>
+          </a:ln>
+          <a:effectLst/>
+          <a:extLst>
+            <a:ext uri="{909E8E84-426E-40DD-AFC4-6F175D3DCCD1}">
+              <a14:hiddenFill xmlns:a14="http://schemas.microsoft.com/office/drawing/2010/main">
+                <a:solidFill>
+                  <a:schemeClr val="accent1"/>
+                </a:solidFill>
+              </a14:hiddenFill>
+            </a:ext>
+            <a:ext uri="{91240B29-F687-4F45-9708-019B960494DF}">
+              <a14:hiddenLine xmlns:a14="http://schemas.microsoft.com/office/drawing/2010/main" w="9525">
+                <a:solidFill>
+                  <a:schemeClr val="tx1"/>
+                </a:solidFill>
+                <a:miter lim="800000"/>
+                <a:headEnd/>
+                <a:tailEnd/>
+              </a14:hiddenLine>
+            </a:ext>
+            <a:ext uri="{AF507438-7753-43E0-B8FC-AC1667EBCBE1}">
+              <a14:hiddenEffects xmlns:a14="http://schemas.microsoft.com/office/drawing/2010/main">
+                <a:effectLst>
+                  <a:outerShdw dist="35921" dir="2700000" algn="ctr" rotWithShape="0">
+                    <a:schemeClr val="bg2"/>
+                  </a:outerShdw>
+                </a:effectLst>
+              </a14:hiddenEffects>
+            </a:ext>
+          </a:extLst>
+        </p:spPr>
+        <p:txBody>
+          <a:bodyPr vert="horz" wrap="none" lIns="91440" tIns="45720" rIns="91440" bIns="45720" numCol="1" anchor="ctr" anchorCtr="0" compatLnSpc="1">
+            <a:prstTxWarp prst="textNoShape">
+              <a:avLst/>
+            </a:prstTxWarp>
+            <a:spAutoFit/>
+          </a:bodyPr>
+          <a:lstStyle/>
+          <a:p>
+            <a:endParaRPr lang="en-US"/>
+          </a:p>
+        </p:txBody>
+      </p:sp>
+      <p:graphicFrame>
+        <p:nvGraphicFramePr>
+          <p:cNvPr id="6" name="Table 5"/>
+          <p:cNvGraphicFramePr>
+            <a:graphicFrameLocks noGrp="1"/>
+          </p:cNvGraphicFramePr>
+          <p:nvPr>
+            <p:extLst>
+              <p:ext uri="{D42A27DB-BD31-4B8C-83A1-F6EECF244321}">
+                <p14:modId xmlns:p14="http://schemas.microsoft.com/office/powerpoint/2010/main" val="2694942356"/>
+              </p:ext>
+            </p:extLst>
+          </p:nvPr>
+        </p:nvGraphicFramePr>
+        <p:xfrm>
+          <a:off x="1898247" y="451413"/>
+          <a:ext cx="8113854" cy="6133696"/>
+        </p:xfrm>
+        <a:graphic>
+          <a:graphicData uri="http://schemas.openxmlformats.org/drawingml/2006/table">
+            <a:tbl>
+              <a:tblPr firstRow="1" bandRow="1">
+                <a:tableStyleId>{5C22544A-7EE6-4342-B048-85BDC9FD1C3A}</a:tableStyleId>
+              </a:tblPr>
+              <a:tblGrid>
+                <a:gridCol w="1619626">
+                  <a:extLst>
+                    <a:ext uri="{9D8B030D-6E8A-4147-A177-3AD203B41FA5}">
+                      <a16:colId xmlns:a16="http://schemas.microsoft.com/office/drawing/2014/main" val="4153097563"/>
+                    </a:ext>
+                  </a:extLst>
+                </a:gridCol>
+                <a:gridCol w="2775379">
+                  <a:extLst>
+                    <a:ext uri="{9D8B030D-6E8A-4147-A177-3AD203B41FA5}">
+                      <a16:colId xmlns:a16="http://schemas.microsoft.com/office/drawing/2014/main" val="1699178769"/>
+                    </a:ext>
+                  </a:extLst>
+                </a:gridCol>
+                <a:gridCol w="3718849">
+                  <a:extLst>
+                    <a:ext uri="{9D8B030D-6E8A-4147-A177-3AD203B41FA5}">
+                      <a16:colId xmlns:a16="http://schemas.microsoft.com/office/drawing/2014/main" val="2068569018"/>
+                    </a:ext>
+                  </a:extLst>
+                </a:gridCol>
+              </a:tblGrid>
+              <a:tr h="472445">
+                <a:tc>
+                  <a:txBody>
+                    <a:bodyPr/>
+                    <a:lstStyle/>
+                    <a:p>
+                      <a:pPr marL="0" marR="0">
+                        <a:lnSpc>
+                          <a:spcPct val="115000"/>
+                        </a:lnSpc>
+                        <a:spcBef>
+                          <a:spcPts val="0"/>
+                        </a:spcBef>
+                        <a:spcAft>
+                          <a:spcPts val="0"/>
+                        </a:spcAft>
+                      </a:pPr>
+                      <a:r>
+                        <a:rPr lang="en-US" sz="1400" b="0" dirty="0">
+                          <a:solidFill>
+                            <a:schemeClr val="tx1"/>
+                          </a:solidFill>
+                          <a:effectLst/>
+                          <a:latin typeface="Calibri" panose="020F0502020204030204" pitchFamily="34" charset="0"/>
+                          <a:ea typeface="Calibri" panose="020F0502020204030204" pitchFamily="34" charset="0"/>
+                          <a:cs typeface="Calibri" panose="020F0502020204030204" pitchFamily="34" charset="0"/>
+                        </a:rPr>
+                        <a:t>Use Case Name:</a:t>
+                      </a:r>
+                      <a:endParaRPr lang="en-US" sz="1400" b="0" dirty="0">
+                        <a:solidFill>
+                          <a:schemeClr val="tx1"/>
+                        </a:solidFill>
+                        <a:effectLst/>
+                        <a:latin typeface="Arial" panose="020B0604020202020204" pitchFamily="34" charset="0"/>
+                        <a:ea typeface="Arial" panose="020B0604020202020204" pitchFamily="34" charset="0"/>
+                      </a:endParaRPr>
+                    </a:p>
+                  </a:txBody>
+                  <a:tcPr marL="63500" marR="63500" marT="63500" marB="63500">
+                    <a:lnL w="12700" cap="flat" cmpd="sng" algn="ctr">
+                      <a:solidFill>
+                        <a:schemeClr val="tx1"/>
+                      </a:solidFill>
+                      <a:prstDash val="solid"/>
+                      <a:round/>
+                      <a:headEnd type="none" w="med" len="med"/>
+                      <a:tailEnd type="none" w="med" len="med"/>
+                    </a:lnL>
+                    <a:lnR w="12700" cap="flat" cmpd="sng" algn="ctr">
+                      <a:solidFill>
+                        <a:schemeClr val="tx1"/>
+                      </a:solidFill>
+                      <a:prstDash val="solid"/>
+                      <a:round/>
+                      <a:headEnd type="none" w="med" len="med"/>
+                      <a:tailEnd type="none" w="med" len="med"/>
+                    </a:lnR>
+                    <a:lnT w="12700" cap="flat" cmpd="sng" algn="ctr">
+                      <a:solidFill>
+                        <a:schemeClr val="tx1"/>
+                      </a:solidFill>
+                      <a:prstDash val="solid"/>
+                      <a:round/>
+                      <a:headEnd type="none" w="med" len="med"/>
+                      <a:tailEnd type="none" w="med" len="med"/>
+                    </a:lnT>
+                    <a:lnB w="12700" cap="flat" cmpd="sng" algn="ctr">
+                      <a:solidFill>
+                        <a:schemeClr val="tx1"/>
+                      </a:solidFill>
+                      <a:prstDash val="solid"/>
+                      <a:round/>
+                      <a:headEnd type="none" w="med" len="med"/>
+                      <a:tailEnd type="none" w="med" len="med"/>
+                    </a:lnB>
+                    <a:lnTlToBr w="12700" cmpd="sng">
+                      <a:noFill/>
+                      <a:prstDash val="solid"/>
+                    </a:lnTlToBr>
+                    <a:lnBlToTr w="12700" cmpd="sng">
+                      <a:noFill/>
+                      <a:prstDash val="solid"/>
+                    </a:lnBlToTr>
+                    <a:solidFill>
+                      <a:srgbClr val="F2E7EA"/>
+                    </a:solidFill>
+                  </a:tcPr>
+                </a:tc>
+                <a:tc gridSpan="2">
+                  <a:txBody>
+                    <a:bodyPr/>
+                    <a:lstStyle/>
+                    <a:p>
+                      <a:pPr marL="0" marR="0">
+                        <a:lnSpc>
+                          <a:spcPct val="115000"/>
+                        </a:lnSpc>
+                        <a:spcBef>
+                          <a:spcPts val="0"/>
+                        </a:spcBef>
+                        <a:spcAft>
+                          <a:spcPts val="0"/>
+                        </a:spcAft>
+                      </a:pPr>
+                      <a:r>
+                        <a:rPr lang="en-US" sz="1400" b="0" dirty="0">
+                          <a:solidFill>
+                            <a:schemeClr val="tx1"/>
+                          </a:solidFill>
+                          <a:effectLst/>
+                          <a:latin typeface="Calibri" panose="020F0502020204030204" pitchFamily="34" charset="0"/>
+                          <a:ea typeface="Calibri" panose="020F0502020204030204" pitchFamily="34" charset="0"/>
+                          <a:cs typeface="Calibri" panose="020F0502020204030204" pitchFamily="34" charset="0"/>
+                        </a:rPr>
+                        <a:t>watch</a:t>
+                      </a:r>
+                      <a:endParaRPr lang="en-US" sz="1400" b="0" dirty="0">
+                        <a:solidFill>
+                          <a:schemeClr val="tx1"/>
+                        </a:solidFill>
+                        <a:effectLst/>
+                        <a:latin typeface="Arial" panose="020B0604020202020204" pitchFamily="34" charset="0"/>
+                        <a:ea typeface="Arial" panose="020B0604020202020204" pitchFamily="34" charset="0"/>
+                      </a:endParaRPr>
+                    </a:p>
+                  </a:txBody>
+                  <a:tcPr marL="63500" marR="63500" marT="63500" marB="63500">
+                    <a:lnL w="12700" cap="flat" cmpd="sng" algn="ctr">
+                      <a:solidFill>
+                        <a:schemeClr val="tx1"/>
+                      </a:solidFill>
+                      <a:prstDash val="solid"/>
+                      <a:round/>
+                      <a:headEnd type="none" w="med" len="med"/>
+                      <a:tailEnd type="none" w="med" len="med"/>
+                    </a:lnL>
+                    <a:lnR w="12700" cap="flat" cmpd="sng" algn="ctr">
+                      <a:solidFill>
+                        <a:schemeClr val="tx1"/>
+                      </a:solidFill>
+                      <a:prstDash val="solid"/>
+                      <a:round/>
+                      <a:headEnd type="none" w="med" len="med"/>
+                      <a:tailEnd type="none" w="med" len="med"/>
+                    </a:lnR>
+                    <a:lnT w="12700" cap="flat" cmpd="sng" algn="ctr">
+                      <a:solidFill>
+                        <a:schemeClr val="tx1"/>
+                      </a:solidFill>
+                      <a:prstDash val="solid"/>
+                      <a:round/>
+                      <a:headEnd type="none" w="med" len="med"/>
+                      <a:tailEnd type="none" w="med" len="med"/>
+                    </a:lnT>
+                    <a:lnB w="12700" cap="flat" cmpd="sng" algn="ctr">
+                      <a:solidFill>
+                        <a:schemeClr val="tx1"/>
+                      </a:solidFill>
+                      <a:prstDash val="solid"/>
+                      <a:round/>
+                      <a:headEnd type="none" w="med" len="med"/>
+                      <a:tailEnd type="none" w="med" len="med"/>
+                    </a:lnB>
+                    <a:lnTlToBr w="12700" cmpd="sng">
+                      <a:noFill/>
+                      <a:prstDash val="solid"/>
+                    </a:lnTlToBr>
+                    <a:lnBlToTr w="12700" cmpd="sng">
+                      <a:noFill/>
+                      <a:prstDash val="solid"/>
+                    </a:lnBlToTr>
+                    <a:solidFill>
+                      <a:srgbClr val="F2E7EA"/>
+                    </a:solidFill>
+                  </a:tcPr>
+                </a:tc>
+                <a:tc hMerge="1">
+                  <a:txBody>
+                    <a:bodyPr/>
+                    <a:lstStyle/>
+                    <a:p>
+                      <a:endParaRPr lang="en-US"/>
+                    </a:p>
+                  </a:txBody>
+                  <a:tcPr/>
+                </a:tc>
+                <a:extLst>
+                  <a:ext uri="{0D108BD9-81ED-4DB2-BD59-A6C34878D82A}">
+                    <a16:rowId xmlns:a16="http://schemas.microsoft.com/office/drawing/2014/main" val="376230743"/>
+                  </a:ext>
+                </a:extLst>
+              </a:tr>
+              <a:tr h="472445">
+                <a:tc>
+                  <a:txBody>
+                    <a:bodyPr/>
+                    <a:lstStyle/>
+                    <a:p>
+                      <a:pPr marL="0" marR="0">
+                        <a:lnSpc>
+                          <a:spcPct val="115000"/>
+                        </a:lnSpc>
+                        <a:spcBef>
+                          <a:spcPts val="0"/>
+                        </a:spcBef>
+                        <a:spcAft>
+                          <a:spcPts val="0"/>
+                        </a:spcAft>
+                      </a:pPr>
+                      <a:r>
+                        <a:rPr lang="en-US" sz="1400" dirty="0">
+                          <a:solidFill>
+                            <a:schemeClr val="tx1"/>
+                          </a:solidFill>
+                          <a:effectLst/>
+                          <a:latin typeface="Calibri" panose="020F0502020204030204" pitchFamily="34" charset="0"/>
+                          <a:ea typeface="Calibri" panose="020F0502020204030204" pitchFamily="34" charset="0"/>
+                          <a:cs typeface="Calibri" panose="020F0502020204030204" pitchFamily="34" charset="0"/>
+                        </a:rPr>
+                        <a:t>Actors:</a:t>
+                      </a:r>
+                      <a:endParaRPr lang="en-US" sz="1400" dirty="0">
+                        <a:solidFill>
+                          <a:schemeClr val="tx1"/>
+                        </a:solidFill>
+                        <a:effectLst/>
+                        <a:latin typeface="Arial" panose="020B0604020202020204" pitchFamily="34" charset="0"/>
+                        <a:ea typeface="Arial" panose="020B0604020202020204" pitchFamily="34" charset="0"/>
+                      </a:endParaRPr>
+                    </a:p>
+                  </a:txBody>
+                  <a:tcPr marL="63500" marR="63500" marT="63500" marB="63500">
+                    <a:lnL w="12700" cap="flat" cmpd="sng" algn="ctr">
+                      <a:solidFill>
+                        <a:schemeClr val="tx1"/>
+                      </a:solidFill>
+                      <a:prstDash val="solid"/>
+                      <a:round/>
+                      <a:headEnd type="none" w="med" len="med"/>
+                      <a:tailEnd type="none" w="med" len="med"/>
+                    </a:lnL>
+                    <a:lnR w="12700" cap="flat" cmpd="sng" algn="ctr">
+                      <a:solidFill>
+                        <a:schemeClr val="tx1"/>
+                      </a:solidFill>
+                      <a:prstDash val="solid"/>
+                      <a:round/>
+                      <a:headEnd type="none" w="med" len="med"/>
+                      <a:tailEnd type="none" w="med" len="med"/>
+                    </a:lnR>
+                    <a:lnT w="12700" cap="flat" cmpd="sng" algn="ctr">
+                      <a:solidFill>
+                        <a:schemeClr val="tx1"/>
+                      </a:solidFill>
+                      <a:prstDash val="solid"/>
+                      <a:round/>
+                      <a:headEnd type="none" w="med" len="med"/>
+                      <a:tailEnd type="none" w="med" len="med"/>
+                    </a:lnT>
+                    <a:lnB w="12700" cap="flat" cmpd="sng" algn="ctr">
+                      <a:solidFill>
+                        <a:schemeClr val="tx1"/>
+                      </a:solidFill>
+                      <a:prstDash val="solid"/>
+                      <a:round/>
+                      <a:headEnd type="none" w="med" len="med"/>
+                      <a:tailEnd type="none" w="med" len="med"/>
+                    </a:lnB>
+                    <a:lnTlToBr w="12700" cmpd="sng">
+                      <a:noFill/>
+                      <a:prstDash val="solid"/>
+                    </a:lnTlToBr>
+                    <a:lnBlToTr w="12700" cmpd="sng">
+                      <a:noFill/>
+                      <a:prstDash val="solid"/>
+                    </a:lnBlToTr>
+                    <a:solidFill>
+                      <a:srgbClr val="F2E7EA"/>
+                    </a:solidFill>
+                  </a:tcPr>
+                </a:tc>
+                <a:tc gridSpan="2">
+                  <a:txBody>
+                    <a:bodyPr/>
+                    <a:lstStyle/>
+                    <a:p>
+                      <a:pPr marL="0" marR="0">
+                        <a:lnSpc>
+                          <a:spcPct val="115000"/>
+                        </a:lnSpc>
+                        <a:spcBef>
+                          <a:spcPts val="0"/>
+                        </a:spcBef>
+                        <a:spcAft>
+                          <a:spcPts val="0"/>
+                        </a:spcAft>
+                      </a:pPr>
+                      <a:r>
+                        <a:rPr lang="en-US" sz="1400" dirty="0">
+                          <a:solidFill>
+                            <a:schemeClr val="tx1"/>
+                          </a:solidFill>
+                          <a:effectLst/>
+                          <a:latin typeface="Calibri" panose="020F0502020204030204" pitchFamily="34" charset="0"/>
+                          <a:ea typeface="Calibri" panose="020F0502020204030204" pitchFamily="34" charset="0"/>
+                          <a:cs typeface="Calibri" panose="020F0502020204030204" pitchFamily="34" charset="0"/>
+                        </a:rPr>
+                        <a:t>viewer  </a:t>
+                      </a:r>
+                      <a:endParaRPr lang="en-US" sz="1400" dirty="0">
+                        <a:solidFill>
+                          <a:schemeClr val="tx1"/>
+                        </a:solidFill>
+                        <a:effectLst/>
+                        <a:latin typeface="Arial" panose="020B0604020202020204" pitchFamily="34" charset="0"/>
+                        <a:ea typeface="Arial" panose="020B0604020202020204" pitchFamily="34" charset="0"/>
+                      </a:endParaRPr>
+                    </a:p>
+                  </a:txBody>
+                  <a:tcPr marL="63500" marR="63500" marT="63500" marB="63500">
+                    <a:lnL w="12700" cap="flat" cmpd="sng" algn="ctr">
+                      <a:solidFill>
+                        <a:schemeClr val="tx1"/>
+                      </a:solidFill>
+                      <a:prstDash val="solid"/>
+                      <a:round/>
+                      <a:headEnd type="none" w="med" len="med"/>
+                      <a:tailEnd type="none" w="med" len="med"/>
+                    </a:lnL>
+                    <a:lnR w="12700" cap="flat" cmpd="sng" algn="ctr">
+                      <a:solidFill>
+                        <a:schemeClr val="tx1"/>
+                      </a:solidFill>
+                      <a:prstDash val="solid"/>
+                      <a:round/>
+                      <a:headEnd type="none" w="med" len="med"/>
+                      <a:tailEnd type="none" w="med" len="med"/>
+                    </a:lnR>
+                    <a:lnT w="12700" cap="flat" cmpd="sng" algn="ctr">
+                      <a:solidFill>
+                        <a:schemeClr val="tx1"/>
+                      </a:solidFill>
+                      <a:prstDash val="solid"/>
+                      <a:round/>
+                      <a:headEnd type="none" w="med" len="med"/>
+                      <a:tailEnd type="none" w="med" len="med"/>
+                    </a:lnT>
+                    <a:lnB w="12700" cap="flat" cmpd="sng" algn="ctr">
+                      <a:solidFill>
+                        <a:schemeClr val="tx1"/>
+                      </a:solidFill>
+                      <a:prstDash val="solid"/>
+                      <a:round/>
+                      <a:headEnd type="none" w="med" len="med"/>
+                      <a:tailEnd type="none" w="med" len="med"/>
+                    </a:lnB>
+                    <a:lnTlToBr w="12700" cmpd="sng">
+                      <a:noFill/>
+                      <a:prstDash val="solid"/>
+                    </a:lnTlToBr>
+                    <a:lnBlToTr w="12700" cmpd="sng">
+                      <a:noFill/>
+                      <a:prstDash val="solid"/>
+                    </a:lnBlToTr>
+                    <a:solidFill>
+                      <a:srgbClr val="F2E7EA"/>
+                    </a:solidFill>
+                  </a:tcPr>
+                </a:tc>
+                <a:tc hMerge="1">
+                  <a:txBody>
+                    <a:bodyPr/>
+                    <a:lstStyle/>
+                    <a:p>
+                      <a:endParaRPr lang="en-US"/>
+                    </a:p>
+                  </a:txBody>
+                  <a:tcPr/>
+                </a:tc>
+                <a:extLst>
+                  <a:ext uri="{0D108BD9-81ED-4DB2-BD59-A6C34878D82A}">
+                    <a16:rowId xmlns:a16="http://schemas.microsoft.com/office/drawing/2014/main" val="3474485095"/>
+                  </a:ext>
+                </a:extLst>
+              </a:tr>
+              <a:tr h="472445">
+                <a:tc>
+                  <a:txBody>
+                    <a:bodyPr/>
+                    <a:lstStyle/>
+                    <a:p>
+                      <a:pPr marL="0" marR="0">
+                        <a:lnSpc>
+                          <a:spcPct val="115000"/>
+                        </a:lnSpc>
+                        <a:spcBef>
+                          <a:spcPts val="0"/>
+                        </a:spcBef>
+                        <a:spcAft>
+                          <a:spcPts val="0"/>
+                        </a:spcAft>
+                      </a:pPr>
+                      <a:r>
+                        <a:rPr lang="en-US" sz="1400" dirty="0">
+                          <a:solidFill>
+                            <a:schemeClr val="tx1"/>
+                          </a:solidFill>
+                          <a:effectLst/>
+                          <a:latin typeface="Calibri" panose="020F0502020204030204" pitchFamily="34" charset="0"/>
+                          <a:ea typeface="Calibri" panose="020F0502020204030204" pitchFamily="34" charset="0"/>
+                          <a:cs typeface="Calibri" panose="020F0502020204030204" pitchFamily="34" charset="0"/>
+                        </a:rPr>
+                        <a:t>Pre-conditions:</a:t>
+                      </a:r>
+                      <a:endParaRPr lang="en-US" sz="1400" dirty="0">
+                        <a:solidFill>
+                          <a:schemeClr val="tx1"/>
+                        </a:solidFill>
+                        <a:effectLst/>
+                        <a:latin typeface="Arial" panose="020B0604020202020204" pitchFamily="34" charset="0"/>
+                        <a:ea typeface="Arial" panose="020B0604020202020204" pitchFamily="34" charset="0"/>
+                      </a:endParaRPr>
+                    </a:p>
+                  </a:txBody>
+                  <a:tcPr marL="63500" marR="63500" marT="63500" marB="63500">
+                    <a:lnL w="12700" cap="flat" cmpd="sng" algn="ctr">
+                      <a:solidFill>
+                        <a:schemeClr val="tx1"/>
+                      </a:solidFill>
+                      <a:prstDash val="solid"/>
+                      <a:round/>
+                      <a:headEnd type="none" w="med" len="med"/>
+                      <a:tailEnd type="none" w="med" len="med"/>
+                    </a:lnL>
+                    <a:lnR w="12700" cap="flat" cmpd="sng" algn="ctr">
+                      <a:solidFill>
+                        <a:schemeClr val="tx1"/>
+                      </a:solidFill>
+                      <a:prstDash val="solid"/>
+                      <a:round/>
+                      <a:headEnd type="none" w="med" len="med"/>
+                      <a:tailEnd type="none" w="med" len="med"/>
+                    </a:lnR>
+                    <a:lnT w="12700" cap="flat" cmpd="sng" algn="ctr">
+                      <a:solidFill>
+                        <a:schemeClr val="tx1"/>
+                      </a:solidFill>
+                      <a:prstDash val="solid"/>
+                      <a:round/>
+                      <a:headEnd type="none" w="med" len="med"/>
+                      <a:tailEnd type="none" w="med" len="med"/>
+                    </a:lnT>
+                    <a:lnB w="12700" cap="flat" cmpd="sng" algn="ctr">
+                      <a:solidFill>
+                        <a:schemeClr val="tx1"/>
+                      </a:solidFill>
+                      <a:prstDash val="solid"/>
+                      <a:round/>
+                      <a:headEnd type="none" w="med" len="med"/>
+                      <a:tailEnd type="none" w="med" len="med"/>
+                    </a:lnB>
+                    <a:lnTlToBr w="12700" cmpd="sng">
+                      <a:noFill/>
+                      <a:prstDash val="solid"/>
+                    </a:lnTlToBr>
+                    <a:lnBlToTr w="12700" cmpd="sng">
+                      <a:noFill/>
+                      <a:prstDash val="solid"/>
+                    </a:lnBlToTr>
+                    <a:solidFill>
+                      <a:srgbClr val="F2E7EA"/>
+                    </a:solidFill>
+                  </a:tcPr>
+                </a:tc>
+                <a:tc gridSpan="2">
+                  <a:txBody>
+                    <a:bodyPr/>
+                    <a:lstStyle/>
+                    <a:p>
+                      <a:pPr marL="0" marR="0">
+                        <a:lnSpc>
+                          <a:spcPct val="115000"/>
+                        </a:lnSpc>
+                        <a:spcBef>
+                          <a:spcPts val="0"/>
+                        </a:spcBef>
+                        <a:spcAft>
+                          <a:spcPts val="0"/>
+                        </a:spcAft>
+                      </a:pPr>
+                      <a:r>
+                        <a:rPr lang="en-US" sz="1400" dirty="0">
+                          <a:solidFill>
+                            <a:schemeClr val="tx1"/>
+                          </a:solidFill>
+                          <a:effectLst/>
+                          <a:latin typeface="Calibri" panose="020F0502020204030204" pitchFamily="34" charset="0"/>
+                          <a:ea typeface="Calibri" panose="020F0502020204030204" pitchFamily="34" charset="0"/>
+                          <a:cs typeface="Calibri" panose="020F0502020204030204" pitchFamily="34" charset="0"/>
+                        </a:rPr>
+                        <a:t>None    </a:t>
+                      </a:r>
+                      <a:endParaRPr lang="en-US" sz="1400" dirty="0">
+                        <a:solidFill>
+                          <a:schemeClr val="tx1"/>
+                        </a:solidFill>
+                        <a:effectLst/>
+                        <a:latin typeface="Arial" panose="020B0604020202020204" pitchFamily="34" charset="0"/>
+                        <a:ea typeface="Arial" panose="020B0604020202020204" pitchFamily="34" charset="0"/>
+                      </a:endParaRPr>
+                    </a:p>
+                  </a:txBody>
+                  <a:tcPr marL="63500" marR="63500" marT="63500" marB="63500">
+                    <a:lnL w="12700" cap="flat" cmpd="sng" algn="ctr">
+                      <a:solidFill>
+                        <a:schemeClr val="tx1"/>
+                      </a:solidFill>
+                      <a:prstDash val="solid"/>
+                      <a:round/>
+                      <a:headEnd type="none" w="med" len="med"/>
+                      <a:tailEnd type="none" w="med" len="med"/>
+                    </a:lnL>
+                    <a:lnR w="12700" cap="flat" cmpd="sng" algn="ctr">
+                      <a:solidFill>
+                        <a:schemeClr val="tx1"/>
+                      </a:solidFill>
+                      <a:prstDash val="solid"/>
+                      <a:round/>
+                      <a:headEnd type="none" w="med" len="med"/>
+                      <a:tailEnd type="none" w="med" len="med"/>
+                    </a:lnR>
+                    <a:lnT w="12700" cap="flat" cmpd="sng" algn="ctr">
+                      <a:solidFill>
+                        <a:schemeClr val="tx1"/>
+                      </a:solidFill>
+                      <a:prstDash val="solid"/>
+                      <a:round/>
+                      <a:headEnd type="none" w="med" len="med"/>
+                      <a:tailEnd type="none" w="med" len="med"/>
+                    </a:lnT>
+                    <a:lnB w="12700" cap="flat" cmpd="sng" algn="ctr">
+                      <a:solidFill>
+                        <a:schemeClr val="tx1"/>
+                      </a:solidFill>
+                      <a:prstDash val="solid"/>
+                      <a:round/>
+                      <a:headEnd type="none" w="med" len="med"/>
+                      <a:tailEnd type="none" w="med" len="med"/>
+                    </a:lnB>
+                    <a:lnTlToBr w="12700" cmpd="sng">
+                      <a:noFill/>
+                      <a:prstDash val="solid"/>
+                    </a:lnTlToBr>
+                    <a:lnBlToTr w="12700" cmpd="sng">
+                      <a:noFill/>
+                      <a:prstDash val="solid"/>
+                    </a:lnBlToTr>
+                    <a:solidFill>
+                      <a:srgbClr val="F2E7EA"/>
+                    </a:solidFill>
+                  </a:tcPr>
+                </a:tc>
+                <a:tc hMerge="1">
+                  <a:txBody>
+                    <a:bodyPr/>
+                    <a:lstStyle/>
+                    <a:p>
+                      <a:endParaRPr lang="en-US"/>
+                    </a:p>
+                  </a:txBody>
+                  <a:tcPr/>
+                </a:tc>
+                <a:extLst>
+                  <a:ext uri="{0D108BD9-81ED-4DB2-BD59-A6C34878D82A}">
+                    <a16:rowId xmlns:a16="http://schemas.microsoft.com/office/drawing/2014/main" val="377953062"/>
+                  </a:ext>
+                </a:extLst>
+              </a:tr>
+              <a:tr h="472445">
+                <a:tc>
+                  <a:txBody>
+                    <a:bodyPr/>
+                    <a:lstStyle/>
+                    <a:p>
+                      <a:pPr marL="0" marR="0">
+                        <a:lnSpc>
+                          <a:spcPct val="115000"/>
+                        </a:lnSpc>
+                        <a:spcBef>
+                          <a:spcPts val="0"/>
+                        </a:spcBef>
+                        <a:spcAft>
+                          <a:spcPts val="0"/>
+                        </a:spcAft>
+                      </a:pPr>
+                      <a:r>
+                        <a:rPr lang="en-US" sz="1400" dirty="0">
+                          <a:solidFill>
+                            <a:schemeClr val="tx1"/>
+                          </a:solidFill>
+                          <a:effectLst/>
+                          <a:latin typeface="Calibri" panose="020F0502020204030204" pitchFamily="34" charset="0"/>
+                          <a:ea typeface="Calibri" panose="020F0502020204030204" pitchFamily="34" charset="0"/>
+                          <a:cs typeface="Calibri" panose="020F0502020204030204" pitchFamily="34" charset="0"/>
+                        </a:rPr>
+                        <a:t>Post-conditions:</a:t>
+                      </a:r>
+                      <a:endParaRPr lang="en-US" sz="1400" dirty="0">
+                        <a:solidFill>
+                          <a:schemeClr val="tx1"/>
+                        </a:solidFill>
+                        <a:effectLst/>
+                        <a:latin typeface="Arial" panose="020B0604020202020204" pitchFamily="34" charset="0"/>
+                        <a:ea typeface="Arial" panose="020B0604020202020204" pitchFamily="34" charset="0"/>
+                      </a:endParaRPr>
+                    </a:p>
+                  </a:txBody>
+                  <a:tcPr marL="63500" marR="63500" marT="63500" marB="63500">
+                    <a:lnL w="12700" cap="flat" cmpd="sng" algn="ctr">
+                      <a:solidFill>
+                        <a:schemeClr val="tx1"/>
+                      </a:solidFill>
+                      <a:prstDash val="solid"/>
+                      <a:round/>
+                      <a:headEnd type="none" w="med" len="med"/>
+                      <a:tailEnd type="none" w="med" len="med"/>
+                    </a:lnL>
+                    <a:lnR w="12700" cap="flat" cmpd="sng" algn="ctr">
+                      <a:solidFill>
+                        <a:schemeClr val="tx1"/>
+                      </a:solidFill>
+                      <a:prstDash val="solid"/>
+                      <a:round/>
+                      <a:headEnd type="none" w="med" len="med"/>
+                      <a:tailEnd type="none" w="med" len="med"/>
+                    </a:lnR>
+                    <a:lnT w="12700" cap="flat" cmpd="sng" algn="ctr">
+                      <a:solidFill>
+                        <a:schemeClr val="tx1"/>
+                      </a:solidFill>
+                      <a:prstDash val="solid"/>
+                      <a:round/>
+                      <a:headEnd type="none" w="med" len="med"/>
+                      <a:tailEnd type="none" w="med" len="med"/>
+                    </a:lnT>
+                    <a:lnB w="12700" cap="flat" cmpd="sng" algn="ctr">
+                      <a:solidFill>
+                        <a:schemeClr val="tx1"/>
+                      </a:solidFill>
+                      <a:prstDash val="solid"/>
+                      <a:round/>
+                      <a:headEnd type="none" w="med" len="med"/>
+                      <a:tailEnd type="none" w="med" len="med"/>
+                    </a:lnB>
+                    <a:lnTlToBr w="12700" cmpd="sng">
+                      <a:noFill/>
+                      <a:prstDash val="solid"/>
+                    </a:lnTlToBr>
+                    <a:lnBlToTr w="12700" cmpd="sng">
+                      <a:noFill/>
+                      <a:prstDash val="solid"/>
+                    </a:lnBlToTr>
+                    <a:solidFill>
+                      <a:srgbClr val="F2E7EA"/>
+                    </a:solidFill>
+                  </a:tcPr>
+                </a:tc>
+                <a:tc gridSpan="2">
+                  <a:txBody>
+                    <a:bodyPr/>
+                    <a:lstStyle/>
+                    <a:p>
+                      <a:pPr marL="0" marR="0">
+                        <a:lnSpc>
+                          <a:spcPct val="115000"/>
+                        </a:lnSpc>
+                        <a:spcBef>
+                          <a:spcPts val="0"/>
+                        </a:spcBef>
+                        <a:spcAft>
+                          <a:spcPts val="0"/>
+                        </a:spcAft>
+                      </a:pPr>
+                      <a:r>
+                        <a:rPr lang="en-US" sz="1400" dirty="0">
+                          <a:solidFill>
+                            <a:schemeClr val="tx1"/>
+                          </a:solidFill>
+                          <a:effectLst/>
+                          <a:latin typeface="Calibri" panose="020F0502020204030204" pitchFamily="34" charset="0"/>
+                          <a:ea typeface="Calibri" panose="020F0502020204030204" pitchFamily="34" charset="0"/>
+                          <a:cs typeface="Calibri" panose="020F0502020204030204" pitchFamily="34" charset="0"/>
+                        </a:rPr>
+                        <a:t>The video will be played.</a:t>
+                      </a:r>
+                      <a:endParaRPr lang="en-US" sz="1400" dirty="0">
+                        <a:solidFill>
+                          <a:schemeClr val="tx1"/>
+                        </a:solidFill>
+                        <a:effectLst/>
+                        <a:latin typeface="Arial" panose="020B0604020202020204" pitchFamily="34" charset="0"/>
+                        <a:ea typeface="Arial" panose="020B0604020202020204" pitchFamily="34" charset="0"/>
+                      </a:endParaRPr>
+                    </a:p>
+                  </a:txBody>
+                  <a:tcPr marL="63500" marR="63500" marT="63500" marB="63500">
+                    <a:lnL w="12700" cap="flat" cmpd="sng" algn="ctr">
+                      <a:solidFill>
+                        <a:schemeClr val="tx1"/>
+                      </a:solidFill>
+                      <a:prstDash val="solid"/>
+                      <a:round/>
+                      <a:headEnd type="none" w="med" len="med"/>
+                      <a:tailEnd type="none" w="med" len="med"/>
+                    </a:lnL>
+                    <a:lnR w="12700" cap="flat" cmpd="sng" algn="ctr">
+                      <a:solidFill>
+                        <a:schemeClr val="tx1"/>
+                      </a:solidFill>
+                      <a:prstDash val="solid"/>
+                      <a:round/>
+                      <a:headEnd type="none" w="med" len="med"/>
+                      <a:tailEnd type="none" w="med" len="med"/>
+                    </a:lnR>
+                    <a:lnT w="12700" cap="flat" cmpd="sng" algn="ctr">
+                      <a:solidFill>
+                        <a:schemeClr val="tx1"/>
+                      </a:solidFill>
+                      <a:prstDash val="solid"/>
+                      <a:round/>
+                      <a:headEnd type="none" w="med" len="med"/>
+                      <a:tailEnd type="none" w="med" len="med"/>
+                    </a:lnT>
+                    <a:lnB w="12700" cap="flat" cmpd="sng" algn="ctr">
+                      <a:solidFill>
+                        <a:schemeClr val="tx1"/>
+                      </a:solidFill>
+                      <a:prstDash val="solid"/>
+                      <a:round/>
+                      <a:headEnd type="none" w="med" len="med"/>
+                      <a:tailEnd type="none" w="med" len="med"/>
+                    </a:lnB>
+                    <a:lnTlToBr w="12700" cmpd="sng">
+                      <a:noFill/>
+                      <a:prstDash val="solid"/>
+                    </a:lnTlToBr>
+                    <a:lnBlToTr w="12700" cmpd="sng">
+                      <a:noFill/>
+                      <a:prstDash val="solid"/>
+                    </a:lnBlToTr>
+                    <a:solidFill>
+                      <a:srgbClr val="F2E7EA"/>
+                    </a:solidFill>
+                  </a:tcPr>
+                </a:tc>
+                <a:tc hMerge="1">
+                  <a:txBody>
+                    <a:bodyPr/>
+                    <a:lstStyle/>
+                    <a:p>
+                      <a:endParaRPr lang="en-US"/>
+                    </a:p>
+                  </a:txBody>
+                  <a:tcPr/>
+                </a:tc>
+                <a:extLst>
+                  <a:ext uri="{0D108BD9-81ED-4DB2-BD59-A6C34878D82A}">
+                    <a16:rowId xmlns:a16="http://schemas.microsoft.com/office/drawing/2014/main" val="2613504517"/>
+                  </a:ext>
+                </a:extLst>
+              </a:tr>
+              <a:tr h="272074">
+                <a:tc rowSpan="3">
+                  <a:txBody>
+                    <a:bodyPr/>
+                    <a:lstStyle/>
+                    <a:p>
+                      <a:pPr marL="0" marR="0">
+                        <a:lnSpc>
+                          <a:spcPct val="115000"/>
+                        </a:lnSpc>
+                        <a:spcBef>
+                          <a:spcPts val="0"/>
+                        </a:spcBef>
+                        <a:spcAft>
+                          <a:spcPts val="0"/>
+                        </a:spcAft>
+                      </a:pPr>
+                      <a:r>
+                        <a:rPr lang="en-US" sz="1400" dirty="0">
+                          <a:solidFill>
+                            <a:schemeClr val="tx1"/>
+                          </a:solidFill>
+                          <a:effectLst/>
+                          <a:latin typeface="Calibri" panose="020F0502020204030204" pitchFamily="34" charset="0"/>
+                          <a:ea typeface="Calibri" panose="020F0502020204030204" pitchFamily="34" charset="0"/>
+                          <a:cs typeface="Calibri" panose="020F0502020204030204" pitchFamily="34" charset="0"/>
+                        </a:rPr>
+                        <a:t>Flow of events:</a:t>
+                      </a:r>
+                      <a:endParaRPr lang="en-US" sz="1400" dirty="0">
+                        <a:solidFill>
+                          <a:schemeClr val="tx1"/>
+                        </a:solidFill>
+                        <a:effectLst/>
+                        <a:latin typeface="Arial" panose="020B0604020202020204" pitchFamily="34" charset="0"/>
+                        <a:ea typeface="Arial" panose="020B0604020202020204" pitchFamily="34" charset="0"/>
+                      </a:endParaRPr>
+                    </a:p>
+                  </a:txBody>
+                  <a:tcPr marL="63500" marR="63500" marT="63500" marB="63500">
+                    <a:lnL w="12700" cap="flat" cmpd="sng" algn="ctr">
+                      <a:solidFill>
+                        <a:schemeClr val="tx1"/>
+                      </a:solidFill>
+                      <a:prstDash val="solid"/>
+                      <a:round/>
+                      <a:headEnd type="none" w="med" len="med"/>
+                      <a:tailEnd type="none" w="med" len="med"/>
+                    </a:lnL>
+                    <a:lnR w="12700" cap="flat" cmpd="sng" algn="ctr">
+                      <a:solidFill>
+                        <a:schemeClr val="tx1"/>
+                      </a:solidFill>
+                      <a:prstDash val="solid"/>
+                      <a:round/>
+                      <a:headEnd type="none" w="med" len="med"/>
+                      <a:tailEnd type="none" w="med" len="med"/>
+                    </a:lnR>
+                    <a:lnT w="12700" cap="flat" cmpd="sng" algn="ctr">
+                      <a:solidFill>
+                        <a:schemeClr val="tx1"/>
+                      </a:solidFill>
+                      <a:prstDash val="solid"/>
+                      <a:round/>
+                      <a:headEnd type="none" w="med" len="med"/>
+                      <a:tailEnd type="none" w="med" len="med"/>
+                    </a:lnT>
+                    <a:lnB w="12700" cap="flat" cmpd="sng" algn="ctr">
+                      <a:solidFill>
+                        <a:schemeClr val="tx1"/>
+                      </a:solidFill>
+                      <a:prstDash val="solid"/>
+                      <a:round/>
+                      <a:headEnd type="none" w="med" len="med"/>
+                      <a:tailEnd type="none" w="med" len="med"/>
+                    </a:lnB>
+                    <a:lnTlToBr w="12700" cmpd="sng">
+                      <a:noFill/>
+                      <a:prstDash val="solid"/>
+                    </a:lnTlToBr>
+                    <a:lnBlToTr w="12700" cmpd="sng">
+                      <a:noFill/>
+                      <a:prstDash val="solid"/>
+                    </a:lnBlToTr>
+                    <a:solidFill>
+                      <a:srgbClr val="F2E7EA"/>
+                    </a:solidFill>
+                  </a:tcPr>
+                </a:tc>
+                <a:tc>
+                  <a:txBody>
+                    <a:bodyPr/>
+                    <a:lstStyle/>
+                    <a:p>
+                      <a:pPr marL="0" marR="0" algn="ctr">
+                        <a:lnSpc>
+                          <a:spcPct val="115000"/>
+                        </a:lnSpc>
+                        <a:spcBef>
+                          <a:spcPts val="0"/>
+                        </a:spcBef>
+                        <a:spcAft>
+                          <a:spcPts val="0"/>
+                        </a:spcAft>
+                      </a:pPr>
+                      <a:r>
+                        <a:rPr lang="en-US" sz="1400" b="1" dirty="0">
+                          <a:solidFill>
+                            <a:schemeClr val="tx1"/>
+                          </a:solidFill>
+                          <a:effectLst/>
+                          <a:latin typeface="Calibri" panose="020F0502020204030204" pitchFamily="34" charset="0"/>
+                          <a:ea typeface="Calibri" panose="020F0502020204030204" pitchFamily="34" charset="0"/>
+                          <a:cs typeface="Calibri" panose="020F0502020204030204" pitchFamily="34" charset="0"/>
+                        </a:rPr>
+                        <a:t>User Action</a:t>
+                      </a:r>
+                      <a:r>
+                        <a:rPr lang="en-US" sz="1400" dirty="0">
+                          <a:solidFill>
+                            <a:schemeClr val="tx1"/>
+                          </a:solidFill>
+                          <a:effectLst/>
+                          <a:latin typeface="Calibri" panose="020F0502020204030204" pitchFamily="34" charset="0"/>
+                          <a:ea typeface="Calibri" panose="020F0502020204030204" pitchFamily="34" charset="0"/>
+                          <a:cs typeface="Calibri" panose="020F0502020204030204" pitchFamily="34" charset="0"/>
+                        </a:rPr>
+                        <a:t>  </a:t>
+                      </a:r>
+                      <a:endParaRPr lang="en-US" sz="1400" dirty="0">
+                        <a:solidFill>
+                          <a:schemeClr val="tx1"/>
+                        </a:solidFill>
+                        <a:effectLst/>
+                        <a:latin typeface="Arial" panose="020B0604020202020204" pitchFamily="34" charset="0"/>
+                        <a:ea typeface="Arial" panose="020B0604020202020204" pitchFamily="34" charset="0"/>
+                      </a:endParaRPr>
+                    </a:p>
+                  </a:txBody>
+                  <a:tcPr marL="63500" marR="63500" marT="63500" marB="63500">
+                    <a:lnL w="12700" cap="flat" cmpd="sng" algn="ctr">
+                      <a:solidFill>
+                        <a:schemeClr val="tx1"/>
+                      </a:solidFill>
+                      <a:prstDash val="solid"/>
+                      <a:round/>
+                      <a:headEnd type="none" w="med" len="med"/>
+                      <a:tailEnd type="none" w="med" len="med"/>
+                    </a:lnL>
+                    <a:lnR w="12700" cap="flat" cmpd="sng" algn="ctr">
+                      <a:solidFill>
+                        <a:schemeClr val="tx1"/>
+                      </a:solidFill>
+                      <a:prstDash val="solid"/>
+                      <a:round/>
+                      <a:headEnd type="none" w="med" len="med"/>
+                      <a:tailEnd type="none" w="med" len="med"/>
+                    </a:lnR>
+                    <a:lnT w="12700" cap="flat" cmpd="sng" algn="ctr">
+                      <a:solidFill>
+                        <a:schemeClr val="tx1"/>
+                      </a:solidFill>
+                      <a:prstDash val="solid"/>
+                      <a:round/>
+                      <a:headEnd type="none" w="med" len="med"/>
+                      <a:tailEnd type="none" w="med" len="med"/>
+                    </a:lnT>
+                    <a:lnB w="12700" cap="flat" cmpd="sng" algn="ctr">
+                      <a:solidFill>
+                        <a:schemeClr val="tx1"/>
+                      </a:solidFill>
+                      <a:prstDash val="solid"/>
+                      <a:round/>
+                      <a:headEnd type="none" w="med" len="med"/>
+                      <a:tailEnd type="none" w="med" len="med"/>
+                    </a:lnB>
+                    <a:lnTlToBr w="12700" cmpd="sng">
+                      <a:noFill/>
+                      <a:prstDash val="solid"/>
+                    </a:lnTlToBr>
+                    <a:lnBlToTr w="12700" cmpd="sng">
+                      <a:noFill/>
+                      <a:prstDash val="solid"/>
+                    </a:lnBlToTr>
+                    <a:solidFill>
+                      <a:srgbClr val="F2E7EA"/>
+                    </a:solidFill>
+                  </a:tcPr>
+                </a:tc>
+                <a:tc>
+                  <a:txBody>
+                    <a:bodyPr/>
+                    <a:lstStyle/>
+                    <a:p>
+                      <a:pPr marL="0" marR="0" algn="ctr">
+                        <a:lnSpc>
+                          <a:spcPct val="115000"/>
+                        </a:lnSpc>
+                        <a:spcBef>
+                          <a:spcPts val="0"/>
+                        </a:spcBef>
+                        <a:spcAft>
+                          <a:spcPts val="0"/>
+                        </a:spcAft>
+                      </a:pPr>
+                      <a:r>
+                        <a:rPr lang="en-US" sz="1400" b="1" dirty="0">
+                          <a:solidFill>
+                            <a:schemeClr val="tx1"/>
+                          </a:solidFill>
+                          <a:effectLst/>
+                          <a:latin typeface="Calibri" panose="020F0502020204030204" pitchFamily="34" charset="0"/>
+                          <a:ea typeface="Calibri" panose="020F0502020204030204" pitchFamily="34" charset="0"/>
+                          <a:cs typeface="Calibri" panose="020F0502020204030204" pitchFamily="34" charset="0"/>
+                        </a:rPr>
+                        <a:t>System Action</a:t>
+                      </a:r>
+                      <a:r>
+                        <a:rPr lang="en-US" sz="1400" dirty="0">
+                          <a:solidFill>
+                            <a:schemeClr val="tx1"/>
+                          </a:solidFill>
+                          <a:effectLst/>
+                          <a:latin typeface="Calibri" panose="020F0502020204030204" pitchFamily="34" charset="0"/>
+                          <a:ea typeface="Calibri" panose="020F0502020204030204" pitchFamily="34" charset="0"/>
+                          <a:cs typeface="Calibri" panose="020F0502020204030204" pitchFamily="34" charset="0"/>
+                        </a:rPr>
+                        <a:t>  </a:t>
+                      </a:r>
+                      <a:endParaRPr lang="en-US" sz="1400" dirty="0">
+                        <a:solidFill>
+                          <a:schemeClr val="tx1"/>
+                        </a:solidFill>
+                        <a:effectLst/>
+                        <a:latin typeface="Arial" panose="020B0604020202020204" pitchFamily="34" charset="0"/>
+                        <a:ea typeface="Arial" panose="020B0604020202020204" pitchFamily="34" charset="0"/>
+                      </a:endParaRPr>
+                    </a:p>
+                  </a:txBody>
+                  <a:tcPr marL="63500" marR="63500" marT="63500" marB="63500">
+                    <a:lnL w="12700" cap="flat" cmpd="sng" algn="ctr">
+                      <a:solidFill>
+                        <a:schemeClr val="tx1"/>
+                      </a:solidFill>
+                      <a:prstDash val="solid"/>
+                      <a:round/>
+                      <a:headEnd type="none" w="med" len="med"/>
+                      <a:tailEnd type="none" w="med" len="med"/>
+                    </a:lnL>
+                    <a:lnR w="12700" cap="flat" cmpd="sng" algn="ctr">
+                      <a:solidFill>
+                        <a:schemeClr val="tx1"/>
+                      </a:solidFill>
+                      <a:prstDash val="solid"/>
+                      <a:round/>
+                      <a:headEnd type="none" w="med" len="med"/>
+                      <a:tailEnd type="none" w="med" len="med"/>
+                    </a:lnR>
+                    <a:lnT w="12700" cap="flat" cmpd="sng" algn="ctr">
+                      <a:solidFill>
+                        <a:schemeClr val="tx1"/>
+                      </a:solidFill>
+                      <a:prstDash val="solid"/>
+                      <a:round/>
+                      <a:headEnd type="none" w="med" len="med"/>
+                      <a:tailEnd type="none" w="med" len="med"/>
+                    </a:lnT>
+                    <a:lnB w="12700" cap="flat" cmpd="sng" algn="ctr">
+                      <a:solidFill>
+                        <a:schemeClr val="tx1"/>
+                      </a:solidFill>
+                      <a:prstDash val="solid"/>
+                      <a:round/>
+                      <a:headEnd type="none" w="med" len="med"/>
+                      <a:tailEnd type="none" w="med" len="med"/>
+                    </a:lnB>
+                    <a:lnTlToBr w="12700" cmpd="sng">
+                      <a:noFill/>
+                      <a:prstDash val="solid"/>
+                    </a:lnTlToBr>
+                    <a:lnBlToTr w="12700" cmpd="sng">
+                      <a:noFill/>
+                      <a:prstDash val="solid"/>
+                    </a:lnBlToTr>
+                    <a:solidFill>
+                      <a:srgbClr val="F2E7EA"/>
+                    </a:solidFill>
+                  </a:tcPr>
+                </a:tc>
+                <a:extLst>
+                  <a:ext uri="{0D108BD9-81ED-4DB2-BD59-A6C34878D82A}">
+                    <a16:rowId xmlns:a16="http://schemas.microsoft.com/office/drawing/2014/main" val="2608242282"/>
+                  </a:ext>
+                </a:extLst>
+              </a:tr>
+              <a:tr h="436097">
+                <a:tc vMerge="1">
+                  <a:txBody>
+                    <a:bodyPr/>
+                    <a:lstStyle/>
+                    <a:p>
+                      <a:endParaRPr lang="en-US"/>
+                    </a:p>
+                  </a:txBody>
+                  <a:tcPr/>
+                </a:tc>
+                <a:tc>
+                  <a:txBody>
+                    <a:bodyPr/>
+                    <a:lstStyle/>
+                    <a:p>
+                      <a:pPr marL="0" marR="0">
+                        <a:lnSpc>
+                          <a:spcPct val="115000"/>
+                        </a:lnSpc>
+                        <a:spcBef>
+                          <a:spcPts val="0"/>
+                        </a:spcBef>
+                        <a:spcAft>
+                          <a:spcPts val="0"/>
+                        </a:spcAft>
+                      </a:pPr>
+                      <a:r>
+                        <a:rPr lang="en-US" sz="1400" dirty="0">
+                          <a:solidFill>
+                            <a:schemeClr val="tx1"/>
+                          </a:solidFill>
+                          <a:effectLst/>
+                          <a:latin typeface="Calibri" panose="020F0502020204030204" pitchFamily="34" charset="0"/>
+                          <a:ea typeface="Calibri" panose="020F0502020204030204" pitchFamily="34" charset="0"/>
+                          <a:cs typeface="Calibri" panose="020F0502020204030204" pitchFamily="34" charset="0"/>
+                        </a:rPr>
+                        <a:t>1-user click on the video to watch it.</a:t>
+                      </a:r>
+                      <a:endParaRPr lang="en-US" sz="1400" dirty="0">
+                        <a:solidFill>
+                          <a:schemeClr val="tx1"/>
+                        </a:solidFill>
+                        <a:effectLst/>
+                        <a:latin typeface="Arial" panose="020B0604020202020204" pitchFamily="34" charset="0"/>
+                        <a:ea typeface="Arial" panose="020B0604020202020204" pitchFamily="34" charset="0"/>
+                      </a:endParaRPr>
+                    </a:p>
+                  </a:txBody>
+                  <a:tcPr marL="63500" marR="63500" marT="63500" marB="63500">
+                    <a:lnL w="12700" cap="flat" cmpd="sng" algn="ctr">
+                      <a:solidFill>
+                        <a:schemeClr val="tx1"/>
+                      </a:solidFill>
+                      <a:prstDash val="solid"/>
+                      <a:round/>
+                      <a:headEnd type="none" w="med" len="med"/>
+                      <a:tailEnd type="none" w="med" len="med"/>
+                    </a:lnL>
+                    <a:lnR w="12700" cap="flat" cmpd="sng" algn="ctr">
+                      <a:solidFill>
+                        <a:schemeClr val="tx1"/>
+                      </a:solidFill>
+                      <a:prstDash val="solid"/>
+                      <a:round/>
+                      <a:headEnd type="none" w="med" len="med"/>
+                      <a:tailEnd type="none" w="med" len="med"/>
+                    </a:lnR>
+                    <a:lnT w="12700" cap="flat" cmpd="sng" algn="ctr">
+                      <a:solidFill>
+                        <a:schemeClr val="tx1"/>
+                      </a:solidFill>
+                      <a:prstDash val="solid"/>
+                      <a:round/>
+                      <a:headEnd type="none" w="med" len="med"/>
+                      <a:tailEnd type="none" w="med" len="med"/>
+                    </a:lnT>
+                    <a:lnB w="12700" cap="flat" cmpd="sng" algn="ctr">
+                      <a:solidFill>
+                        <a:schemeClr val="tx1"/>
+                      </a:solidFill>
+                      <a:prstDash val="solid"/>
+                      <a:round/>
+                      <a:headEnd type="none" w="med" len="med"/>
+                      <a:tailEnd type="none" w="med" len="med"/>
+                    </a:lnB>
+                    <a:lnTlToBr w="12700" cmpd="sng">
+                      <a:noFill/>
+                      <a:prstDash val="solid"/>
+                    </a:lnTlToBr>
+                    <a:lnBlToTr w="12700" cmpd="sng">
+                      <a:noFill/>
+                      <a:prstDash val="solid"/>
+                    </a:lnBlToTr>
+                    <a:solidFill>
+                      <a:srgbClr val="F2E7EA"/>
+                    </a:solidFill>
+                  </a:tcPr>
+                </a:tc>
+                <a:tc>
+                  <a:txBody>
+                    <a:bodyPr/>
+                    <a:lstStyle/>
+                    <a:p>
+                      <a:pPr marL="0" marR="0">
+                        <a:lnSpc>
+                          <a:spcPct val="115000"/>
+                        </a:lnSpc>
+                        <a:spcBef>
+                          <a:spcPts val="0"/>
+                        </a:spcBef>
+                        <a:spcAft>
+                          <a:spcPts val="0"/>
+                        </a:spcAft>
+                      </a:pPr>
+                      <a:r>
+                        <a:rPr lang="en-US" sz="1400" dirty="0">
+                          <a:solidFill>
+                            <a:schemeClr val="tx1"/>
+                          </a:solidFill>
+                          <a:effectLst/>
+                          <a:latin typeface="Calibri" panose="020F0502020204030204" pitchFamily="34" charset="0"/>
+                          <a:ea typeface="Calibri" panose="020F0502020204030204" pitchFamily="34" charset="0"/>
+                          <a:cs typeface="Calibri" panose="020F0502020204030204" pitchFamily="34" charset="0"/>
+                        </a:rPr>
+                        <a:t>    </a:t>
+                      </a:r>
+                      <a:endParaRPr lang="en-US" sz="1400" dirty="0">
+                        <a:solidFill>
+                          <a:schemeClr val="tx1"/>
+                        </a:solidFill>
+                        <a:effectLst/>
+                        <a:latin typeface="Arial" panose="020B0604020202020204" pitchFamily="34" charset="0"/>
+                        <a:ea typeface="Arial" panose="020B0604020202020204" pitchFamily="34" charset="0"/>
+                      </a:endParaRPr>
+                    </a:p>
+                  </a:txBody>
+                  <a:tcPr marL="63500" marR="63500" marT="63500" marB="63500">
+                    <a:lnL w="12700" cap="flat" cmpd="sng" algn="ctr">
+                      <a:solidFill>
+                        <a:schemeClr val="tx1"/>
+                      </a:solidFill>
+                      <a:prstDash val="solid"/>
+                      <a:round/>
+                      <a:headEnd type="none" w="med" len="med"/>
+                      <a:tailEnd type="none" w="med" len="med"/>
+                    </a:lnL>
+                    <a:lnR w="12700" cap="flat" cmpd="sng" algn="ctr">
+                      <a:solidFill>
+                        <a:schemeClr val="tx1"/>
+                      </a:solidFill>
+                      <a:prstDash val="solid"/>
+                      <a:round/>
+                      <a:headEnd type="none" w="med" len="med"/>
+                      <a:tailEnd type="none" w="med" len="med"/>
+                    </a:lnR>
+                    <a:lnT w="12700" cap="flat" cmpd="sng" algn="ctr">
+                      <a:solidFill>
+                        <a:schemeClr val="tx1"/>
+                      </a:solidFill>
+                      <a:prstDash val="solid"/>
+                      <a:round/>
+                      <a:headEnd type="none" w="med" len="med"/>
+                      <a:tailEnd type="none" w="med" len="med"/>
+                    </a:lnT>
+                    <a:lnB w="12700" cap="flat" cmpd="sng" algn="ctr">
+                      <a:solidFill>
+                        <a:schemeClr val="tx1"/>
+                      </a:solidFill>
+                      <a:prstDash val="solid"/>
+                      <a:round/>
+                      <a:headEnd type="none" w="med" len="med"/>
+                      <a:tailEnd type="none" w="med" len="med"/>
+                    </a:lnB>
+                    <a:lnTlToBr w="12700" cmpd="sng">
+                      <a:noFill/>
+                      <a:prstDash val="solid"/>
+                    </a:lnTlToBr>
+                    <a:lnBlToTr w="12700" cmpd="sng">
+                      <a:noFill/>
+                      <a:prstDash val="solid"/>
+                    </a:lnBlToTr>
+                    <a:solidFill>
+                      <a:srgbClr val="F2E7EA"/>
+                    </a:solidFill>
+                  </a:tcPr>
+                </a:tc>
+                <a:extLst>
+                  <a:ext uri="{0D108BD9-81ED-4DB2-BD59-A6C34878D82A}">
+                    <a16:rowId xmlns:a16="http://schemas.microsoft.com/office/drawing/2014/main" val="1768438837"/>
+                  </a:ext>
+                </a:extLst>
+              </a:tr>
+              <a:tr h="764142">
+                <a:tc vMerge="1">
+                  <a:txBody>
+                    <a:bodyPr/>
+                    <a:lstStyle/>
+                    <a:p>
+                      <a:endParaRPr lang="en-US"/>
+                    </a:p>
+                  </a:txBody>
+                  <a:tcPr/>
+                </a:tc>
+                <a:tc>
+                  <a:txBody>
+                    <a:bodyPr/>
+                    <a:lstStyle/>
+                    <a:p>
+                      <a:endParaRPr lang="en-US" sz="1400" dirty="0">
+                        <a:solidFill>
+                          <a:schemeClr val="tx1"/>
+                        </a:solidFill>
+                      </a:endParaRPr>
+                    </a:p>
+                  </a:txBody>
+                  <a:tcPr>
+                    <a:lnL w="12700" cap="flat" cmpd="sng" algn="ctr">
+                      <a:solidFill>
+                        <a:schemeClr val="tx1"/>
+                      </a:solidFill>
+                      <a:prstDash val="solid"/>
+                      <a:round/>
+                      <a:headEnd type="none" w="med" len="med"/>
+                      <a:tailEnd type="none" w="med" len="med"/>
+                    </a:lnL>
+                    <a:lnR w="12700" cap="flat" cmpd="sng" algn="ctr">
+                      <a:solidFill>
+                        <a:schemeClr val="tx1"/>
+                      </a:solidFill>
+                      <a:prstDash val="solid"/>
+                      <a:round/>
+                      <a:headEnd type="none" w="med" len="med"/>
+                      <a:tailEnd type="none" w="med" len="med"/>
+                    </a:lnR>
+                    <a:lnT w="12700" cap="flat" cmpd="sng" algn="ctr">
+                      <a:solidFill>
+                        <a:schemeClr val="tx1"/>
+                      </a:solidFill>
+                      <a:prstDash val="solid"/>
+                      <a:round/>
+                      <a:headEnd type="none" w="med" len="med"/>
+                      <a:tailEnd type="none" w="med" len="med"/>
+                    </a:lnT>
+                    <a:lnB w="12700" cap="flat" cmpd="sng" algn="ctr">
+                      <a:solidFill>
+                        <a:schemeClr val="tx1"/>
+                      </a:solidFill>
+                      <a:prstDash val="solid"/>
+                      <a:round/>
+                      <a:headEnd type="none" w="med" len="med"/>
+                      <a:tailEnd type="none" w="med" len="med"/>
+                    </a:lnB>
+                    <a:lnTlToBr w="12700" cmpd="sng">
+                      <a:noFill/>
+                      <a:prstDash val="solid"/>
+                    </a:lnTlToBr>
+                    <a:lnBlToTr w="12700" cmpd="sng">
+                      <a:noFill/>
+                      <a:prstDash val="solid"/>
+                    </a:lnBlToTr>
+                    <a:solidFill>
+                      <a:srgbClr val="F2E7EA"/>
+                    </a:solidFill>
+                  </a:tcPr>
+                </a:tc>
+                <a:tc>
+                  <a:txBody>
+                    <a:bodyPr/>
+                    <a:lstStyle/>
+                    <a:p>
+                      <a:pPr marL="0" marR="0">
+                        <a:lnSpc>
+                          <a:spcPct val="115000"/>
+                        </a:lnSpc>
+                        <a:spcBef>
+                          <a:spcPts val="0"/>
+                        </a:spcBef>
+                        <a:spcAft>
+                          <a:spcPts val="0"/>
+                        </a:spcAft>
+                      </a:pPr>
+                      <a:r>
+                        <a:rPr lang="en-US" sz="1400" dirty="0">
+                          <a:solidFill>
+                            <a:schemeClr val="tx1"/>
+                          </a:solidFill>
+                          <a:effectLst/>
+                          <a:latin typeface="Calibri" panose="020F0502020204030204" pitchFamily="34" charset="0"/>
+                          <a:ea typeface="Calibri" panose="020F0502020204030204" pitchFamily="34" charset="0"/>
+                          <a:cs typeface="Calibri" panose="020F0502020204030204" pitchFamily="34" charset="0"/>
+                        </a:rPr>
+                        <a:t>2- System sends the video to the filtration model.</a:t>
+                      </a:r>
+                      <a:endParaRPr lang="en-US" sz="1400" dirty="0">
+                        <a:solidFill>
+                          <a:schemeClr val="tx1"/>
+                        </a:solidFill>
+                        <a:effectLst/>
+                        <a:latin typeface="Arial" panose="020B0604020202020204" pitchFamily="34" charset="0"/>
+                        <a:ea typeface="Arial" panose="020B0604020202020204" pitchFamily="34" charset="0"/>
+                      </a:endParaRPr>
+                    </a:p>
+                    <a:p>
+                      <a:pPr marL="0" marR="0">
+                        <a:lnSpc>
+                          <a:spcPct val="115000"/>
+                        </a:lnSpc>
+                        <a:spcBef>
+                          <a:spcPts val="0"/>
+                        </a:spcBef>
+                        <a:spcAft>
+                          <a:spcPts val="0"/>
+                        </a:spcAft>
+                      </a:pPr>
+                      <a:r>
+                        <a:rPr lang="en-US" sz="1400" dirty="0">
+                          <a:solidFill>
+                            <a:schemeClr val="tx1"/>
+                          </a:solidFill>
+                          <a:effectLst/>
+                          <a:latin typeface="Calibri" panose="020F0502020204030204" pitchFamily="34" charset="0"/>
+                          <a:ea typeface="Calibri" panose="020F0502020204030204" pitchFamily="34" charset="0"/>
+                          <a:cs typeface="Calibri" panose="020F0502020204030204" pitchFamily="34" charset="0"/>
+                        </a:rPr>
+                        <a:t>3- model returns the filtered video then play it.</a:t>
+                      </a:r>
+                      <a:endParaRPr lang="en-US" sz="1400" dirty="0">
+                        <a:solidFill>
+                          <a:schemeClr val="tx1"/>
+                        </a:solidFill>
+                        <a:effectLst/>
+                        <a:latin typeface="Arial" panose="020B0604020202020204" pitchFamily="34" charset="0"/>
+                        <a:ea typeface="Arial" panose="020B0604020202020204" pitchFamily="34" charset="0"/>
+                      </a:endParaRPr>
+                    </a:p>
+                  </a:txBody>
+                  <a:tcPr marL="63500" marR="63500" marT="63500" marB="63500">
+                    <a:lnL w="12700" cap="flat" cmpd="sng" algn="ctr">
+                      <a:solidFill>
+                        <a:schemeClr val="tx1"/>
+                      </a:solidFill>
+                      <a:prstDash val="solid"/>
+                      <a:round/>
+                      <a:headEnd type="none" w="med" len="med"/>
+                      <a:tailEnd type="none" w="med" len="med"/>
+                    </a:lnL>
+                    <a:lnR w="12700" cap="flat" cmpd="sng" algn="ctr">
+                      <a:solidFill>
+                        <a:schemeClr val="tx1"/>
+                      </a:solidFill>
+                      <a:prstDash val="solid"/>
+                      <a:round/>
+                      <a:headEnd type="none" w="med" len="med"/>
+                      <a:tailEnd type="none" w="med" len="med"/>
+                    </a:lnR>
+                    <a:lnT w="12700" cap="flat" cmpd="sng" algn="ctr">
+                      <a:solidFill>
+                        <a:schemeClr val="tx1"/>
+                      </a:solidFill>
+                      <a:prstDash val="solid"/>
+                      <a:round/>
+                      <a:headEnd type="none" w="med" len="med"/>
+                      <a:tailEnd type="none" w="med" len="med"/>
+                    </a:lnT>
+                    <a:lnB w="12700" cap="flat" cmpd="sng" algn="ctr">
+                      <a:solidFill>
+                        <a:schemeClr val="tx1"/>
+                      </a:solidFill>
+                      <a:prstDash val="solid"/>
+                      <a:round/>
+                      <a:headEnd type="none" w="med" len="med"/>
+                      <a:tailEnd type="none" w="med" len="med"/>
+                    </a:lnB>
+                    <a:lnTlToBr w="12700" cmpd="sng">
+                      <a:noFill/>
+                      <a:prstDash val="solid"/>
+                    </a:lnTlToBr>
+                    <a:lnBlToTr w="12700" cmpd="sng">
+                      <a:noFill/>
+                      <a:prstDash val="solid"/>
+                    </a:lnBlToTr>
+                    <a:solidFill>
+                      <a:srgbClr val="F2E7EA"/>
+                    </a:solidFill>
+                  </a:tcPr>
+                </a:tc>
+                <a:extLst>
+                  <a:ext uri="{0D108BD9-81ED-4DB2-BD59-A6C34878D82A}">
+                    <a16:rowId xmlns:a16="http://schemas.microsoft.com/office/drawing/2014/main" val="2087897419"/>
+                  </a:ext>
+                </a:extLst>
+              </a:tr>
+              <a:tr h="272074">
+                <a:tc rowSpan="3">
+                  <a:txBody>
+                    <a:bodyPr/>
+                    <a:lstStyle/>
+                    <a:p>
+                      <a:r>
+                        <a:rPr lang="en-US" sz="1400" kern="1200" dirty="0" smtClean="0">
+                          <a:solidFill>
+                            <a:schemeClr val="tx1"/>
+                          </a:solidFill>
+                          <a:effectLst/>
+                          <a:latin typeface="+mn-lt"/>
+                          <a:ea typeface="+mn-ea"/>
+                          <a:cs typeface="+mn-cs"/>
+                        </a:rPr>
+                        <a:t>Exceptions:</a:t>
+                      </a:r>
+                      <a:endParaRPr lang="en-US" sz="1400" dirty="0">
+                        <a:solidFill>
+                          <a:schemeClr val="tx1"/>
+                        </a:solidFill>
+                      </a:endParaRPr>
+                    </a:p>
+                  </a:txBody>
+                  <a:tcPr>
+                    <a:lnL w="12700" cap="flat" cmpd="sng" algn="ctr">
+                      <a:solidFill>
+                        <a:schemeClr val="tx1"/>
+                      </a:solidFill>
+                      <a:prstDash val="solid"/>
+                      <a:round/>
+                      <a:headEnd type="none" w="med" len="med"/>
+                      <a:tailEnd type="none" w="med" len="med"/>
+                    </a:lnL>
+                    <a:lnR w="12700" cap="flat" cmpd="sng" algn="ctr">
+                      <a:solidFill>
+                        <a:schemeClr val="tx1"/>
+                      </a:solidFill>
+                      <a:prstDash val="solid"/>
+                      <a:round/>
+                      <a:headEnd type="none" w="med" len="med"/>
+                      <a:tailEnd type="none" w="med" len="med"/>
+                    </a:lnR>
+                    <a:lnT w="12700" cap="flat" cmpd="sng" algn="ctr">
+                      <a:solidFill>
+                        <a:schemeClr val="tx1"/>
+                      </a:solidFill>
+                      <a:prstDash val="solid"/>
+                      <a:round/>
+                      <a:headEnd type="none" w="med" len="med"/>
+                      <a:tailEnd type="none" w="med" len="med"/>
+                    </a:lnT>
+                    <a:lnB w="12700" cap="flat" cmpd="sng" algn="ctr">
+                      <a:solidFill>
+                        <a:schemeClr val="tx1"/>
+                      </a:solidFill>
+                      <a:prstDash val="solid"/>
+                      <a:round/>
+                      <a:headEnd type="none" w="med" len="med"/>
+                      <a:tailEnd type="none" w="med" len="med"/>
+                    </a:lnB>
+                    <a:lnTlToBr w="12700" cmpd="sng">
+                      <a:noFill/>
+                      <a:prstDash val="solid"/>
+                    </a:lnTlToBr>
+                    <a:lnBlToTr w="12700" cmpd="sng">
+                      <a:noFill/>
+                      <a:prstDash val="solid"/>
+                    </a:lnBlToTr>
+                    <a:solidFill>
+                      <a:srgbClr val="F2E7EA"/>
+                    </a:solidFill>
+                  </a:tcPr>
+                </a:tc>
+                <a:tc>
+                  <a:txBody>
+                    <a:bodyPr/>
+                    <a:lstStyle/>
+                    <a:p>
+                      <a:pPr marL="0" marR="0" algn="ctr">
+                        <a:lnSpc>
+                          <a:spcPct val="115000"/>
+                        </a:lnSpc>
+                        <a:spcBef>
+                          <a:spcPts val="0"/>
+                        </a:spcBef>
+                        <a:spcAft>
+                          <a:spcPts val="0"/>
+                        </a:spcAft>
+                      </a:pPr>
+                      <a:r>
+                        <a:rPr lang="en-US" sz="1400" b="1" dirty="0">
+                          <a:solidFill>
+                            <a:schemeClr val="tx1"/>
+                          </a:solidFill>
+                          <a:effectLst/>
+                          <a:latin typeface="Calibri" panose="020F0502020204030204" pitchFamily="34" charset="0"/>
+                          <a:ea typeface="Calibri" panose="020F0502020204030204" pitchFamily="34" charset="0"/>
+                          <a:cs typeface="Calibri" panose="020F0502020204030204" pitchFamily="34" charset="0"/>
+                        </a:rPr>
+                        <a:t>User Action</a:t>
+                      </a:r>
+                      <a:endParaRPr lang="en-US" sz="1400" dirty="0">
+                        <a:solidFill>
+                          <a:schemeClr val="tx1"/>
+                        </a:solidFill>
+                        <a:effectLst/>
+                        <a:latin typeface="Arial" panose="020B0604020202020204" pitchFamily="34" charset="0"/>
+                        <a:ea typeface="Arial" panose="020B0604020202020204" pitchFamily="34" charset="0"/>
+                      </a:endParaRPr>
+                    </a:p>
+                  </a:txBody>
+                  <a:tcPr marL="63500" marR="63500" marT="63500" marB="63500">
+                    <a:lnL w="12700" cap="flat" cmpd="sng" algn="ctr">
+                      <a:solidFill>
+                        <a:schemeClr val="tx1"/>
+                      </a:solidFill>
+                      <a:prstDash val="solid"/>
+                      <a:round/>
+                      <a:headEnd type="none" w="med" len="med"/>
+                      <a:tailEnd type="none" w="med" len="med"/>
+                    </a:lnL>
+                    <a:lnR w="12700" cap="flat" cmpd="sng" algn="ctr">
+                      <a:solidFill>
+                        <a:schemeClr val="tx1"/>
+                      </a:solidFill>
+                      <a:prstDash val="solid"/>
+                      <a:round/>
+                      <a:headEnd type="none" w="med" len="med"/>
+                      <a:tailEnd type="none" w="med" len="med"/>
+                    </a:lnR>
+                    <a:lnT w="12700" cap="flat" cmpd="sng" algn="ctr">
+                      <a:solidFill>
+                        <a:schemeClr val="tx1"/>
+                      </a:solidFill>
+                      <a:prstDash val="solid"/>
+                      <a:round/>
+                      <a:headEnd type="none" w="med" len="med"/>
+                      <a:tailEnd type="none" w="med" len="med"/>
+                    </a:lnT>
+                    <a:lnB w="12700" cap="flat" cmpd="sng" algn="ctr">
+                      <a:solidFill>
+                        <a:schemeClr val="tx1"/>
+                      </a:solidFill>
+                      <a:prstDash val="solid"/>
+                      <a:round/>
+                      <a:headEnd type="none" w="med" len="med"/>
+                      <a:tailEnd type="none" w="med" len="med"/>
+                    </a:lnB>
+                    <a:lnTlToBr w="12700" cmpd="sng">
+                      <a:noFill/>
+                      <a:prstDash val="solid"/>
+                    </a:lnTlToBr>
+                    <a:lnBlToTr w="12700" cmpd="sng">
+                      <a:noFill/>
+                      <a:prstDash val="solid"/>
+                    </a:lnBlToTr>
+                    <a:solidFill>
+                      <a:srgbClr val="F2E7EA"/>
+                    </a:solidFill>
+                  </a:tcPr>
+                </a:tc>
+                <a:tc>
+                  <a:txBody>
+                    <a:bodyPr/>
+                    <a:lstStyle/>
+                    <a:p>
+                      <a:pPr marL="0" marR="0" algn="ctr">
+                        <a:lnSpc>
+                          <a:spcPct val="115000"/>
+                        </a:lnSpc>
+                        <a:spcBef>
+                          <a:spcPts val="0"/>
+                        </a:spcBef>
+                        <a:spcAft>
+                          <a:spcPts val="0"/>
+                        </a:spcAft>
+                      </a:pPr>
+                      <a:r>
+                        <a:rPr lang="en-US" sz="1400" b="1" dirty="0">
+                          <a:solidFill>
+                            <a:schemeClr val="tx1"/>
+                          </a:solidFill>
+                          <a:effectLst/>
+                          <a:latin typeface="Calibri" panose="020F0502020204030204" pitchFamily="34" charset="0"/>
+                          <a:ea typeface="Calibri" panose="020F0502020204030204" pitchFamily="34" charset="0"/>
+                          <a:cs typeface="Calibri" panose="020F0502020204030204" pitchFamily="34" charset="0"/>
+                        </a:rPr>
+                        <a:t>System Action</a:t>
+                      </a:r>
+                      <a:r>
+                        <a:rPr lang="en-US" sz="1400" dirty="0">
+                          <a:solidFill>
+                            <a:schemeClr val="tx1"/>
+                          </a:solidFill>
+                          <a:effectLst/>
+                          <a:latin typeface="Calibri" panose="020F0502020204030204" pitchFamily="34" charset="0"/>
+                          <a:ea typeface="Calibri" panose="020F0502020204030204" pitchFamily="34" charset="0"/>
+                          <a:cs typeface="Calibri" panose="020F0502020204030204" pitchFamily="34" charset="0"/>
+                        </a:rPr>
+                        <a:t>      </a:t>
+                      </a:r>
+                      <a:endParaRPr lang="en-US" sz="1400" dirty="0">
+                        <a:solidFill>
+                          <a:schemeClr val="tx1"/>
+                        </a:solidFill>
+                        <a:effectLst/>
+                        <a:latin typeface="Arial" panose="020B0604020202020204" pitchFamily="34" charset="0"/>
+                        <a:ea typeface="Arial" panose="020B0604020202020204" pitchFamily="34" charset="0"/>
+                      </a:endParaRPr>
+                    </a:p>
+                  </a:txBody>
+                  <a:tcPr marL="63500" marR="63500" marT="63500" marB="63500">
+                    <a:lnL w="12700" cap="flat" cmpd="sng" algn="ctr">
+                      <a:solidFill>
+                        <a:schemeClr val="tx1"/>
+                      </a:solidFill>
+                      <a:prstDash val="solid"/>
+                      <a:round/>
+                      <a:headEnd type="none" w="med" len="med"/>
+                      <a:tailEnd type="none" w="med" len="med"/>
+                    </a:lnL>
+                    <a:lnR w="12700" cap="flat" cmpd="sng" algn="ctr">
+                      <a:solidFill>
+                        <a:schemeClr val="tx1"/>
+                      </a:solidFill>
+                      <a:prstDash val="solid"/>
+                      <a:round/>
+                      <a:headEnd type="none" w="med" len="med"/>
+                      <a:tailEnd type="none" w="med" len="med"/>
+                    </a:lnR>
+                    <a:lnT w="12700" cap="flat" cmpd="sng" algn="ctr">
+                      <a:solidFill>
+                        <a:schemeClr val="tx1"/>
+                      </a:solidFill>
+                      <a:prstDash val="solid"/>
+                      <a:round/>
+                      <a:headEnd type="none" w="med" len="med"/>
+                      <a:tailEnd type="none" w="med" len="med"/>
+                    </a:lnT>
+                    <a:lnB w="12700" cap="flat" cmpd="sng" algn="ctr">
+                      <a:solidFill>
+                        <a:schemeClr val="tx1"/>
+                      </a:solidFill>
+                      <a:prstDash val="solid"/>
+                      <a:round/>
+                      <a:headEnd type="none" w="med" len="med"/>
+                      <a:tailEnd type="none" w="med" len="med"/>
+                    </a:lnB>
+                    <a:lnTlToBr w="12700" cmpd="sng">
+                      <a:noFill/>
+                      <a:prstDash val="solid"/>
+                    </a:lnTlToBr>
+                    <a:lnBlToTr w="12700" cmpd="sng">
+                      <a:noFill/>
+                      <a:prstDash val="solid"/>
+                    </a:lnBlToTr>
+                    <a:solidFill>
+                      <a:srgbClr val="F2E7EA"/>
+                    </a:solidFill>
+                  </a:tcPr>
+                </a:tc>
+                <a:extLst>
+                  <a:ext uri="{0D108BD9-81ED-4DB2-BD59-A6C34878D82A}">
+                    <a16:rowId xmlns:a16="http://schemas.microsoft.com/office/drawing/2014/main" val="1471066969"/>
+                  </a:ext>
+                </a:extLst>
+              </a:tr>
+              <a:tr h="436097">
+                <a:tc vMerge="1">
+                  <a:txBody>
+                    <a:bodyPr/>
+                    <a:lstStyle/>
+                    <a:p>
+                      <a:endParaRPr lang="en-US"/>
+                    </a:p>
+                  </a:txBody>
+                  <a:tcPr/>
+                </a:tc>
+                <a:tc>
+                  <a:txBody>
+                    <a:bodyPr/>
+                    <a:lstStyle/>
+                    <a:p>
+                      <a:pPr marL="0" marR="0">
+                        <a:lnSpc>
+                          <a:spcPct val="115000"/>
+                        </a:lnSpc>
+                        <a:spcBef>
+                          <a:spcPts val="0"/>
+                        </a:spcBef>
+                        <a:spcAft>
+                          <a:spcPts val="0"/>
+                        </a:spcAft>
+                      </a:pPr>
+                      <a:r>
+                        <a:rPr lang="en-US" sz="1400" dirty="0">
+                          <a:solidFill>
+                            <a:schemeClr val="tx1"/>
+                          </a:solidFill>
+                          <a:effectLst/>
+                          <a:latin typeface="Calibri" panose="020F0502020204030204" pitchFamily="34" charset="0"/>
+                          <a:ea typeface="Calibri" panose="020F0502020204030204" pitchFamily="34" charset="0"/>
+                          <a:cs typeface="Calibri" panose="020F0502020204030204" pitchFamily="34" charset="0"/>
+                        </a:rPr>
+                        <a:t>1- User click on the video to watch it.  </a:t>
+                      </a:r>
+                      <a:endParaRPr lang="en-US" sz="1400" dirty="0">
+                        <a:solidFill>
+                          <a:schemeClr val="tx1"/>
+                        </a:solidFill>
+                        <a:effectLst/>
+                        <a:latin typeface="Arial" panose="020B0604020202020204" pitchFamily="34" charset="0"/>
+                        <a:ea typeface="Arial" panose="020B0604020202020204" pitchFamily="34" charset="0"/>
+                      </a:endParaRPr>
+                    </a:p>
+                  </a:txBody>
+                  <a:tcPr marL="63500" marR="63500" marT="63500" marB="63500">
+                    <a:lnL w="12700" cap="flat" cmpd="sng" algn="ctr">
+                      <a:solidFill>
+                        <a:schemeClr val="tx1"/>
+                      </a:solidFill>
+                      <a:prstDash val="solid"/>
+                      <a:round/>
+                      <a:headEnd type="none" w="med" len="med"/>
+                      <a:tailEnd type="none" w="med" len="med"/>
+                    </a:lnL>
+                    <a:lnR w="12700" cap="flat" cmpd="sng" algn="ctr">
+                      <a:solidFill>
+                        <a:schemeClr val="tx1"/>
+                      </a:solidFill>
+                      <a:prstDash val="solid"/>
+                      <a:round/>
+                      <a:headEnd type="none" w="med" len="med"/>
+                      <a:tailEnd type="none" w="med" len="med"/>
+                    </a:lnR>
+                    <a:lnT w="12700" cap="flat" cmpd="sng" algn="ctr">
+                      <a:solidFill>
+                        <a:schemeClr val="tx1"/>
+                      </a:solidFill>
+                      <a:prstDash val="solid"/>
+                      <a:round/>
+                      <a:headEnd type="none" w="med" len="med"/>
+                      <a:tailEnd type="none" w="med" len="med"/>
+                    </a:lnT>
+                    <a:lnB w="12700" cap="flat" cmpd="sng" algn="ctr">
+                      <a:solidFill>
+                        <a:schemeClr val="tx1"/>
+                      </a:solidFill>
+                      <a:prstDash val="solid"/>
+                      <a:round/>
+                      <a:headEnd type="none" w="med" len="med"/>
+                      <a:tailEnd type="none" w="med" len="med"/>
+                    </a:lnB>
+                    <a:lnTlToBr w="12700" cmpd="sng">
+                      <a:noFill/>
+                      <a:prstDash val="solid"/>
+                    </a:lnTlToBr>
+                    <a:lnBlToTr w="12700" cmpd="sng">
+                      <a:noFill/>
+                      <a:prstDash val="solid"/>
+                    </a:lnBlToTr>
+                    <a:solidFill>
+                      <a:srgbClr val="F2E7EA"/>
+                    </a:solidFill>
+                  </a:tcPr>
+                </a:tc>
+                <a:tc>
+                  <a:txBody>
+                    <a:bodyPr/>
+                    <a:lstStyle/>
+                    <a:p>
+                      <a:pPr marL="0" marR="0">
+                        <a:lnSpc>
+                          <a:spcPct val="115000"/>
+                        </a:lnSpc>
+                        <a:spcBef>
+                          <a:spcPts val="0"/>
+                        </a:spcBef>
+                        <a:spcAft>
+                          <a:spcPts val="0"/>
+                        </a:spcAft>
+                      </a:pPr>
+                      <a:r>
+                        <a:rPr lang="en-US" sz="1400" dirty="0">
+                          <a:solidFill>
+                            <a:schemeClr val="tx1"/>
+                          </a:solidFill>
+                          <a:effectLst/>
+                          <a:latin typeface="Calibri" panose="020F0502020204030204" pitchFamily="34" charset="0"/>
+                          <a:ea typeface="Calibri" panose="020F0502020204030204" pitchFamily="34" charset="0"/>
+                          <a:cs typeface="Calibri" panose="020F0502020204030204" pitchFamily="34" charset="0"/>
+                        </a:rPr>
+                        <a:t>      </a:t>
+                      </a:r>
+                      <a:endParaRPr lang="en-US" sz="1400" dirty="0">
+                        <a:solidFill>
+                          <a:schemeClr val="tx1"/>
+                        </a:solidFill>
+                        <a:effectLst/>
+                        <a:latin typeface="Arial" panose="020B0604020202020204" pitchFamily="34" charset="0"/>
+                        <a:ea typeface="Arial" panose="020B0604020202020204" pitchFamily="34" charset="0"/>
+                      </a:endParaRPr>
+                    </a:p>
+                  </a:txBody>
+                  <a:tcPr marL="63500" marR="63500" marT="63500" marB="63500">
+                    <a:lnL w="12700" cap="flat" cmpd="sng" algn="ctr">
+                      <a:solidFill>
+                        <a:schemeClr val="tx1"/>
+                      </a:solidFill>
+                      <a:prstDash val="solid"/>
+                      <a:round/>
+                      <a:headEnd type="none" w="med" len="med"/>
+                      <a:tailEnd type="none" w="med" len="med"/>
+                    </a:lnL>
+                    <a:lnR w="12700" cap="flat" cmpd="sng" algn="ctr">
+                      <a:solidFill>
+                        <a:schemeClr val="tx1"/>
+                      </a:solidFill>
+                      <a:prstDash val="solid"/>
+                      <a:round/>
+                      <a:headEnd type="none" w="med" len="med"/>
+                      <a:tailEnd type="none" w="med" len="med"/>
+                    </a:lnR>
+                    <a:lnT w="12700" cap="flat" cmpd="sng" algn="ctr">
+                      <a:solidFill>
+                        <a:schemeClr val="tx1"/>
+                      </a:solidFill>
+                      <a:prstDash val="solid"/>
+                      <a:round/>
+                      <a:headEnd type="none" w="med" len="med"/>
+                      <a:tailEnd type="none" w="med" len="med"/>
+                    </a:lnT>
+                    <a:lnB w="12700" cap="flat" cmpd="sng" algn="ctr">
+                      <a:solidFill>
+                        <a:schemeClr val="tx1"/>
+                      </a:solidFill>
+                      <a:prstDash val="solid"/>
+                      <a:round/>
+                      <a:headEnd type="none" w="med" len="med"/>
+                      <a:tailEnd type="none" w="med" len="med"/>
+                    </a:lnB>
+                    <a:lnTlToBr w="12700" cmpd="sng">
+                      <a:noFill/>
+                      <a:prstDash val="solid"/>
+                    </a:lnTlToBr>
+                    <a:lnBlToTr w="12700" cmpd="sng">
+                      <a:noFill/>
+                      <a:prstDash val="solid"/>
+                    </a:lnBlToTr>
+                    <a:solidFill>
+                      <a:srgbClr val="F2E7EA"/>
+                    </a:solidFill>
+                  </a:tcPr>
+                </a:tc>
+                <a:extLst>
+                  <a:ext uri="{0D108BD9-81ED-4DB2-BD59-A6C34878D82A}">
+                    <a16:rowId xmlns:a16="http://schemas.microsoft.com/office/drawing/2014/main" val="2732603557"/>
+                  </a:ext>
+                </a:extLst>
+              </a:tr>
+              <a:tr h="1256209">
+                <a:tc vMerge="1">
+                  <a:txBody>
+                    <a:bodyPr/>
+                    <a:lstStyle/>
+                    <a:p>
+                      <a:endParaRPr lang="en-US"/>
+                    </a:p>
+                  </a:txBody>
+                  <a:tcPr/>
+                </a:tc>
+                <a:tc>
+                  <a:txBody>
+                    <a:bodyPr/>
+                    <a:lstStyle/>
+                    <a:p>
+                      <a:pPr marL="0" marR="0">
+                        <a:lnSpc>
+                          <a:spcPct val="115000"/>
+                        </a:lnSpc>
+                        <a:spcBef>
+                          <a:spcPts val="0"/>
+                        </a:spcBef>
+                        <a:spcAft>
+                          <a:spcPts val="0"/>
+                        </a:spcAft>
+                      </a:pPr>
+                      <a:r>
+                        <a:rPr lang="en-US" sz="1400" dirty="0">
+                          <a:solidFill>
+                            <a:schemeClr val="tx1"/>
+                          </a:solidFill>
+                          <a:effectLst/>
+                          <a:latin typeface="Calibri" panose="020F0502020204030204" pitchFamily="34" charset="0"/>
+                          <a:ea typeface="Calibri" panose="020F0502020204030204" pitchFamily="34" charset="0"/>
+                          <a:cs typeface="Calibri" panose="020F0502020204030204" pitchFamily="34" charset="0"/>
+                        </a:rPr>
+                        <a:t> </a:t>
+                      </a:r>
+                      <a:endParaRPr lang="en-US" sz="1400" dirty="0">
+                        <a:solidFill>
+                          <a:schemeClr val="tx1"/>
+                        </a:solidFill>
+                        <a:effectLst/>
+                        <a:latin typeface="Arial" panose="020B0604020202020204" pitchFamily="34" charset="0"/>
+                        <a:ea typeface="Arial" panose="020B0604020202020204" pitchFamily="34" charset="0"/>
+                      </a:endParaRPr>
+                    </a:p>
+                  </a:txBody>
+                  <a:tcPr marL="63500" marR="63500" marT="63500" marB="63500">
+                    <a:lnL w="12700" cap="flat" cmpd="sng" algn="ctr">
+                      <a:solidFill>
+                        <a:schemeClr val="tx1"/>
+                      </a:solidFill>
+                      <a:prstDash val="solid"/>
+                      <a:round/>
+                      <a:headEnd type="none" w="med" len="med"/>
+                      <a:tailEnd type="none" w="med" len="med"/>
+                    </a:lnL>
+                    <a:lnR w="12700" cap="flat" cmpd="sng" algn="ctr">
+                      <a:solidFill>
+                        <a:schemeClr val="tx1"/>
+                      </a:solidFill>
+                      <a:prstDash val="solid"/>
+                      <a:round/>
+                      <a:headEnd type="none" w="med" len="med"/>
+                      <a:tailEnd type="none" w="med" len="med"/>
+                    </a:lnR>
+                    <a:lnT w="12700" cap="flat" cmpd="sng" algn="ctr">
+                      <a:solidFill>
+                        <a:schemeClr val="tx1"/>
+                      </a:solidFill>
+                      <a:prstDash val="solid"/>
+                      <a:round/>
+                      <a:headEnd type="none" w="med" len="med"/>
+                      <a:tailEnd type="none" w="med" len="med"/>
+                    </a:lnT>
+                    <a:lnB w="12700" cap="flat" cmpd="sng" algn="ctr">
+                      <a:solidFill>
+                        <a:schemeClr val="tx1"/>
+                      </a:solidFill>
+                      <a:prstDash val="solid"/>
+                      <a:round/>
+                      <a:headEnd type="none" w="med" len="med"/>
+                      <a:tailEnd type="none" w="med" len="med"/>
+                    </a:lnB>
+                    <a:lnTlToBr w="12700" cmpd="sng">
+                      <a:noFill/>
+                      <a:prstDash val="solid"/>
+                    </a:lnTlToBr>
+                    <a:lnBlToTr w="12700" cmpd="sng">
+                      <a:noFill/>
+                      <a:prstDash val="solid"/>
+                    </a:lnBlToTr>
+                    <a:solidFill>
+                      <a:srgbClr val="F2E7EA"/>
+                    </a:solidFill>
+                  </a:tcPr>
+                </a:tc>
+                <a:tc>
+                  <a:txBody>
+                    <a:bodyPr/>
+                    <a:lstStyle/>
+                    <a:p>
+                      <a:pPr marL="0" marR="0">
+                        <a:lnSpc>
+                          <a:spcPct val="115000"/>
+                        </a:lnSpc>
+                        <a:spcBef>
+                          <a:spcPts val="0"/>
+                        </a:spcBef>
+                        <a:spcAft>
+                          <a:spcPts val="0"/>
+                        </a:spcAft>
+                      </a:pPr>
+                      <a:r>
+                        <a:rPr lang="en-US" sz="1400" dirty="0">
+                          <a:solidFill>
+                            <a:schemeClr val="tx1"/>
+                          </a:solidFill>
+                          <a:effectLst/>
+                          <a:latin typeface="Calibri" panose="020F0502020204030204" pitchFamily="34" charset="0"/>
+                          <a:ea typeface="Calibri" panose="020F0502020204030204" pitchFamily="34" charset="0"/>
+                          <a:cs typeface="Calibri" panose="020F0502020204030204" pitchFamily="34" charset="0"/>
+                        </a:rPr>
+                        <a:t>2- System sends the video to the filtration model. </a:t>
+                      </a:r>
+                      <a:endParaRPr lang="en-US" sz="1400" dirty="0">
+                        <a:solidFill>
+                          <a:schemeClr val="tx1"/>
+                        </a:solidFill>
+                        <a:effectLst/>
+                        <a:latin typeface="Arial" panose="020B0604020202020204" pitchFamily="34" charset="0"/>
+                        <a:ea typeface="Arial" panose="020B0604020202020204" pitchFamily="34" charset="0"/>
+                      </a:endParaRPr>
+                    </a:p>
+                    <a:p>
+                      <a:pPr marL="0" marR="0">
+                        <a:lnSpc>
+                          <a:spcPct val="115000"/>
+                        </a:lnSpc>
+                        <a:spcBef>
+                          <a:spcPts val="0"/>
+                        </a:spcBef>
+                        <a:spcAft>
+                          <a:spcPts val="0"/>
+                        </a:spcAft>
+                      </a:pPr>
+                      <a:r>
+                        <a:rPr lang="en-US" sz="1400" dirty="0">
+                          <a:solidFill>
+                            <a:schemeClr val="tx1"/>
+                          </a:solidFill>
+                          <a:effectLst/>
+                          <a:latin typeface="Calibri" panose="020F0502020204030204" pitchFamily="34" charset="0"/>
+                          <a:ea typeface="Calibri" panose="020F0502020204030204" pitchFamily="34" charset="0"/>
+                          <a:cs typeface="Calibri" panose="020F0502020204030204" pitchFamily="34" charset="0"/>
+                        </a:rPr>
+                        <a:t>3- the model returns that the video exceeded the safe percentage for watching. </a:t>
+                      </a:r>
+                      <a:endParaRPr lang="en-US" sz="1400" dirty="0">
+                        <a:solidFill>
+                          <a:schemeClr val="tx1"/>
+                        </a:solidFill>
+                        <a:effectLst/>
+                        <a:latin typeface="Arial" panose="020B0604020202020204" pitchFamily="34" charset="0"/>
+                        <a:ea typeface="Arial" panose="020B0604020202020204" pitchFamily="34" charset="0"/>
+                      </a:endParaRPr>
+                    </a:p>
+                    <a:p>
+                      <a:pPr marL="0" marR="0">
+                        <a:lnSpc>
+                          <a:spcPct val="115000"/>
+                        </a:lnSpc>
+                        <a:spcBef>
+                          <a:spcPts val="0"/>
+                        </a:spcBef>
+                        <a:spcAft>
+                          <a:spcPts val="0"/>
+                        </a:spcAft>
+                      </a:pPr>
+                      <a:r>
+                        <a:rPr lang="en-US" sz="1400" dirty="0">
+                          <a:solidFill>
+                            <a:schemeClr val="tx1"/>
+                          </a:solidFill>
+                          <a:effectLst/>
+                          <a:latin typeface="Calibri" panose="020F0502020204030204" pitchFamily="34" charset="0"/>
+                          <a:ea typeface="Calibri" panose="020F0502020204030204" pitchFamily="34" charset="0"/>
+                          <a:cs typeface="Calibri" panose="020F0502020204030204" pitchFamily="34" charset="0"/>
+                        </a:rPr>
+                        <a:t>4-the system returns message to the user.  </a:t>
+                      </a:r>
+                      <a:endParaRPr lang="en-US" sz="1400" dirty="0">
+                        <a:solidFill>
+                          <a:schemeClr val="tx1"/>
+                        </a:solidFill>
+                        <a:effectLst/>
+                        <a:latin typeface="Arial" panose="020B0604020202020204" pitchFamily="34" charset="0"/>
+                        <a:ea typeface="Arial" panose="020B0604020202020204" pitchFamily="34" charset="0"/>
+                      </a:endParaRPr>
+                    </a:p>
+                  </a:txBody>
+                  <a:tcPr marL="63500" marR="63500" marT="63500" marB="63500">
+                    <a:lnL w="12700" cap="flat" cmpd="sng" algn="ctr">
+                      <a:solidFill>
+                        <a:schemeClr val="tx1"/>
+                      </a:solidFill>
+                      <a:prstDash val="solid"/>
+                      <a:round/>
+                      <a:headEnd type="none" w="med" len="med"/>
+                      <a:tailEnd type="none" w="med" len="med"/>
+                    </a:lnL>
+                    <a:lnR w="12700" cap="flat" cmpd="sng" algn="ctr">
+                      <a:solidFill>
+                        <a:schemeClr val="tx1"/>
+                      </a:solidFill>
+                      <a:prstDash val="solid"/>
+                      <a:round/>
+                      <a:headEnd type="none" w="med" len="med"/>
+                      <a:tailEnd type="none" w="med" len="med"/>
+                    </a:lnR>
+                    <a:lnT w="12700" cap="flat" cmpd="sng" algn="ctr">
+                      <a:solidFill>
+                        <a:schemeClr val="tx1"/>
+                      </a:solidFill>
+                      <a:prstDash val="solid"/>
+                      <a:round/>
+                      <a:headEnd type="none" w="med" len="med"/>
+                      <a:tailEnd type="none" w="med" len="med"/>
+                    </a:lnT>
+                    <a:lnB w="12700" cap="flat" cmpd="sng" algn="ctr">
+                      <a:solidFill>
+                        <a:schemeClr val="tx1"/>
+                      </a:solidFill>
+                      <a:prstDash val="solid"/>
+                      <a:round/>
+                      <a:headEnd type="none" w="med" len="med"/>
+                      <a:tailEnd type="none" w="med" len="med"/>
+                    </a:lnB>
+                    <a:lnTlToBr w="12700" cmpd="sng">
+                      <a:noFill/>
+                      <a:prstDash val="solid"/>
+                    </a:lnTlToBr>
+                    <a:lnBlToTr w="12700" cmpd="sng">
+                      <a:noFill/>
+                      <a:prstDash val="solid"/>
+                    </a:lnBlToTr>
+                    <a:solidFill>
+                      <a:srgbClr val="F2E7EA"/>
+                    </a:solidFill>
+                  </a:tcPr>
+                </a:tc>
+                <a:extLst>
+                  <a:ext uri="{0D108BD9-81ED-4DB2-BD59-A6C34878D82A}">
+                    <a16:rowId xmlns:a16="http://schemas.microsoft.com/office/drawing/2014/main" val="884657346"/>
+                  </a:ext>
+                </a:extLst>
+              </a:tr>
+              <a:tr h="472445">
+                <a:tc>
+                  <a:txBody>
+                    <a:bodyPr/>
+                    <a:lstStyle/>
+                    <a:p>
+                      <a:r>
+                        <a:rPr lang="en-US" sz="1400" kern="1200" dirty="0" smtClean="0">
+                          <a:solidFill>
+                            <a:schemeClr val="tx1"/>
+                          </a:solidFill>
+                          <a:effectLst/>
+                          <a:latin typeface="+mn-lt"/>
+                          <a:ea typeface="+mn-ea"/>
+                          <a:cs typeface="+mn-cs"/>
+                        </a:rPr>
+                        <a:t>Includes:</a:t>
+                      </a:r>
+                      <a:endParaRPr lang="en-US" sz="1400" dirty="0">
+                        <a:solidFill>
+                          <a:schemeClr val="tx1"/>
+                        </a:solidFill>
+                      </a:endParaRPr>
+                    </a:p>
+                  </a:txBody>
+                  <a:tcPr>
+                    <a:lnL w="12700" cap="flat" cmpd="sng" algn="ctr">
+                      <a:solidFill>
+                        <a:schemeClr val="tx1"/>
+                      </a:solidFill>
+                      <a:prstDash val="solid"/>
+                      <a:round/>
+                      <a:headEnd type="none" w="med" len="med"/>
+                      <a:tailEnd type="none" w="med" len="med"/>
+                    </a:lnL>
+                    <a:lnR w="12700" cap="flat" cmpd="sng" algn="ctr">
+                      <a:solidFill>
+                        <a:schemeClr val="tx1"/>
+                      </a:solidFill>
+                      <a:prstDash val="solid"/>
+                      <a:round/>
+                      <a:headEnd type="none" w="med" len="med"/>
+                      <a:tailEnd type="none" w="med" len="med"/>
+                    </a:lnR>
+                    <a:lnT w="12700" cap="flat" cmpd="sng" algn="ctr">
+                      <a:solidFill>
+                        <a:schemeClr val="tx1"/>
+                      </a:solidFill>
+                      <a:prstDash val="solid"/>
+                      <a:round/>
+                      <a:headEnd type="none" w="med" len="med"/>
+                      <a:tailEnd type="none" w="med" len="med"/>
+                    </a:lnT>
+                    <a:lnB w="12700" cap="flat" cmpd="sng" algn="ctr">
+                      <a:solidFill>
+                        <a:schemeClr val="tx1"/>
+                      </a:solidFill>
+                      <a:prstDash val="solid"/>
+                      <a:round/>
+                      <a:headEnd type="none" w="med" len="med"/>
+                      <a:tailEnd type="none" w="med" len="med"/>
+                    </a:lnB>
+                    <a:lnTlToBr w="12700" cmpd="sng">
+                      <a:noFill/>
+                      <a:prstDash val="solid"/>
+                    </a:lnTlToBr>
+                    <a:lnBlToTr w="12700" cmpd="sng">
+                      <a:noFill/>
+                      <a:prstDash val="solid"/>
+                    </a:lnBlToTr>
+                    <a:solidFill>
+                      <a:srgbClr val="F2E7EA"/>
+                    </a:solidFill>
+                  </a:tcPr>
+                </a:tc>
+                <a:tc gridSpan="2">
+                  <a:txBody>
+                    <a:bodyPr/>
+                    <a:lstStyle/>
+                    <a:p>
+                      <a:r>
+                        <a:rPr lang="en-US" sz="1400" kern="1200" dirty="0" smtClean="0">
+                          <a:solidFill>
+                            <a:schemeClr val="tx1"/>
+                          </a:solidFill>
+                          <a:effectLst/>
+                          <a:latin typeface="+mn-lt"/>
+                          <a:ea typeface="+mn-ea"/>
+                          <a:cs typeface="+mn-cs"/>
+                        </a:rPr>
+                        <a:t>filtration</a:t>
+                      </a:r>
+                      <a:endParaRPr lang="en-US" sz="1400" dirty="0">
+                        <a:solidFill>
+                          <a:schemeClr val="tx1"/>
+                        </a:solidFill>
+                      </a:endParaRPr>
+                    </a:p>
+                  </a:txBody>
+                  <a:tcPr>
+                    <a:lnL w="12700" cap="flat" cmpd="sng" algn="ctr">
+                      <a:solidFill>
+                        <a:schemeClr val="tx1"/>
+                      </a:solidFill>
+                      <a:prstDash val="solid"/>
+                      <a:round/>
+                      <a:headEnd type="none" w="med" len="med"/>
+                      <a:tailEnd type="none" w="med" len="med"/>
+                    </a:lnL>
+                    <a:lnR w="12700" cap="flat" cmpd="sng" algn="ctr">
+                      <a:solidFill>
+                        <a:schemeClr val="tx1"/>
+                      </a:solidFill>
+                      <a:prstDash val="solid"/>
+                      <a:round/>
+                      <a:headEnd type="none" w="med" len="med"/>
+                      <a:tailEnd type="none" w="med" len="med"/>
+                    </a:lnR>
+                    <a:lnT w="12700" cap="flat" cmpd="sng" algn="ctr">
+                      <a:solidFill>
+                        <a:schemeClr val="tx1"/>
+                      </a:solidFill>
+                      <a:prstDash val="solid"/>
+                      <a:round/>
+                      <a:headEnd type="none" w="med" len="med"/>
+                      <a:tailEnd type="none" w="med" len="med"/>
+                    </a:lnT>
+                    <a:lnB w="12700" cap="flat" cmpd="sng" algn="ctr">
+                      <a:solidFill>
+                        <a:schemeClr val="tx1"/>
+                      </a:solidFill>
+                      <a:prstDash val="solid"/>
+                      <a:round/>
+                      <a:headEnd type="none" w="med" len="med"/>
+                      <a:tailEnd type="none" w="med" len="med"/>
+                    </a:lnB>
+                    <a:lnTlToBr w="12700" cmpd="sng">
+                      <a:noFill/>
+                      <a:prstDash val="solid"/>
+                    </a:lnTlToBr>
+                    <a:lnBlToTr w="12700" cmpd="sng">
+                      <a:noFill/>
+                      <a:prstDash val="solid"/>
+                    </a:lnBlToTr>
+                    <a:solidFill>
+                      <a:srgbClr val="F2E7EA"/>
+                    </a:solidFill>
+                  </a:tcPr>
+                </a:tc>
+                <a:tc hMerge="1">
+                  <a:txBody>
+                    <a:bodyPr/>
+                    <a:lstStyle/>
+                    <a:p>
+                      <a:endParaRPr lang="en-US" dirty="0"/>
+                    </a:p>
+                  </a:txBody>
+                  <a:tcPr/>
+                </a:tc>
+                <a:extLst>
+                  <a:ext uri="{0D108BD9-81ED-4DB2-BD59-A6C34878D82A}">
+                    <a16:rowId xmlns:a16="http://schemas.microsoft.com/office/drawing/2014/main" val="1361921973"/>
+                  </a:ext>
+                </a:extLst>
+              </a:tr>
+            </a:tbl>
+          </a:graphicData>
+        </a:graphic>
+      </p:graphicFrame>
+      <p:sp>
+        <p:nvSpPr>
+          <p:cNvPr id="7" name="Rectangle 6"/>
+          <p:cNvSpPr/>
+          <p:nvPr/>
+        </p:nvSpPr>
+        <p:spPr>
+          <a:xfrm>
+            <a:off x="10370917" y="0"/>
+            <a:ext cx="810228" cy="1226916"/>
+          </a:xfrm>
+          <a:prstGeom prst="rect">
+            <a:avLst/>
+          </a:prstGeom>
+          <a:solidFill>
+            <a:schemeClr val="bg1"/>
+          </a:solidFill>
+          <a:ln>
+            <a:solidFill>
+              <a:schemeClr val="bg1"/>
+            </a:solidFill>
+          </a:ln>
+        </p:spPr>
+        <p:style>
+          <a:lnRef idx="2">
+            <a:schemeClr val="accent1">
+              <a:shade val="50000"/>
+            </a:schemeClr>
+          </a:lnRef>
+          <a:fillRef idx="1">
+            <a:schemeClr val="accent1"/>
+          </a:fillRef>
+          <a:effectRef idx="0">
+            <a:schemeClr val="accent1"/>
+          </a:effectRef>
+          <a:fontRef idx="minor">
+            <a:schemeClr val="lt1"/>
+          </a:fontRef>
+        </p:style>
+        <p:txBody>
+          <a:bodyPr rtlCol="0" anchor="ctr"/>
+          <a:lstStyle/>
+          <a:p>
+            <a:pPr algn="ctr"/>
+            <a:endParaRPr lang="en-US"/>
+          </a:p>
+        </p:txBody>
+      </p:sp>
+    </p:spTree>
+    <p:extLst>
+      <p:ext uri="{BB962C8B-B14F-4D97-AF65-F5344CB8AC3E}">
+        <p14:creationId xmlns:p14="http://schemas.microsoft.com/office/powerpoint/2010/main" val="2241229419"/>
+      </p:ext>
+    </p:extLst>
+  </p:cSld>
+  <p:clrMapOvr>
+    <a:masterClrMapping/>
+  </p:clrMapOvr>
+  <p:timing>
+    <p:tnLst>
+      <p:par>
+        <p:cTn id="1" dur="indefinite" restart="never" nodeType="tmRoot"/>
+      </p:par>
+    </p:tnLst>
+  </p:timing>
+</p:sld>
+</file>
+
+<file path=ppt/slides/slide12.xml><?xml version="1.0" encoding="utf-8"?>
+<p:sld xmlns:a="http://schemas.openxmlformats.org/drawingml/2006/main" xmlns:r="http://schemas.openxmlformats.org/officeDocument/2006/relationships" xmlns:p="http://schemas.openxmlformats.org/presentationml/2006/main">
+  <p:cSld>
+    <p:spTree>
+      <p:nvGrpSpPr>
+        <p:cNvPr id="1" name=""/>
+        <p:cNvGrpSpPr/>
+        <p:nvPr/>
+      </p:nvGrpSpPr>
+      <p:grpSpPr>
+        <a:xfrm>
+          <a:off x="0" y="0"/>
+          <a:ext cx="0" cy="0"/>
+          <a:chOff x="0" y="0"/>
+          <a:chExt cx="0" cy="0"/>
+        </a:xfrm>
+      </p:grpSpPr>
+      <p:sp>
+        <p:nvSpPr>
+          <p:cNvPr id="3" name="Content Placeholder 2"/>
+          <p:cNvSpPr>
+            <a:spLocks noGrp="1"/>
+          </p:cNvSpPr>
+          <p:nvPr>
+            <p:ph idx="4294967295"/>
+          </p:nvPr>
+        </p:nvSpPr>
+        <p:spPr>
+          <a:xfrm>
+            <a:off x="0" y="0"/>
             <a:ext cx="2856089" cy="1151467"/>
           </a:xfrm>
         </p:spPr>
@@ -21131,35 +21523,6 @@
           </a:p>
         </p:txBody>
       </p:sp>
-      <p:pic>
-        <p:nvPicPr>
-          <p:cNvPr id="4" name="Picture 3"/>
-          <p:cNvPicPr>
-            <a:picLocks noChangeAspect="1"/>
-          </p:cNvPicPr>
-          <p:nvPr/>
-        </p:nvPicPr>
-        <p:blipFill rotWithShape="1">
-          <a:blip r:embed="rId2" cstate="print">
-            <a:extLst>
-              <a:ext uri="{28A0092B-C50C-407E-A947-70E740481C1C}">
-                <a14:useLocalDpi xmlns:a14="http://schemas.microsoft.com/office/drawing/2010/main" val="0"/>
-              </a:ext>
-            </a:extLst>
-          </a:blip>
-          <a:srcRect t="2809" r="1759" b="11502"/>
-          <a:stretch/>
-        </p:blipFill>
-        <p:spPr>
-          <a:xfrm>
-            <a:off x="0" y="395111"/>
-            <a:ext cx="12192000" cy="6372579"/>
-          </a:xfrm>
-          <a:prstGeom prst="rect">
-            <a:avLst/>
-          </a:prstGeom>
-        </p:spPr>
-      </p:pic>
       <p:sp>
         <p:nvSpPr>
           <p:cNvPr id="5" name="Flowchart: Process 4"/>
@@ -21208,91 +21571,30 @@
           </a:p>
         </p:txBody>
       </p:sp>
-    </p:spTree>
-    <p:extLst>
-      <p:ext uri="{BB962C8B-B14F-4D97-AF65-F5344CB8AC3E}">
-        <p14:creationId xmlns:p14="http://schemas.microsoft.com/office/powerpoint/2010/main" val="1295900132"/>
-      </p:ext>
-    </p:extLst>
-  </p:cSld>
-  <p:clrMapOvr>
-    <a:masterClrMapping/>
-  </p:clrMapOvr>
-  <p:timing>
-    <p:tnLst>
-      <p:par>
-        <p:cTn id="1" dur="indefinite" restart="never" nodeType="tmRoot"/>
-      </p:par>
-    </p:tnLst>
-  </p:timing>
-</p:sld>
-</file>
-
-<file path=ppt/slides/slide12.xml><?xml version="1.0" encoding="utf-8"?>
-<p:sld xmlns:a="http://schemas.openxmlformats.org/drawingml/2006/main" xmlns:r="http://schemas.openxmlformats.org/officeDocument/2006/relationships" xmlns:p="http://schemas.openxmlformats.org/presentationml/2006/main">
-  <p:cSld>
-    <p:spTree>
-      <p:nvGrpSpPr>
-        <p:cNvPr id="1" name=""/>
-        <p:cNvGrpSpPr/>
-        <p:nvPr/>
-      </p:nvGrpSpPr>
-      <p:grpSpPr>
-        <a:xfrm>
-          <a:off x="0" y="0"/>
-          <a:ext cx="0" cy="0"/>
-          <a:chOff x="0" y="0"/>
-          <a:chExt cx="0" cy="0"/>
-        </a:xfrm>
-      </p:grpSpPr>
-      <p:graphicFrame>
-        <p:nvGraphicFramePr>
-          <p:cNvPr id="27" name="Content Placeholder 26"/>
-          <p:cNvGraphicFramePr>
-            <a:graphicFrameLocks noGrp="1"/>
-          </p:cNvGraphicFramePr>
-          <p:nvPr>
-            <p:ph idx="4294967295"/>
-            <p:extLst>
-              <p:ext uri="{D42A27DB-BD31-4B8C-83A1-F6EECF244321}">
-                <p14:modId xmlns:p14="http://schemas.microsoft.com/office/powerpoint/2010/main" val="3742885259"/>
-              </p:ext>
-            </p:extLst>
-          </p:nvPr>
-        </p:nvGraphicFramePr>
-        <p:xfrm>
-          <a:off x="0" y="0"/>
-          <a:ext cx="3691467" cy="812800"/>
-        </p:xfrm>
-        <a:graphic>
-          <a:graphicData uri="http://schemas.openxmlformats.org/drawingml/2006/diagram">
-            <dgm:relIds xmlns:dgm="http://schemas.openxmlformats.org/drawingml/2006/diagram" xmlns:r="http://schemas.openxmlformats.org/officeDocument/2006/relationships" r:dm="rId2" r:lo="rId3" r:qs="rId4" r:cs="rId5"/>
-          </a:graphicData>
-        </a:graphic>
-      </p:graphicFrame>
       <p:pic>
         <p:nvPicPr>
-          <p:cNvPr id="26" name="Picture 25"/>
+          <p:cNvPr id="2" name="Picture 1"/>
           <p:cNvPicPr>
             <a:picLocks noChangeAspect="1"/>
           </p:cNvPicPr>
           <p:nvPr/>
         </p:nvPicPr>
-        <p:blipFill rotWithShape="1">
-          <a:blip r:embed="rId7">
+        <p:blipFill>
+          <a:blip r:embed="rId2" cstate="print">
             <a:extLst>
               <a:ext uri="{28A0092B-C50C-407E-A947-70E740481C1C}">
                 <a14:useLocalDpi xmlns:a14="http://schemas.microsoft.com/office/drawing/2010/main" val="0"/>
               </a:ext>
             </a:extLst>
           </a:blip>
-          <a:srcRect l="2196" r="31437" b="13924"/>
-          <a:stretch/>
+          <a:stretch>
+            <a:fillRect/>
+          </a:stretch>
         </p:blipFill>
         <p:spPr>
           <a:xfrm>
-            <a:off x="2111021" y="0"/>
-            <a:ext cx="10080979" cy="6858000"/>
+            <a:off x="0" y="395111"/>
+            <a:ext cx="12192000" cy="6462889"/>
           </a:xfrm>
           <a:prstGeom prst="rect">
             <a:avLst/>
@@ -21302,7 +21604,7 @@
     </p:spTree>
     <p:extLst>
       <p:ext uri="{BB962C8B-B14F-4D97-AF65-F5344CB8AC3E}">
-        <p14:creationId xmlns:p14="http://schemas.microsoft.com/office/powerpoint/2010/main" val="4078230630"/>
+        <p14:creationId xmlns:p14="http://schemas.microsoft.com/office/powerpoint/2010/main" val="1295900132"/>
       </p:ext>
     </p:extLst>
   </p:cSld>
@@ -21441,7 +21743,7 @@
               </a:pPr>
               <a:r>
                 <a:rPr lang="en-US" sz="2200" b="0" i="0" kern="1200" dirty="0" smtClean="0"/>
-                <a:t>Add comment:</a:t>
+                <a:t>Search:</a:t>
               </a:r>
               <a:endParaRPr lang="en-US" sz="2200" kern="1200" dirty="0"/>
             </a:p>
@@ -21450,7 +21752,7 @@
       </p:grpSp>
       <p:pic>
         <p:nvPicPr>
-          <p:cNvPr id="5" name="Picture 4"/>
+          <p:cNvPr id="6" name="Picture 5"/>
           <p:cNvPicPr>
             <a:picLocks noChangeAspect="1"/>
           </p:cNvPicPr>
@@ -21464,13 +21766,13 @@
               </a:ext>
             </a:extLst>
           </a:blip>
-          <a:srcRect r="21235" b="10617"/>
+          <a:srcRect r="24560"/>
           <a:stretch/>
         </p:blipFill>
         <p:spPr>
           <a:xfrm>
-            <a:off x="2606527" y="0"/>
-            <a:ext cx="9585474" cy="6858000"/>
+            <a:off x="2956693" y="0"/>
+            <a:ext cx="9235307" cy="6976533"/>
           </a:xfrm>
           <a:prstGeom prst="rect">
             <a:avLst/>
@@ -21498,544 +21800,6 @@
 </file>
 
 <file path=ppt/slides/slide14.xml><?xml version="1.0" encoding="utf-8"?>
-<p:sld xmlns:a="http://schemas.openxmlformats.org/drawingml/2006/main" xmlns:r="http://schemas.openxmlformats.org/officeDocument/2006/relationships" xmlns:p="http://schemas.openxmlformats.org/presentationml/2006/main">
-  <p:cSld>
-    <p:spTree>
-      <p:nvGrpSpPr>
-        <p:cNvPr id="1" name=""/>
-        <p:cNvGrpSpPr/>
-        <p:nvPr/>
-      </p:nvGrpSpPr>
-      <p:grpSpPr>
-        <a:xfrm>
-          <a:off x="0" y="0"/>
-          <a:ext cx="0" cy="0"/>
-          <a:chOff x="0" y="0"/>
-          <a:chExt cx="0" cy="0"/>
-        </a:xfrm>
-      </p:grpSpPr>
-      <p:grpSp>
-        <p:nvGrpSpPr>
-          <p:cNvPr id="2" name="Group 1"/>
-          <p:cNvGrpSpPr/>
-          <p:nvPr/>
-        </p:nvGrpSpPr>
-        <p:grpSpPr>
-          <a:xfrm>
-            <a:off x="0" y="0"/>
-            <a:ext cx="2540000" cy="811834"/>
-            <a:chOff x="7" y="3"/>
-            <a:chExt cx="2029585" cy="811834"/>
-          </a:xfrm>
-        </p:grpSpPr>
-        <p:sp>
-          <p:nvSpPr>
-            <p:cNvPr id="3" name="Chevron 2"/>
-            <p:cNvSpPr/>
-            <p:nvPr/>
-          </p:nvSpPr>
-          <p:spPr>
-            <a:xfrm>
-              <a:off x="7" y="3"/>
-              <a:ext cx="2029585" cy="811834"/>
-            </a:xfrm>
-            <a:prstGeom prst="chevron">
-              <a:avLst/>
-            </a:prstGeom>
-            <a:solidFill>
-              <a:srgbClr val="492856"/>
-            </a:solidFill>
-          </p:spPr>
-          <p:style>
-            <a:lnRef idx="2">
-              <a:schemeClr val="lt1">
-                <a:hueOff val="0"/>
-                <a:satOff val="0"/>
-                <a:lumOff val="0"/>
-                <a:alphaOff val="0"/>
-              </a:schemeClr>
-            </a:lnRef>
-            <a:fillRef idx="1">
-              <a:scrgbClr r="0" g="0" b="0"/>
-            </a:fillRef>
-            <a:effectRef idx="0">
-              <a:schemeClr val="accent1">
-                <a:hueOff val="0"/>
-                <a:satOff val="0"/>
-                <a:lumOff val="0"/>
-                <a:alphaOff val="0"/>
-              </a:schemeClr>
-            </a:effectRef>
-            <a:fontRef idx="minor">
-              <a:schemeClr val="lt1"/>
-            </a:fontRef>
-          </p:style>
-        </p:sp>
-        <p:sp>
-          <p:nvSpPr>
-            <p:cNvPr id="4" name="Chevron 4"/>
-            <p:cNvSpPr txBox="1"/>
-            <p:nvPr/>
-          </p:nvSpPr>
-          <p:spPr>
-            <a:xfrm>
-              <a:off x="405924" y="3"/>
-              <a:ext cx="1217751" cy="811834"/>
-            </a:xfrm>
-            <a:prstGeom prst="rect">
-              <a:avLst/>
-            </a:prstGeom>
-          </p:spPr>
-          <p:style>
-            <a:lnRef idx="0">
-              <a:scrgbClr r="0" g="0" b="0"/>
-            </a:lnRef>
-            <a:fillRef idx="0">
-              <a:scrgbClr r="0" g="0" b="0"/>
-            </a:fillRef>
-            <a:effectRef idx="0">
-              <a:scrgbClr r="0" g="0" b="0"/>
-            </a:effectRef>
-            <a:fontRef idx="minor">
-              <a:schemeClr val="lt1"/>
-            </a:fontRef>
-          </p:style>
-          <p:txBody>
-            <a:bodyPr spcFirstLastPara="0" vert="horz" wrap="square" lIns="27940" tIns="13970" rIns="0" bIns="13970" numCol="1" spcCol="1270" anchor="ctr" anchorCtr="0">
-              <a:noAutofit/>
-            </a:bodyPr>
-            <a:lstStyle/>
-            <a:p>
-              <a:pPr lvl="0" algn="ctr" defTabSz="977900" rtl="0">
-                <a:lnSpc>
-                  <a:spcPct val="90000"/>
-                </a:lnSpc>
-                <a:spcBef>
-                  <a:spcPct val="0"/>
-                </a:spcBef>
-                <a:spcAft>
-                  <a:spcPct val="35000"/>
-                </a:spcAft>
-              </a:pPr>
-              <a:r>
-                <a:rPr lang="en-US" sz="2200" b="0" i="0" kern="1200" dirty="0" smtClean="0"/>
-                <a:t>Delete Comment:</a:t>
-              </a:r>
-              <a:endParaRPr lang="en-US" sz="2200" kern="1200" dirty="0"/>
-            </a:p>
-          </p:txBody>
-        </p:sp>
-      </p:grpSp>
-      <p:pic>
-        <p:nvPicPr>
-          <p:cNvPr id="5" name="Picture 4"/>
-          <p:cNvPicPr>
-            <a:picLocks noChangeAspect="1"/>
-          </p:cNvPicPr>
-          <p:nvPr/>
-        </p:nvPicPr>
-        <p:blipFill rotWithShape="1">
-          <a:blip r:embed="rId2">
-            <a:extLst>
-              <a:ext uri="{28A0092B-C50C-407E-A947-70E740481C1C}">
-                <a14:useLocalDpi xmlns:a14="http://schemas.microsoft.com/office/drawing/2010/main" val="0"/>
-              </a:ext>
-            </a:extLst>
-          </a:blip>
-          <a:srcRect r="21762" b="14733"/>
-          <a:stretch/>
-        </p:blipFill>
-        <p:spPr>
-          <a:xfrm>
-            <a:off x="2540000" y="0"/>
-            <a:ext cx="9652000" cy="6858000"/>
-          </a:xfrm>
-          <a:prstGeom prst="rect">
-            <a:avLst/>
-          </a:prstGeom>
-        </p:spPr>
-      </p:pic>
-    </p:spTree>
-    <p:extLst>
-      <p:ext uri="{BB962C8B-B14F-4D97-AF65-F5344CB8AC3E}">
-        <p14:creationId xmlns:p14="http://schemas.microsoft.com/office/powerpoint/2010/main" val="2876446456"/>
-      </p:ext>
-    </p:extLst>
-  </p:cSld>
-  <p:clrMapOvr>
-    <a:masterClrMapping/>
-  </p:clrMapOvr>
-  <p:timing>
-    <p:tnLst>
-      <p:par>
-        <p:cTn id="1" dur="indefinite" restart="never" nodeType="tmRoot"/>
-      </p:par>
-    </p:tnLst>
-  </p:timing>
-</p:sld>
-</file>
-
-<file path=ppt/slides/slide15.xml><?xml version="1.0" encoding="utf-8"?>
-<p:sld xmlns:a="http://schemas.openxmlformats.org/drawingml/2006/main" xmlns:r="http://schemas.openxmlformats.org/officeDocument/2006/relationships" xmlns:p="http://schemas.openxmlformats.org/presentationml/2006/main">
-  <p:cSld>
-    <p:spTree>
-      <p:nvGrpSpPr>
-        <p:cNvPr id="1" name=""/>
-        <p:cNvGrpSpPr/>
-        <p:nvPr/>
-      </p:nvGrpSpPr>
-      <p:grpSpPr>
-        <a:xfrm>
-          <a:off x="0" y="0"/>
-          <a:ext cx="0" cy="0"/>
-          <a:chOff x="0" y="0"/>
-          <a:chExt cx="0" cy="0"/>
-        </a:xfrm>
-      </p:grpSpPr>
-      <p:grpSp>
-        <p:nvGrpSpPr>
-          <p:cNvPr id="2" name="Group 1"/>
-          <p:cNvGrpSpPr/>
-          <p:nvPr/>
-        </p:nvGrpSpPr>
-        <p:grpSpPr>
-          <a:xfrm>
-            <a:off x="0" y="0"/>
-            <a:ext cx="2029585" cy="811834"/>
-            <a:chOff x="7" y="3"/>
-            <a:chExt cx="2029585" cy="811834"/>
-          </a:xfrm>
-        </p:grpSpPr>
-        <p:sp>
-          <p:nvSpPr>
-            <p:cNvPr id="3" name="Chevron 2"/>
-            <p:cNvSpPr/>
-            <p:nvPr/>
-          </p:nvSpPr>
-          <p:spPr>
-            <a:xfrm>
-              <a:off x="7" y="3"/>
-              <a:ext cx="2029585" cy="811834"/>
-            </a:xfrm>
-            <a:prstGeom prst="chevron">
-              <a:avLst/>
-            </a:prstGeom>
-            <a:solidFill>
-              <a:srgbClr val="492856"/>
-            </a:solidFill>
-          </p:spPr>
-          <p:style>
-            <a:lnRef idx="2">
-              <a:schemeClr val="lt1">
-                <a:hueOff val="0"/>
-                <a:satOff val="0"/>
-                <a:lumOff val="0"/>
-                <a:alphaOff val="0"/>
-              </a:schemeClr>
-            </a:lnRef>
-            <a:fillRef idx="1">
-              <a:scrgbClr r="0" g="0" b="0"/>
-            </a:fillRef>
-            <a:effectRef idx="0">
-              <a:schemeClr val="accent1">
-                <a:hueOff val="0"/>
-                <a:satOff val="0"/>
-                <a:lumOff val="0"/>
-                <a:alphaOff val="0"/>
-              </a:schemeClr>
-            </a:effectRef>
-            <a:fontRef idx="minor">
-              <a:schemeClr val="lt1"/>
-            </a:fontRef>
-          </p:style>
-        </p:sp>
-        <p:sp>
-          <p:nvSpPr>
-            <p:cNvPr id="4" name="Chevron 4"/>
-            <p:cNvSpPr txBox="1"/>
-            <p:nvPr/>
-          </p:nvSpPr>
-          <p:spPr>
-            <a:xfrm>
-              <a:off x="405924" y="3"/>
-              <a:ext cx="1217751" cy="811834"/>
-            </a:xfrm>
-            <a:prstGeom prst="rect">
-              <a:avLst/>
-            </a:prstGeom>
-          </p:spPr>
-          <p:style>
-            <a:lnRef idx="0">
-              <a:scrgbClr r="0" g="0" b="0"/>
-            </a:lnRef>
-            <a:fillRef idx="0">
-              <a:scrgbClr r="0" g="0" b="0"/>
-            </a:fillRef>
-            <a:effectRef idx="0">
-              <a:scrgbClr r="0" g="0" b="0"/>
-            </a:effectRef>
-            <a:fontRef idx="minor">
-              <a:schemeClr val="lt1"/>
-            </a:fontRef>
-          </p:style>
-          <p:txBody>
-            <a:bodyPr spcFirstLastPara="0" vert="horz" wrap="square" lIns="27940" tIns="13970" rIns="0" bIns="13970" numCol="1" spcCol="1270" anchor="ctr" anchorCtr="0">
-              <a:noAutofit/>
-            </a:bodyPr>
-            <a:lstStyle/>
-            <a:p>
-              <a:pPr lvl="0" algn="ctr" defTabSz="977900" rtl="0">
-                <a:lnSpc>
-                  <a:spcPct val="90000"/>
-                </a:lnSpc>
-                <a:spcBef>
-                  <a:spcPct val="0"/>
-                </a:spcBef>
-                <a:spcAft>
-                  <a:spcPct val="35000"/>
-                </a:spcAft>
-              </a:pPr>
-              <a:r>
-                <a:rPr lang="en-US" sz="2200" dirty="0" smtClean="0"/>
-                <a:t>Like</a:t>
-              </a:r>
-              <a:r>
-                <a:rPr lang="en-US" sz="2200" b="0" i="0" kern="1200" dirty="0" smtClean="0"/>
-                <a:t>:</a:t>
-              </a:r>
-              <a:endParaRPr lang="en-US" sz="2200" kern="1200" dirty="0"/>
-            </a:p>
-          </p:txBody>
-        </p:sp>
-      </p:grpSp>
-      <p:pic>
-        <p:nvPicPr>
-          <p:cNvPr id="5" name="Picture 4"/>
-          <p:cNvPicPr>
-            <a:picLocks noChangeAspect="1"/>
-          </p:cNvPicPr>
-          <p:nvPr/>
-        </p:nvPicPr>
-        <p:blipFill rotWithShape="1">
-          <a:blip r:embed="rId2">
-            <a:extLst>
-              <a:ext uri="{28A0092B-C50C-407E-A947-70E740481C1C}">
-                <a14:useLocalDpi xmlns:a14="http://schemas.microsoft.com/office/drawing/2010/main" val="0"/>
-              </a:ext>
-            </a:extLst>
-          </a:blip>
-          <a:srcRect r="30920" b="14897"/>
-          <a:stretch/>
-        </p:blipFill>
-        <p:spPr>
-          <a:xfrm>
-            <a:off x="2029585" y="0"/>
-            <a:ext cx="10162415" cy="6858000"/>
-          </a:xfrm>
-          <a:prstGeom prst="rect">
-            <a:avLst/>
-          </a:prstGeom>
-        </p:spPr>
-      </p:pic>
-    </p:spTree>
-    <p:extLst>
-      <p:ext uri="{BB962C8B-B14F-4D97-AF65-F5344CB8AC3E}">
-        <p14:creationId xmlns:p14="http://schemas.microsoft.com/office/powerpoint/2010/main" val="1993080374"/>
-      </p:ext>
-    </p:extLst>
-  </p:cSld>
-  <p:clrMapOvr>
-    <a:masterClrMapping/>
-  </p:clrMapOvr>
-  <p:timing>
-    <p:tnLst>
-      <p:par>
-        <p:cTn id="1" dur="indefinite" restart="never" nodeType="tmRoot"/>
-      </p:par>
-    </p:tnLst>
-  </p:timing>
-</p:sld>
-</file>
-
-<file path=ppt/slides/slide16.xml><?xml version="1.0" encoding="utf-8"?>
-<p:sld xmlns:a="http://schemas.openxmlformats.org/drawingml/2006/main" xmlns:r="http://schemas.openxmlformats.org/officeDocument/2006/relationships" xmlns:p="http://schemas.openxmlformats.org/presentationml/2006/main">
-  <p:cSld>
-    <p:spTree>
-      <p:nvGrpSpPr>
-        <p:cNvPr id="1" name=""/>
-        <p:cNvGrpSpPr/>
-        <p:nvPr/>
-      </p:nvGrpSpPr>
-      <p:grpSpPr>
-        <a:xfrm>
-          <a:off x="0" y="0"/>
-          <a:ext cx="0" cy="0"/>
-          <a:chOff x="0" y="0"/>
-          <a:chExt cx="0" cy="0"/>
-        </a:xfrm>
-      </p:grpSpPr>
-      <p:grpSp>
-        <p:nvGrpSpPr>
-          <p:cNvPr id="2" name="Group 1"/>
-          <p:cNvGrpSpPr/>
-          <p:nvPr/>
-        </p:nvGrpSpPr>
-        <p:grpSpPr>
-          <a:xfrm>
-            <a:off x="0" y="0"/>
-            <a:ext cx="2029585" cy="811834"/>
-            <a:chOff x="7" y="3"/>
-            <a:chExt cx="2029585" cy="811834"/>
-          </a:xfrm>
-        </p:grpSpPr>
-        <p:sp>
-          <p:nvSpPr>
-            <p:cNvPr id="3" name="Chevron 2"/>
-            <p:cNvSpPr/>
-            <p:nvPr/>
-          </p:nvSpPr>
-          <p:spPr>
-            <a:xfrm>
-              <a:off x="7" y="3"/>
-              <a:ext cx="2029585" cy="811834"/>
-            </a:xfrm>
-            <a:prstGeom prst="chevron">
-              <a:avLst/>
-            </a:prstGeom>
-            <a:solidFill>
-              <a:srgbClr val="492856"/>
-            </a:solidFill>
-          </p:spPr>
-          <p:style>
-            <a:lnRef idx="2">
-              <a:schemeClr val="lt1">
-                <a:hueOff val="0"/>
-                <a:satOff val="0"/>
-                <a:lumOff val="0"/>
-                <a:alphaOff val="0"/>
-              </a:schemeClr>
-            </a:lnRef>
-            <a:fillRef idx="1">
-              <a:scrgbClr r="0" g="0" b="0"/>
-            </a:fillRef>
-            <a:effectRef idx="0">
-              <a:schemeClr val="accent1">
-                <a:hueOff val="0"/>
-                <a:satOff val="0"/>
-                <a:lumOff val="0"/>
-                <a:alphaOff val="0"/>
-              </a:schemeClr>
-            </a:effectRef>
-            <a:fontRef idx="minor">
-              <a:schemeClr val="lt1"/>
-            </a:fontRef>
-          </p:style>
-        </p:sp>
-        <p:sp>
-          <p:nvSpPr>
-            <p:cNvPr id="4" name="Chevron 4"/>
-            <p:cNvSpPr txBox="1"/>
-            <p:nvPr/>
-          </p:nvSpPr>
-          <p:spPr>
-            <a:xfrm>
-              <a:off x="405924" y="3"/>
-              <a:ext cx="1217751" cy="811834"/>
-            </a:xfrm>
-            <a:prstGeom prst="rect">
-              <a:avLst/>
-            </a:prstGeom>
-          </p:spPr>
-          <p:style>
-            <a:lnRef idx="0">
-              <a:scrgbClr r="0" g="0" b="0"/>
-            </a:lnRef>
-            <a:fillRef idx="0">
-              <a:scrgbClr r="0" g="0" b="0"/>
-            </a:fillRef>
-            <a:effectRef idx="0">
-              <a:scrgbClr r="0" g="0" b="0"/>
-            </a:effectRef>
-            <a:fontRef idx="minor">
-              <a:schemeClr val="lt1"/>
-            </a:fontRef>
-          </p:style>
-          <p:txBody>
-            <a:bodyPr spcFirstLastPara="0" vert="horz" wrap="square" lIns="27940" tIns="13970" rIns="0" bIns="13970" numCol="1" spcCol="1270" anchor="ctr" anchorCtr="0">
-              <a:noAutofit/>
-            </a:bodyPr>
-            <a:lstStyle/>
-            <a:p>
-              <a:pPr lvl="0" algn="ctr" defTabSz="977900" rtl="0">
-                <a:lnSpc>
-                  <a:spcPct val="90000"/>
-                </a:lnSpc>
-                <a:spcBef>
-                  <a:spcPct val="0"/>
-                </a:spcBef>
-                <a:spcAft>
-                  <a:spcPct val="35000"/>
-                </a:spcAft>
-              </a:pPr>
-              <a:r>
-                <a:rPr lang="en-US" sz="2200" b="0" i="0" kern="1200" dirty="0" smtClean="0"/>
-                <a:t>Dislike:</a:t>
-              </a:r>
-              <a:endParaRPr lang="en-US" sz="2200" kern="1200" dirty="0"/>
-            </a:p>
-          </p:txBody>
-        </p:sp>
-      </p:grpSp>
-      <p:pic>
-        <p:nvPicPr>
-          <p:cNvPr id="5" name="Picture 4"/>
-          <p:cNvPicPr>
-            <a:picLocks noChangeAspect="1"/>
-          </p:cNvPicPr>
-          <p:nvPr/>
-        </p:nvPicPr>
-        <p:blipFill rotWithShape="1">
-          <a:blip r:embed="rId2">
-            <a:extLst>
-              <a:ext uri="{28A0092B-C50C-407E-A947-70E740481C1C}">
-                <a14:useLocalDpi xmlns:a14="http://schemas.microsoft.com/office/drawing/2010/main" val="0"/>
-              </a:ext>
-            </a:extLst>
-          </a:blip>
-          <a:srcRect r="35245" b="17202"/>
-          <a:stretch/>
-        </p:blipFill>
-        <p:spPr>
-          <a:xfrm>
-            <a:off x="2029585" y="0"/>
-            <a:ext cx="10275304" cy="6858000"/>
-          </a:xfrm>
-          <a:prstGeom prst="rect">
-            <a:avLst/>
-          </a:prstGeom>
-        </p:spPr>
-      </p:pic>
-    </p:spTree>
-    <p:extLst>
-      <p:ext uri="{BB962C8B-B14F-4D97-AF65-F5344CB8AC3E}">
-        <p14:creationId xmlns:p14="http://schemas.microsoft.com/office/powerpoint/2010/main" val="2414000402"/>
-      </p:ext>
-    </p:extLst>
-  </p:cSld>
-  <p:clrMapOvr>
-    <a:masterClrMapping/>
-  </p:clrMapOvr>
-  <p:timing>
-    <p:tnLst>
-      <p:par>
-        <p:cTn id="1" dur="indefinite" restart="never" nodeType="tmRoot"/>
-      </p:par>
-    </p:tnLst>
-  </p:timing>
-</p:sld>
-</file>
-
-<file path=ppt/slides/slide17.xml><?xml version="1.0" encoding="utf-8"?>
 <p:sld xmlns:a="http://schemas.openxmlformats.org/drawingml/2006/main" xmlns:r="http://schemas.openxmlformats.org/officeDocument/2006/relationships" xmlns:p="http://schemas.openxmlformats.org/presentationml/2006/main">
   <p:cSld>
     <p:spTree>
@@ -22157,7 +21921,7 @@
               </a:pPr>
               <a:r>
                 <a:rPr lang="en-US" sz="2200" dirty="0" smtClean="0"/>
-                <a:t>Edit Profile</a:t>
+                <a:t>Watch</a:t>
               </a:r>
               <a:r>
                 <a:rPr lang="en-US" sz="2200" b="0" i="0" kern="1200" dirty="0" smtClean="0"/>
@@ -22170,27 +21934,27 @@
       </p:grpSp>
       <p:pic>
         <p:nvPicPr>
-          <p:cNvPr id="5" name="Picture 4"/>
+          <p:cNvPr id="6" name="Picture 5"/>
           <p:cNvPicPr>
             <a:picLocks noChangeAspect="1"/>
           </p:cNvPicPr>
           <p:nvPr/>
         </p:nvPicPr>
         <p:blipFill rotWithShape="1">
-          <a:blip r:embed="rId2">
+          <a:blip r:embed="rId2" cstate="print">
             <a:extLst>
               <a:ext uri="{28A0092B-C50C-407E-A947-70E740481C1C}">
                 <a14:useLocalDpi xmlns:a14="http://schemas.microsoft.com/office/drawing/2010/main" val="0"/>
               </a:ext>
             </a:extLst>
           </a:blip>
-          <a:srcRect r="28122" b="15721"/>
+          <a:srcRect l="3095" t="1" r="37339" b="31532"/>
           <a:stretch/>
         </p:blipFill>
         <p:spPr>
           <a:xfrm>
             <a:off x="2472266" y="0"/>
-            <a:ext cx="9719734" cy="6858000"/>
+            <a:ext cx="9501101" cy="6858000"/>
           </a:xfrm>
           <a:prstGeom prst="rect">
             <a:avLst/>
@@ -22217,520 +21981,7 @@
 </p:sld>
 </file>
 
-<file path=ppt/slides/slide18.xml><?xml version="1.0" encoding="utf-8"?>
-<p:sld xmlns:a="http://schemas.openxmlformats.org/drawingml/2006/main" xmlns:r="http://schemas.openxmlformats.org/officeDocument/2006/relationships" xmlns:p="http://schemas.openxmlformats.org/presentationml/2006/main">
-  <p:cSld>
-    <p:spTree>
-      <p:nvGrpSpPr>
-        <p:cNvPr id="1" name=""/>
-        <p:cNvGrpSpPr/>
-        <p:nvPr/>
-      </p:nvGrpSpPr>
-      <p:grpSpPr>
-        <a:xfrm>
-          <a:off x="0" y="0"/>
-          <a:ext cx="0" cy="0"/>
-          <a:chOff x="0" y="0"/>
-          <a:chExt cx="0" cy="0"/>
-        </a:xfrm>
-      </p:grpSpPr>
-      <p:grpSp>
-        <p:nvGrpSpPr>
-          <p:cNvPr id="2" name="Group 1"/>
-          <p:cNvGrpSpPr/>
-          <p:nvPr/>
-        </p:nvGrpSpPr>
-        <p:grpSpPr>
-          <a:xfrm>
-            <a:off x="0" y="0"/>
-            <a:ext cx="2856089" cy="811834"/>
-            <a:chOff x="7" y="3"/>
-            <a:chExt cx="2029585" cy="811834"/>
-          </a:xfrm>
-        </p:grpSpPr>
-        <p:sp>
-          <p:nvSpPr>
-            <p:cNvPr id="3" name="Chevron 2"/>
-            <p:cNvSpPr/>
-            <p:nvPr/>
-          </p:nvSpPr>
-          <p:spPr>
-            <a:xfrm>
-              <a:off x="7" y="3"/>
-              <a:ext cx="2029585" cy="811834"/>
-            </a:xfrm>
-            <a:prstGeom prst="chevron">
-              <a:avLst/>
-            </a:prstGeom>
-            <a:solidFill>
-              <a:srgbClr val="492856"/>
-            </a:solidFill>
-          </p:spPr>
-          <p:style>
-            <a:lnRef idx="2">
-              <a:schemeClr val="lt1">
-                <a:hueOff val="0"/>
-                <a:satOff val="0"/>
-                <a:lumOff val="0"/>
-                <a:alphaOff val="0"/>
-              </a:schemeClr>
-            </a:lnRef>
-            <a:fillRef idx="1">
-              <a:scrgbClr r="0" g="0" b="0"/>
-            </a:fillRef>
-            <a:effectRef idx="0">
-              <a:schemeClr val="accent1">
-                <a:hueOff val="0"/>
-                <a:satOff val="0"/>
-                <a:lumOff val="0"/>
-                <a:alphaOff val="0"/>
-              </a:schemeClr>
-            </a:effectRef>
-            <a:fontRef idx="minor">
-              <a:schemeClr val="lt1"/>
-            </a:fontRef>
-          </p:style>
-        </p:sp>
-        <p:sp>
-          <p:nvSpPr>
-            <p:cNvPr id="4" name="Chevron 4"/>
-            <p:cNvSpPr txBox="1"/>
-            <p:nvPr/>
-          </p:nvSpPr>
-          <p:spPr>
-            <a:xfrm>
-              <a:off x="405924" y="3"/>
-              <a:ext cx="1217751" cy="811834"/>
-            </a:xfrm>
-            <a:prstGeom prst="rect">
-              <a:avLst/>
-            </a:prstGeom>
-          </p:spPr>
-          <p:style>
-            <a:lnRef idx="0">
-              <a:scrgbClr r="0" g="0" b="0"/>
-            </a:lnRef>
-            <a:fillRef idx="0">
-              <a:scrgbClr r="0" g="0" b="0"/>
-            </a:fillRef>
-            <a:effectRef idx="0">
-              <a:scrgbClr r="0" g="0" b="0"/>
-            </a:effectRef>
-            <a:fontRef idx="minor">
-              <a:schemeClr val="lt1"/>
-            </a:fontRef>
-          </p:style>
-          <p:txBody>
-            <a:bodyPr spcFirstLastPara="0" vert="horz" wrap="square" lIns="27940" tIns="13970" rIns="0" bIns="13970" numCol="1" spcCol="1270" anchor="ctr" anchorCtr="0">
-              <a:noAutofit/>
-            </a:bodyPr>
-            <a:lstStyle/>
-            <a:p>
-              <a:pPr lvl="0" algn="ctr" defTabSz="977900" rtl="0">
-                <a:lnSpc>
-                  <a:spcPct val="90000"/>
-                </a:lnSpc>
-                <a:spcBef>
-                  <a:spcPct val="0"/>
-                </a:spcBef>
-                <a:spcAft>
-                  <a:spcPct val="35000"/>
-                </a:spcAft>
-              </a:pPr>
-              <a:r>
-                <a:rPr lang="en-US" sz="2200" dirty="0" smtClean="0"/>
-                <a:t>View History</a:t>
-              </a:r>
-              <a:r>
-                <a:rPr lang="en-US" sz="2200" b="0" i="0" kern="1200" dirty="0" smtClean="0"/>
-                <a:t>:</a:t>
-              </a:r>
-              <a:endParaRPr lang="en-US" sz="2200" kern="1200" dirty="0"/>
-            </a:p>
-          </p:txBody>
-        </p:sp>
-      </p:grpSp>
-      <p:pic>
-        <p:nvPicPr>
-          <p:cNvPr id="5" name="Picture 4"/>
-          <p:cNvPicPr>
-            <a:picLocks noChangeAspect="1"/>
-          </p:cNvPicPr>
-          <p:nvPr/>
-        </p:nvPicPr>
-        <p:blipFill rotWithShape="1">
-          <a:blip r:embed="rId2">
-            <a:extLst>
-              <a:ext uri="{28A0092B-C50C-407E-A947-70E740481C1C}">
-                <a14:useLocalDpi xmlns:a14="http://schemas.microsoft.com/office/drawing/2010/main" val="0"/>
-              </a:ext>
-            </a:extLst>
-          </a:blip>
-          <a:srcRect r="36771" b="19506"/>
-          <a:stretch/>
-        </p:blipFill>
-        <p:spPr>
-          <a:xfrm>
-            <a:off x="2856088" y="0"/>
-            <a:ext cx="9335911" cy="6858000"/>
-          </a:xfrm>
-          <a:prstGeom prst="rect">
-            <a:avLst/>
-          </a:prstGeom>
-        </p:spPr>
-      </p:pic>
-    </p:spTree>
-    <p:extLst>
-      <p:ext uri="{BB962C8B-B14F-4D97-AF65-F5344CB8AC3E}">
-        <p14:creationId xmlns:p14="http://schemas.microsoft.com/office/powerpoint/2010/main" val="2239623163"/>
-      </p:ext>
-    </p:extLst>
-  </p:cSld>
-  <p:clrMapOvr>
-    <a:masterClrMapping/>
-  </p:clrMapOvr>
-  <p:timing>
-    <p:tnLst>
-      <p:par>
-        <p:cTn id="1" dur="indefinite" restart="never" nodeType="tmRoot"/>
-      </p:par>
-    </p:tnLst>
-  </p:timing>
-</p:sld>
-</file>
-
-<file path=ppt/slides/slide19.xml><?xml version="1.0" encoding="utf-8"?>
-<p:sld xmlns:a="http://schemas.openxmlformats.org/drawingml/2006/main" xmlns:r="http://schemas.openxmlformats.org/officeDocument/2006/relationships" xmlns:p="http://schemas.openxmlformats.org/presentationml/2006/main">
-  <p:cSld>
-    <p:spTree>
-      <p:nvGrpSpPr>
-        <p:cNvPr id="1" name=""/>
-        <p:cNvGrpSpPr/>
-        <p:nvPr/>
-      </p:nvGrpSpPr>
-      <p:grpSpPr>
-        <a:xfrm>
-          <a:off x="0" y="0"/>
-          <a:ext cx="0" cy="0"/>
-          <a:chOff x="0" y="0"/>
-          <a:chExt cx="0" cy="0"/>
-        </a:xfrm>
-      </p:grpSpPr>
-      <p:grpSp>
-        <p:nvGrpSpPr>
-          <p:cNvPr id="2" name="Group 1"/>
-          <p:cNvGrpSpPr/>
-          <p:nvPr/>
-        </p:nvGrpSpPr>
-        <p:grpSpPr>
-          <a:xfrm>
-            <a:off x="0" y="0"/>
-            <a:ext cx="2889956" cy="811834"/>
-            <a:chOff x="7" y="3"/>
-            <a:chExt cx="2029585" cy="811834"/>
-          </a:xfrm>
-        </p:grpSpPr>
-        <p:sp>
-          <p:nvSpPr>
-            <p:cNvPr id="3" name="Chevron 2"/>
-            <p:cNvSpPr/>
-            <p:nvPr/>
-          </p:nvSpPr>
-          <p:spPr>
-            <a:xfrm>
-              <a:off x="7" y="3"/>
-              <a:ext cx="2029585" cy="811834"/>
-            </a:xfrm>
-            <a:prstGeom prst="chevron">
-              <a:avLst/>
-            </a:prstGeom>
-            <a:solidFill>
-              <a:srgbClr val="492856"/>
-            </a:solidFill>
-          </p:spPr>
-          <p:style>
-            <a:lnRef idx="2">
-              <a:schemeClr val="lt1">
-                <a:hueOff val="0"/>
-                <a:satOff val="0"/>
-                <a:lumOff val="0"/>
-                <a:alphaOff val="0"/>
-              </a:schemeClr>
-            </a:lnRef>
-            <a:fillRef idx="1">
-              <a:scrgbClr r="0" g="0" b="0"/>
-            </a:fillRef>
-            <a:effectRef idx="0">
-              <a:schemeClr val="accent1">
-                <a:hueOff val="0"/>
-                <a:satOff val="0"/>
-                <a:lumOff val="0"/>
-                <a:alphaOff val="0"/>
-              </a:schemeClr>
-            </a:effectRef>
-            <a:fontRef idx="minor">
-              <a:schemeClr val="lt1"/>
-            </a:fontRef>
-          </p:style>
-        </p:sp>
-        <p:sp>
-          <p:nvSpPr>
-            <p:cNvPr id="4" name="Chevron 4"/>
-            <p:cNvSpPr txBox="1"/>
-            <p:nvPr/>
-          </p:nvSpPr>
-          <p:spPr>
-            <a:xfrm>
-              <a:off x="405924" y="3"/>
-              <a:ext cx="1217751" cy="811834"/>
-            </a:xfrm>
-            <a:prstGeom prst="rect">
-              <a:avLst/>
-            </a:prstGeom>
-          </p:spPr>
-          <p:style>
-            <a:lnRef idx="0">
-              <a:scrgbClr r="0" g="0" b="0"/>
-            </a:lnRef>
-            <a:fillRef idx="0">
-              <a:scrgbClr r="0" g="0" b="0"/>
-            </a:fillRef>
-            <a:effectRef idx="0">
-              <a:scrgbClr r="0" g="0" b="0"/>
-            </a:effectRef>
-            <a:fontRef idx="minor">
-              <a:schemeClr val="lt1"/>
-            </a:fontRef>
-          </p:style>
-          <p:txBody>
-            <a:bodyPr spcFirstLastPara="0" vert="horz" wrap="square" lIns="27940" tIns="13970" rIns="0" bIns="13970" numCol="1" spcCol="1270" anchor="ctr" anchorCtr="0">
-              <a:noAutofit/>
-            </a:bodyPr>
-            <a:lstStyle/>
-            <a:p>
-              <a:pPr lvl="0" algn="ctr" defTabSz="977900" rtl="0">
-                <a:lnSpc>
-                  <a:spcPct val="90000"/>
-                </a:lnSpc>
-                <a:spcBef>
-                  <a:spcPct val="0"/>
-                </a:spcBef>
-                <a:spcAft>
-                  <a:spcPct val="35000"/>
-                </a:spcAft>
-              </a:pPr>
-              <a:r>
-                <a:rPr lang="en-US" sz="2200" dirty="0" smtClean="0"/>
-                <a:t>View Liked Video</a:t>
-              </a:r>
-              <a:r>
-                <a:rPr lang="en-US" sz="2200" b="0" i="0" kern="1200" dirty="0" smtClean="0"/>
-                <a:t>:</a:t>
-              </a:r>
-              <a:endParaRPr lang="en-US" sz="2200" kern="1200" dirty="0"/>
-            </a:p>
-          </p:txBody>
-        </p:sp>
-      </p:grpSp>
-      <p:pic>
-        <p:nvPicPr>
-          <p:cNvPr id="5" name="Picture 4"/>
-          <p:cNvPicPr>
-            <a:picLocks noChangeAspect="1"/>
-          </p:cNvPicPr>
-          <p:nvPr/>
-        </p:nvPicPr>
-        <p:blipFill rotWithShape="1">
-          <a:blip r:embed="rId2">
-            <a:extLst>
-              <a:ext uri="{28A0092B-C50C-407E-A947-70E740481C1C}">
-                <a14:useLocalDpi xmlns:a14="http://schemas.microsoft.com/office/drawing/2010/main" val="0"/>
-              </a:ext>
-            </a:extLst>
-          </a:blip>
-          <a:srcRect r="36390" b="20329"/>
-          <a:stretch/>
-        </p:blipFill>
-        <p:spPr>
-          <a:xfrm>
-            <a:off x="2889956" y="0"/>
-            <a:ext cx="9302044" cy="6858000"/>
-          </a:xfrm>
-          <a:prstGeom prst="rect">
-            <a:avLst/>
-          </a:prstGeom>
-        </p:spPr>
-      </p:pic>
-    </p:spTree>
-    <p:extLst>
-      <p:ext uri="{BB962C8B-B14F-4D97-AF65-F5344CB8AC3E}">
-        <p14:creationId xmlns:p14="http://schemas.microsoft.com/office/powerpoint/2010/main" val="1280215651"/>
-      </p:ext>
-    </p:extLst>
-  </p:cSld>
-  <p:clrMapOvr>
-    <a:masterClrMapping/>
-  </p:clrMapOvr>
-  <p:timing>
-    <p:tnLst>
-      <p:par>
-        <p:cTn id="1" dur="indefinite" restart="never" nodeType="tmRoot"/>
-      </p:par>
-    </p:tnLst>
-  </p:timing>
-</p:sld>
-</file>
-
-<file path=ppt/slides/slide2.xml><?xml version="1.0" encoding="utf-8"?>
-<p:sld xmlns:a="http://schemas.openxmlformats.org/drawingml/2006/main" xmlns:r="http://schemas.openxmlformats.org/officeDocument/2006/relationships" xmlns:p="http://schemas.openxmlformats.org/presentationml/2006/main">
-  <p:cSld>
-    <p:bg>
-      <p:bgPr>
-        <a:solidFill>
-          <a:schemeClr val="accent3">
-            <a:lumMod val="75000"/>
-          </a:schemeClr>
-        </a:solidFill>
-        <a:effectLst/>
-      </p:bgPr>
-    </p:bg>
-    <p:spTree>
-      <p:nvGrpSpPr>
-        <p:cNvPr id="1" name=""/>
-        <p:cNvGrpSpPr/>
-        <p:nvPr/>
-      </p:nvGrpSpPr>
-      <p:grpSpPr>
-        <a:xfrm>
-          <a:off x="0" y="0"/>
-          <a:ext cx="0" cy="0"/>
-          <a:chOff x="0" y="0"/>
-          <a:chExt cx="0" cy="0"/>
-        </a:xfrm>
-      </p:grpSpPr>
-      <p:sp>
-        <p:nvSpPr>
-          <p:cNvPr id="2" name="Title 1"/>
-          <p:cNvSpPr>
-            <a:spLocks noGrp="1"/>
-          </p:cNvSpPr>
-          <p:nvPr>
-            <p:ph type="title"/>
-          </p:nvPr>
-        </p:nvSpPr>
-        <p:spPr/>
-        <p:txBody>
-          <a:bodyPr/>
-          <a:lstStyle/>
-          <a:p>
-            <a:pPr algn="ctr"/>
-            <a:r>
-              <a:rPr lang="en-US" dirty="0" smtClean="0"/>
-              <a:t>Project Idea</a:t>
-            </a:r>
-            <a:endParaRPr lang="en-US" dirty="0"/>
-          </a:p>
-        </p:txBody>
-      </p:sp>
-      <p:sp>
-        <p:nvSpPr>
-          <p:cNvPr id="3" name="Content Placeholder 2"/>
-          <p:cNvSpPr>
-            <a:spLocks noGrp="1"/>
-          </p:cNvSpPr>
-          <p:nvPr>
-            <p:ph idx="1"/>
-          </p:nvPr>
-        </p:nvSpPr>
-        <p:spPr>
-          <a:xfrm>
-            <a:off x="0" y="2314222"/>
-            <a:ext cx="12192000" cy="4543778"/>
-          </a:xfrm>
-        </p:spPr>
-        <p:txBody>
-          <a:bodyPr/>
-          <a:lstStyle/>
-          <a:p>
-            <a:endParaRPr lang="en-US" dirty="0" smtClean="0"/>
-          </a:p>
-          <a:p>
-            <a:endParaRPr lang="en-US" dirty="0"/>
-          </a:p>
-          <a:p>
-            <a:r>
-              <a:rPr lang="en-US" dirty="0" smtClean="0">
-                <a:solidFill>
-                  <a:schemeClr val="tx1"/>
-                </a:solidFill>
-              </a:rPr>
-              <a:t>The </a:t>
-            </a:r>
-            <a:r>
-              <a:rPr lang="en-US" dirty="0">
-                <a:solidFill>
-                  <a:schemeClr val="tx1"/>
-                </a:solidFill>
-              </a:rPr>
-              <a:t>idea is to build an android app based on filtration to YouTube videos by using machine learning to decide if the video content is appropriate for kids to watch it or not.</a:t>
-            </a:r>
-          </a:p>
-          <a:p>
-            <a:pPr marL="0" indent="0">
-              <a:buNone/>
-            </a:pPr>
-            <a:endParaRPr lang="en-US" dirty="0">
-              <a:solidFill>
-                <a:schemeClr val="tx1"/>
-              </a:solidFill>
-            </a:endParaRPr>
-          </a:p>
-          <a:p>
-            <a:r>
-              <a:rPr lang="en-US" dirty="0">
-                <a:solidFill>
-                  <a:schemeClr val="tx1"/>
-                </a:solidFill>
-              </a:rPr>
-              <a:t>The filtration will be based on the video's content by taking frames from the video and then test if it will be appropriate for kids because the name of the videos is not enough</a:t>
-            </a:r>
-            <a:r>
-              <a:rPr lang="en-US" dirty="0" smtClean="0">
-                <a:solidFill>
-                  <a:schemeClr val="tx1"/>
-                </a:solidFill>
-              </a:rPr>
-              <a:t>.</a:t>
-            </a:r>
-            <a:endParaRPr lang="en-US" dirty="0">
-              <a:solidFill>
-                <a:schemeClr val="tx1"/>
-              </a:solidFill>
-            </a:endParaRPr>
-          </a:p>
-        </p:txBody>
-      </p:sp>
-    </p:spTree>
-    <p:extLst>
-      <p:ext uri="{BB962C8B-B14F-4D97-AF65-F5344CB8AC3E}">
-        <p14:creationId xmlns:p14="http://schemas.microsoft.com/office/powerpoint/2010/main" val="4092337352"/>
-      </p:ext>
-    </p:extLst>
-  </p:cSld>
-  <p:clrMapOvr>
-    <a:masterClrMapping/>
-  </p:clrMapOvr>
-  <p:timing>
-    <p:tnLst>
-      <p:par>
-        <p:cTn id="1" dur="indefinite" restart="never" nodeType="tmRoot"/>
-      </p:par>
-    </p:tnLst>
-  </p:timing>
-</p:sld>
-</file>
-
-<file path=ppt/slides/slide20.xml><?xml version="1.0" encoding="utf-8"?>
+<file path=ppt/slides/slide15.xml><?xml version="1.0" encoding="utf-8"?>
 <p:sld xmlns:a="http://schemas.openxmlformats.org/drawingml/2006/main" xmlns:r="http://schemas.openxmlformats.org/officeDocument/2006/relationships" xmlns:p="http://schemas.openxmlformats.org/presentationml/2006/main">
   <p:cSld>
     <p:spTree>
@@ -22818,7 +22069,7 @@
 </p:sld>
 </file>
 
-<file path=ppt/slides/slide21.xml><?xml version="1.0" encoding="utf-8"?>
+<file path=ppt/slides/slide16.xml><?xml version="1.0" encoding="utf-8"?>
 <p:sld xmlns:a="http://schemas.openxmlformats.org/drawingml/2006/main" xmlns:r="http://schemas.openxmlformats.org/officeDocument/2006/relationships" xmlns:p="http://schemas.openxmlformats.org/presentationml/2006/main">
   <p:cSld>
     <p:bg>
@@ -22977,7 +22228,7 @@
 </p:sld>
 </file>
 
-<file path=ppt/slides/slide22.xml><?xml version="1.0" encoding="utf-8"?>
+<file path=ppt/slides/slide17.xml><?xml version="1.0" encoding="utf-8"?>
 <p:sld xmlns:a="http://schemas.openxmlformats.org/drawingml/2006/main" xmlns:r="http://schemas.openxmlformats.org/officeDocument/2006/relationships" xmlns:p="http://schemas.openxmlformats.org/presentationml/2006/main">
   <p:cSld>
     <p:bg>
@@ -23105,7 +22356,7 @@
 </p:sld>
 </file>
 
-<file path=ppt/slides/slide23.xml><?xml version="1.0" encoding="utf-8"?>
+<file path=ppt/slides/slide18.xml><?xml version="1.0" encoding="utf-8"?>
 <p:sld xmlns:a="http://schemas.openxmlformats.org/drawingml/2006/main" xmlns:r="http://schemas.openxmlformats.org/officeDocument/2006/relationships" xmlns:p="http://schemas.openxmlformats.org/presentationml/2006/main">
   <p:cSld>
     <p:bg>
@@ -23230,7 +22481,7 @@
 </p:sld>
 </file>
 
-<file path=ppt/slides/slide24.xml><?xml version="1.0" encoding="utf-8"?>
+<file path=ppt/slides/slide19.xml><?xml version="1.0" encoding="utf-8"?>
 <p:sld xmlns:a="http://schemas.openxmlformats.org/drawingml/2006/main" xmlns:r="http://schemas.openxmlformats.org/officeDocument/2006/relationships" xmlns:p="http://schemas.openxmlformats.org/presentationml/2006/main">
   <p:cSld>
     <p:spTree>
@@ -23451,7 +22702,7 @@
                 <a:spcPct val="150000"/>
               </a:lnSpc>
               <a:buFont typeface="Wingdings" panose="05000000000000000000" pitchFamily="2" charset="2"/>
-              <a:buChar char="Ø"/>
+              <a:buChar char="ü"/>
             </a:pPr>
             <a:r>
               <a:rPr lang="en-US" dirty="0" smtClean="0"/>
@@ -23477,7 +22728,7 @@
                 <a:spcPct val="150000"/>
               </a:lnSpc>
               <a:buFont typeface="Wingdings" panose="05000000000000000000" pitchFamily="2" charset="2"/>
-              <a:buChar char="Ø"/>
+              <a:buChar char="ü"/>
             </a:pPr>
             <a:r>
               <a:rPr lang="en-US" dirty="0" smtClean="0"/>
@@ -23495,7 +22746,7 @@
                 <a:spcPct val="150000"/>
               </a:lnSpc>
               <a:buFont typeface="Wingdings" panose="05000000000000000000" pitchFamily="2" charset="2"/>
-              <a:buChar char="Ø"/>
+              <a:buChar char="ü"/>
             </a:pPr>
             <a:r>
               <a:rPr lang="en-US" dirty="0" smtClean="0"/>
@@ -23513,7 +22764,7 @@
                 <a:spcPct val="150000"/>
               </a:lnSpc>
               <a:buFont typeface="Wingdings" panose="05000000000000000000" pitchFamily="2" charset="2"/>
-              <a:buChar char="Ø"/>
+              <a:buChar char="ü"/>
             </a:pPr>
             <a:r>
               <a:rPr lang="en-US" dirty="0" smtClean="0"/>
@@ -23543,7 +22794,7 @@
                 <a:spcPct val="150000"/>
               </a:lnSpc>
               <a:buFont typeface="Wingdings" panose="05000000000000000000" pitchFamily="2" charset="2"/>
-              <a:buChar char="Ø"/>
+              <a:buChar char="ü"/>
             </a:pPr>
             <a:r>
               <a:rPr lang="en-US" dirty="0" smtClean="0"/>
@@ -23561,7 +22812,7 @@
                 <a:spcPct val="150000"/>
               </a:lnSpc>
               <a:buFont typeface="Wingdings" panose="05000000000000000000" pitchFamily="2" charset="2"/>
-              <a:buChar char="Ø"/>
+              <a:buChar char="ü"/>
             </a:pPr>
             <a:r>
               <a:rPr lang="en-US" dirty="0" smtClean="0"/>
@@ -23574,7 +22825,7 @@
                 <a:spcPct val="150000"/>
               </a:lnSpc>
               <a:buFont typeface="Wingdings" panose="05000000000000000000" pitchFamily="2" charset="2"/>
-              <a:buChar char="Ø"/>
+              <a:buChar char="ü"/>
             </a:pPr>
             <a:r>
               <a:rPr lang="en-US" dirty="0" smtClean="0"/>
@@ -23911,7 +23162,156 @@
 </p:sld>
 </file>
 
-<file path=ppt/slides/slide25.xml><?xml version="1.0" encoding="utf-8"?>
+<file path=ppt/slides/slide2.xml><?xml version="1.0" encoding="utf-8"?>
+<p:sld xmlns:a="http://schemas.openxmlformats.org/drawingml/2006/main" xmlns:r="http://schemas.openxmlformats.org/officeDocument/2006/relationships" xmlns:p="http://schemas.openxmlformats.org/presentationml/2006/main">
+  <p:cSld>
+    <p:bg>
+      <p:bgPr>
+        <a:solidFill>
+          <a:schemeClr val="accent3">
+            <a:lumMod val="75000"/>
+          </a:schemeClr>
+        </a:solidFill>
+        <a:effectLst/>
+      </p:bgPr>
+    </p:bg>
+    <p:spTree>
+      <p:nvGrpSpPr>
+        <p:cNvPr id="1" name=""/>
+        <p:cNvGrpSpPr/>
+        <p:nvPr/>
+      </p:nvGrpSpPr>
+      <p:grpSpPr>
+        <a:xfrm>
+          <a:off x="0" y="0"/>
+          <a:ext cx="0" cy="0"/>
+          <a:chOff x="0" y="0"/>
+          <a:chExt cx="0" cy="0"/>
+        </a:xfrm>
+      </p:grpSpPr>
+      <p:sp>
+        <p:nvSpPr>
+          <p:cNvPr id="2" name="Title 1"/>
+          <p:cNvSpPr>
+            <a:spLocks noGrp="1"/>
+          </p:cNvSpPr>
+          <p:nvPr>
+            <p:ph type="title"/>
+          </p:nvPr>
+        </p:nvSpPr>
+        <p:spPr/>
+        <p:txBody>
+          <a:bodyPr/>
+          <a:lstStyle/>
+          <a:p>
+            <a:pPr algn="ctr"/>
+            <a:r>
+              <a:rPr lang="en-US" dirty="0" smtClean="0"/>
+              <a:t>Project Idea</a:t>
+            </a:r>
+            <a:endParaRPr lang="en-US" dirty="0"/>
+          </a:p>
+        </p:txBody>
+      </p:sp>
+      <p:sp>
+        <p:nvSpPr>
+          <p:cNvPr id="3" name="Content Placeholder 2"/>
+          <p:cNvSpPr>
+            <a:spLocks noGrp="1"/>
+          </p:cNvSpPr>
+          <p:nvPr>
+            <p:ph idx="1"/>
+          </p:nvPr>
+        </p:nvSpPr>
+        <p:spPr>
+          <a:xfrm>
+            <a:off x="0" y="2314222"/>
+            <a:ext cx="12192000" cy="4543778"/>
+          </a:xfrm>
+        </p:spPr>
+        <p:txBody>
+          <a:bodyPr/>
+          <a:lstStyle/>
+          <a:p>
+            <a:endParaRPr lang="en-US" dirty="0" smtClean="0"/>
+          </a:p>
+          <a:p>
+            <a:endParaRPr lang="en-US" dirty="0"/>
+          </a:p>
+          <a:p>
+            <a:r>
+              <a:rPr lang="en-US" dirty="0" smtClean="0">
+                <a:solidFill>
+                  <a:schemeClr val="tx1"/>
+                </a:solidFill>
+              </a:rPr>
+              <a:t>The </a:t>
+            </a:r>
+            <a:r>
+              <a:rPr lang="en-US" dirty="0">
+                <a:solidFill>
+                  <a:schemeClr val="tx1"/>
+                </a:solidFill>
+              </a:rPr>
+              <a:t>idea is to build an android app based on filtration to YouTube videos by using machine learning to decide if the video content is appropriate for kids to watch it or not.</a:t>
+            </a:r>
+          </a:p>
+          <a:p>
+            <a:pPr marL="0" indent="0">
+              <a:buNone/>
+            </a:pPr>
+            <a:endParaRPr lang="en-US" dirty="0">
+              <a:solidFill>
+                <a:schemeClr val="tx1"/>
+              </a:solidFill>
+            </a:endParaRPr>
+          </a:p>
+          <a:p>
+            <a:r>
+              <a:rPr lang="en-US" dirty="0">
+                <a:solidFill>
+                  <a:schemeClr val="tx1"/>
+                </a:solidFill>
+              </a:rPr>
+              <a:t>The filtration will be based on the video's content by taking frames from the video and then test if it will be appropriate for kids because the name of the videos is not enough</a:t>
+            </a:r>
+            <a:r>
+              <a:rPr lang="en-US" dirty="0" smtClean="0">
+                <a:solidFill>
+                  <a:schemeClr val="tx1"/>
+                </a:solidFill>
+              </a:rPr>
+              <a:t>.</a:t>
+            </a:r>
+            <a:endParaRPr lang="en-US" dirty="0">
+              <a:solidFill>
+                <a:schemeClr val="tx1"/>
+              </a:solidFill>
+            </a:endParaRPr>
+          </a:p>
+        </p:txBody>
+      </p:sp>
+    </p:spTree>
+    <p:extLst>
+      <p:ext uri="{BB962C8B-B14F-4D97-AF65-F5344CB8AC3E}">
+        <p14:creationId xmlns:p14="http://schemas.microsoft.com/office/powerpoint/2010/main" val="4092337352"/>
+      </p:ext>
+    </p:extLst>
+  </p:cSld>
+  <p:clrMapOvr>
+    <a:masterClrMapping/>
+  </p:clrMapOvr>
+  <p:timing>
+    <p:tnLst>
+      <p:par>
+        <p:cTn id="1" dur="indefinite" restart="never" nodeType="tmRoot"/>
+      </p:par>
+    </p:tnLst>
+  </p:timing>
+</p:sld>
+</file>
+
+<file path=ppt/slides/slide20.xml><?xml version="1.0" encoding="utf-8"?>
 <p:sld xmlns:a="http://schemas.openxmlformats.org/drawingml/2006/main" xmlns:r="http://schemas.openxmlformats.org/officeDocument/2006/relationships" xmlns:p="http://schemas.openxmlformats.org/presentationml/2006/main">
   <p:cSld>
     <p:spTree>
@@ -23961,12 +23361,139 @@
             <p:ph idx="1"/>
           </p:nvPr>
         </p:nvSpPr>
-        <p:spPr/>
+        <p:spPr>
+          <a:xfrm>
+            <a:off x="342153" y="2524478"/>
+            <a:ext cx="11714380" cy="3819732"/>
+          </a:xfrm>
+        </p:spPr>
         <p:txBody>
           <a:bodyPr/>
           <a:lstStyle/>
           <a:p>
-            <a:endParaRPr lang="en-US"/>
+            <a:pPr marL="0" indent="0">
+              <a:buNone/>
+            </a:pPr>
+            <a:r>
+              <a:rPr lang="en-US" b="1" dirty="0"/>
+              <a:t>In the end we want to clarify </a:t>
+            </a:r>
+            <a:r>
+              <a:rPr lang="en-US" b="1" dirty="0" smtClean="0"/>
+              <a:t>what </a:t>
+            </a:r>
+            <a:r>
+              <a:rPr lang="en-US" b="1" dirty="0"/>
+              <a:t>was in the </a:t>
+            </a:r>
+            <a:r>
+              <a:rPr lang="en-US" b="1" dirty="0" smtClean="0"/>
+              <a:t>presentation:</a:t>
+            </a:r>
+          </a:p>
+          <a:p>
+            <a:r>
+              <a:rPr lang="en-US" dirty="0" smtClean="0"/>
+              <a:t>Our </a:t>
+            </a:r>
+            <a:r>
+              <a:rPr lang="en-US" dirty="0"/>
+              <a:t>idea : </a:t>
+            </a:r>
+            <a:endParaRPr lang="en-US" dirty="0" smtClean="0"/>
+          </a:p>
+          <a:p>
+            <a:pPr marL="457200" lvl="1" indent="0">
+              <a:buNone/>
+            </a:pPr>
+            <a:r>
+              <a:rPr lang="en-US" sz="1800" dirty="0" smtClean="0"/>
+              <a:t>	A </a:t>
+            </a:r>
+            <a:r>
+              <a:rPr lang="en-US" sz="1800" dirty="0"/>
+              <a:t>mobile app filters the videos from inappropriate </a:t>
+            </a:r>
+            <a:r>
+              <a:rPr lang="en-US" sz="1800" dirty="0" smtClean="0"/>
+              <a:t>scenes</a:t>
+            </a:r>
+          </a:p>
+          <a:p>
+            <a:r>
+              <a:rPr lang="en-US" dirty="0" smtClean="0"/>
+              <a:t>Our purpose: </a:t>
+            </a:r>
+          </a:p>
+          <a:p>
+            <a:pPr marL="0" indent="0">
+              <a:buNone/>
+            </a:pPr>
+            <a:r>
+              <a:rPr lang="en-US" dirty="0"/>
+              <a:t>	</a:t>
+            </a:r>
+            <a:r>
+              <a:rPr lang="en-US" dirty="0" smtClean="0"/>
+              <a:t>	To </a:t>
+            </a:r>
+            <a:r>
+              <a:rPr lang="en-US" dirty="0"/>
+              <a:t>save the </a:t>
+            </a:r>
+            <a:r>
+              <a:rPr lang="en-US" dirty="0" smtClean="0"/>
+              <a:t>children </a:t>
+            </a:r>
+            <a:r>
+              <a:rPr lang="en-US" dirty="0"/>
+              <a:t>morals and to help the parents to control what </a:t>
+            </a:r>
+            <a:r>
+              <a:rPr lang="en-US" dirty="0" smtClean="0"/>
+              <a:t>their children </a:t>
+            </a:r>
+            <a:r>
+              <a:rPr lang="en-US" dirty="0"/>
+              <a:t>watch </a:t>
+            </a:r>
+            <a:endParaRPr lang="en-US" dirty="0" smtClean="0"/>
+          </a:p>
+          <a:p>
+            <a:r>
+              <a:rPr lang="en-US" dirty="0" smtClean="0"/>
+              <a:t>Our </a:t>
+            </a:r>
+            <a:r>
+              <a:rPr lang="en-US" dirty="0"/>
+              <a:t>technically </a:t>
+            </a:r>
+            <a:r>
+              <a:rPr lang="en-US" dirty="0" smtClean="0"/>
+              <a:t>needs: </a:t>
+            </a:r>
+          </a:p>
+          <a:p>
+            <a:pPr marL="457200" lvl="1" indent="0">
+              <a:buNone/>
+            </a:pPr>
+            <a:r>
+              <a:rPr lang="en-US" sz="1800" dirty="0" smtClean="0"/>
+              <a:t>	We'll </a:t>
+            </a:r>
+            <a:r>
+              <a:rPr lang="en-US" sz="1800" dirty="0"/>
+              <a:t>use Deep learning architecture for build our Model to filter the videos and then we'll use this model to make an android app for </a:t>
+            </a:r>
+            <a:r>
+              <a:rPr lang="en-US" sz="1800" dirty="0" smtClean="0"/>
+              <a:t>children usage</a:t>
+            </a:r>
+            <a:r>
+              <a:rPr lang="en-US" dirty="0" smtClean="0"/>
+              <a:t>.</a:t>
+            </a:r>
+            <a:endParaRPr lang="en-US" dirty="0"/>
           </a:p>
         </p:txBody>
       </p:sp>
@@ -24314,10 +23841,18 @@
             <a:r>
               <a:rPr lang="en-US" sz="1600" dirty="0" smtClean="0">
                 <a:solidFill>
+                  <a:srgbClr val="B31166"/>
+                </a:solidFill>
+              </a:rPr>
+              <a:t>1.</a:t>
+            </a:r>
+            <a:r>
+              <a:rPr lang="en-US" sz="1600" dirty="0" smtClean="0">
+                <a:solidFill>
                   <a:schemeClr val="tx1"/>
                 </a:solidFill>
               </a:rPr>
-              <a:t>1. Deep </a:t>
+              <a:t> Deep </a:t>
             </a:r>
             <a:r>
               <a:rPr lang="en-US" sz="1600" dirty="0">
@@ -24343,10 +23878,18 @@
             <a:r>
               <a:rPr lang="en-US" sz="1600" dirty="0" smtClean="0">
                 <a:solidFill>
+                  <a:srgbClr val="B31166"/>
+                </a:solidFill>
+              </a:rPr>
+              <a:t>1.1 </a:t>
+            </a:r>
+            <a:r>
+              <a:rPr lang="en-US" sz="1600" dirty="0" smtClean="0">
+                <a:solidFill>
                   <a:schemeClr val="tx1"/>
                 </a:solidFill>
               </a:rPr>
-              <a:t>1.1 Dataset </a:t>
+              <a:t>Dataset </a:t>
             </a:r>
           </a:p>
           <a:p>
@@ -24393,10 +23936,18 @@
             <a:r>
               <a:rPr lang="en-US" sz="1600" dirty="0">
                 <a:solidFill>
+                  <a:srgbClr val="B31166"/>
+                </a:solidFill>
+              </a:rPr>
+              <a:t>1.2</a:t>
+            </a:r>
+            <a:r>
+              <a:rPr lang="en-US" sz="1600" dirty="0">
+                <a:solidFill>
                   <a:schemeClr val="tx1"/>
                 </a:solidFill>
               </a:rPr>
-              <a:t>1.2 Architecture and process </a:t>
+              <a:t> Architecture and process </a:t>
             </a:r>
           </a:p>
           <a:p>
@@ -24977,50 +24528,124 @@
       </p:grpSpPr>
       <p:sp>
         <p:nvSpPr>
-          <p:cNvPr id="2" name="Title 1"/>
-          <p:cNvSpPr>
-            <a:spLocks noGrp="1"/>
-          </p:cNvSpPr>
-          <p:nvPr>
-            <p:ph type="title"/>
-          </p:nvPr>
-        </p:nvSpPr>
-        <p:spPr/>
-        <p:txBody>
-          <a:bodyPr/>
-          <a:lstStyle/>
-          <a:p>
-            <a:pPr algn="ctr"/>
-            <a:r>
-              <a:rPr lang="en-US" dirty="0"/>
-              <a:t>System Analysis and Design</a:t>
-            </a:r>
-          </a:p>
-        </p:txBody>
-      </p:sp>
-      <p:sp>
-        <p:nvSpPr>
           <p:cNvPr id="3" name="Content Placeholder 2"/>
           <p:cNvSpPr>
             <a:spLocks noGrp="1"/>
           </p:cNvSpPr>
           <p:nvPr>
-            <p:ph idx="1"/>
+            <p:ph idx="4294967295"/>
           </p:nvPr>
         </p:nvSpPr>
-        <p:spPr/>
+        <p:spPr>
+          <a:xfrm>
+            <a:off x="-1" y="0"/>
+            <a:ext cx="4459111" cy="438952"/>
+          </a:xfrm>
+        </p:spPr>
         <p:txBody>
-          <a:bodyPr/>
+          <a:bodyPr>
+            <a:normAutofit/>
+          </a:bodyPr>
           <a:lstStyle/>
           <a:p>
             <a:r>
-              <a:rPr lang="en-US" dirty="0">
+              <a:rPr lang="en-US" dirty="0" smtClean="0">
                 <a:solidFill>
                   <a:schemeClr val="tx1"/>
                 </a:solidFill>
               </a:rPr>
-              <a:t>System architecture</a:t>
-            </a:r>
+              <a:t>Model System architecture</a:t>
+            </a:r>
+            <a:endParaRPr lang="en-US" dirty="0">
+              <a:solidFill>
+                <a:schemeClr val="tx1"/>
+              </a:solidFill>
+            </a:endParaRPr>
+          </a:p>
+          <a:p>
+            <a:endParaRPr lang="en-US" dirty="0">
+              <a:solidFill>
+                <a:schemeClr val="tx1"/>
+              </a:solidFill>
+            </a:endParaRPr>
+          </a:p>
+        </p:txBody>
+      </p:sp>
+      <p:pic>
+        <p:nvPicPr>
+          <p:cNvPr id="2" name="Picture 1"/>
+          <p:cNvPicPr>
+            <a:picLocks noChangeAspect="1"/>
+          </p:cNvPicPr>
+          <p:nvPr/>
+        </p:nvPicPr>
+        <p:blipFill>
+          <a:blip r:embed="rId2">
+            <a:extLst>
+              <a:ext uri="{28A0092B-C50C-407E-A947-70E740481C1C}">
+                <a14:useLocalDpi xmlns:a14="http://schemas.microsoft.com/office/drawing/2010/main" val="0"/>
+              </a:ext>
+            </a:extLst>
+          </a:blip>
+          <a:stretch>
+            <a:fillRect/>
+          </a:stretch>
+        </p:blipFill>
+        <p:spPr>
+          <a:xfrm>
+            <a:off x="112890" y="438952"/>
+            <a:ext cx="12079110" cy="6419048"/>
+          </a:xfrm>
+          <a:prstGeom prst="rect">
+            <a:avLst/>
+          </a:prstGeom>
+        </p:spPr>
+      </p:pic>
+      <p:sp>
+        <p:nvSpPr>
+          <p:cNvPr id="4" name="Rectangle 3"/>
+          <p:cNvSpPr/>
+          <p:nvPr/>
+        </p:nvSpPr>
+        <p:spPr>
+          <a:xfrm>
+            <a:off x="10306756" y="0"/>
+            <a:ext cx="948266" cy="438952"/>
+          </a:xfrm>
+          <a:prstGeom prst="rect">
+            <a:avLst/>
+          </a:prstGeom>
+          <a:solidFill>
+            <a:schemeClr val="bg1"/>
+          </a:solidFill>
+          <a:ln>
+            <a:solidFill>
+              <a:schemeClr val="bg1"/>
+            </a:solidFill>
+          </a:ln>
+        </p:spPr>
+        <p:style>
+          <a:lnRef idx="2">
+            <a:schemeClr val="accent1">
+              <a:shade val="50000"/>
+            </a:schemeClr>
+          </a:lnRef>
+          <a:fillRef idx="1">
+            <a:schemeClr val="accent1"/>
+          </a:fillRef>
+          <a:effectRef idx="0">
+            <a:schemeClr val="accent1"/>
+          </a:effectRef>
+          <a:fontRef idx="minor">
+            <a:schemeClr val="lt1"/>
+          </a:fontRef>
+        </p:style>
+        <p:txBody>
+          <a:bodyPr rtlCol="0" anchor="ctr"/>
+          <a:lstStyle/>
+          <a:p>
+            <a:pPr algn="ctr"/>
+            <a:endParaRPr lang="en-US"/>
           </a:p>
         </p:txBody>
       </p:sp>
@@ -25045,6 +24670,155 @@
 </file>
 
 <file path=ppt/slides/slide8.xml><?xml version="1.0" encoding="utf-8"?>
+<p:sld xmlns:a="http://schemas.openxmlformats.org/drawingml/2006/main" xmlns:r="http://schemas.openxmlformats.org/officeDocument/2006/relationships" xmlns:p="http://schemas.openxmlformats.org/presentationml/2006/main">
+  <p:cSld>
+    <p:spTree>
+      <p:nvGrpSpPr>
+        <p:cNvPr id="1" name=""/>
+        <p:cNvGrpSpPr/>
+        <p:nvPr/>
+      </p:nvGrpSpPr>
+      <p:grpSpPr>
+        <a:xfrm>
+          <a:off x="0" y="0"/>
+          <a:ext cx="0" cy="0"/>
+          <a:chOff x="0" y="0"/>
+          <a:chExt cx="0" cy="0"/>
+        </a:xfrm>
+      </p:grpSpPr>
+      <p:sp>
+        <p:nvSpPr>
+          <p:cNvPr id="3" name="Rectangle 2"/>
+          <p:cNvSpPr/>
+          <p:nvPr/>
+        </p:nvSpPr>
+        <p:spPr>
+          <a:xfrm>
+            <a:off x="171651" y="106023"/>
+            <a:ext cx="3241593" cy="369332"/>
+          </a:xfrm>
+          <a:prstGeom prst="rect">
+            <a:avLst/>
+          </a:prstGeom>
+        </p:spPr>
+        <p:txBody>
+          <a:bodyPr wrap="none">
+            <a:spAutoFit/>
+          </a:bodyPr>
+          <a:lstStyle/>
+          <a:p>
+            <a:pPr marL="285750" indent="-285750">
+              <a:buClr>
+                <a:srgbClr val="B31166"/>
+              </a:buClr>
+              <a:buFont typeface="Century Gothic" panose="020B0502020202020204" pitchFamily="34" charset="0"/>
+              <a:buChar char="►"/>
+            </a:pPr>
+            <a:r>
+              <a:rPr lang="en-US" dirty="0"/>
+              <a:t>App System architecture</a:t>
+            </a:r>
+          </a:p>
+        </p:txBody>
+      </p:sp>
+      <p:pic>
+        <p:nvPicPr>
+          <p:cNvPr id="2" name="Picture 1"/>
+          <p:cNvPicPr>
+            <a:picLocks noChangeAspect="1"/>
+          </p:cNvPicPr>
+          <p:nvPr/>
+        </p:nvPicPr>
+        <p:blipFill rotWithShape="1">
+          <a:blip r:embed="rId2" cstate="print">
+            <a:extLst>
+              <a:ext uri="{28A0092B-C50C-407E-A947-70E740481C1C}">
+                <a14:useLocalDpi xmlns:a14="http://schemas.microsoft.com/office/drawing/2010/main" val="0"/>
+              </a:ext>
+            </a:extLst>
+          </a:blip>
+          <a:srcRect r="21340" b="35803"/>
+          <a:stretch/>
+        </p:blipFill>
+        <p:spPr>
+          <a:xfrm>
+            <a:off x="1388535" y="475356"/>
+            <a:ext cx="9008532" cy="6382644"/>
+          </a:xfrm>
+          <a:prstGeom prst="rect">
+            <a:avLst/>
+          </a:prstGeom>
+        </p:spPr>
+      </p:pic>
+      <p:sp>
+        <p:nvSpPr>
+          <p:cNvPr id="4" name="Rectangle 3"/>
+          <p:cNvSpPr/>
+          <p:nvPr/>
+        </p:nvSpPr>
+        <p:spPr>
+          <a:xfrm>
+            <a:off x="10374489" y="0"/>
+            <a:ext cx="880533" cy="1230489"/>
+          </a:xfrm>
+          <a:prstGeom prst="rect">
+            <a:avLst/>
+          </a:prstGeom>
+          <a:solidFill>
+            <a:srgbClr val="FFFFFF"/>
+          </a:solidFill>
+          <a:ln>
+            <a:solidFill>
+              <a:schemeClr val="bg1"/>
+            </a:solidFill>
+          </a:ln>
+        </p:spPr>
+        <p:style>
+          <a:lnRef idx="2">
+            <a:schemeClr val="accent1">
+              <a:shade val="50000"/>
+            </a:schemeClr>
+          </a:lnRef>
+          <a:fillRef idx="1">
+            <a:schemeClr val="accent1"/>
+          </a:fillRef>
+          <a:effectRef idx="0">
+            <a:schemeClr val="accent1"/>
+          </a:effectRef>
+          <a:fontRef idx="minor">
+            <a:schemeClr val="lt1"/>
+          </a:fontRef>
+        </p:style>
+        <p:txBody>
+          <a:bodyPr rtlCol="0" anchor="ctr"/>
+          <a:lstStyle/>
+          <a:p>
+            <a:pPr algn="ctr"/>
+            <a:endParaRPr lang="en-US"/>
+          </a:p>
+        </p:txBody>
+      </p:sp>
+    </p:spTree>
+    <p:extLst>
+      <p:ext uri="{BB962C8B-B14F-4D97-AF65-F5344CB8AC3E}">
+        <p14:creationId xmlns:p14="http://schemas.microsoft.com/office/powerpoint/2010/main" val="2575137489"/>
+      </p:ext>
+    </p:extLst>
+  </p:cSld>
+  <p:clrMapOvr>
+    <a:masterClrMapping/>
+  </p:clrMapOvr>
+  <p:timing>
+    <p:tnLst>
+      <p:par>
+        <p:cTn id="1" dur="indefinite" restart="never" nodeType="tmRoot"/>
+      </p:par>
+    </p:tnLst>
+  </p:timing>
+</p:sld>
+</file>
+
+<file path=ppt/slides/slide9.xml><?xml version="1.0" encoding="utf-8"?>
 <p:sld xmlns:a="http://schemas.openxmlformats.org/drawingml/2006/main" xmlns:r="http://schemas.openxmlformats.org/officeDocument/2006/relationships" xmlns:p="http://schemas.openxmlformats.org/presentationml/2006/main">
   <p:cSld>
     <p:spTree>
@@ -25576,166 +25350,6 @@
     <p:extLst>
       <p:ext uri="{BB962C8B-B14F-4D97-AF65-F5344CB8AC3E}">
         <p14:creationId xmlns:p14="http://schemas.microsoft.com/office/powerpoint/2010/main" val="3642772432"/>
-      </p:ext>
-    </p:extLst>
-  </p:cSld>
-  <p:clrMapOvr>
-    <a:masterClrMapping/>
-  </p:clrMapOvr>
-  <p:timing>
-    <p:tnLst>
-      <p:par>
-        <p:cTn id="1" dur="indefinite" restart="never" nodeType="tmRoot"/>
-      </p:par>
-    </p:tnLst>
-  </p:timing>
-</p:sld>
-</file>
-
-<file path=ppt/slides/slide9.xml><?xml version="1.0" encoding="utf-8"?>
-<p:sld xmlns:a="http://schemas.openxmlformats.org/drawingml/2006/main" xmlns:r="http://schemas.openxmlformats.org/officeDocument/2006/relationships" xmlns:p="http://schemas.openxmlformats.org/presentationml/2006/main">
-  <p:cSld>
-    <p:spTree>
-      <p:nvGrpSpPr>
-        <p:cNvPr id="1" name=""/>
-        <p:cNvGrpSpPr/>
-        <p:nvPr/>
-      </p:nvGrpSpPr>
-      <p:grpSpPr>
-        <a:xfrm>
-          <a:off x="0" y="0"/>
-          <a:ext cx="0" cy="0"/>
-          <a:chOff x="0" y="0"/>
-          <a:chExt cx="0" cy="0"/>
-        </a:xfrm>
-      </p:grpSpPr>
-      <p:sp>
-        <p:nvSpPr>
-          <p:cNvPr id="3" name="Content Placeholder 2"/>
-          <p:cNvSpPr>
-            <a:spLocks noGrp="1"/>
-          </p:cNvSpPr>
-          <p:nvPr>
-            <p:ph idx="4294967295"/>
-          </p:nvPr>
-        </p:nvSpPr>
-        <p:spPr>
-          <a:xfrm>
-            <a:off x="11289" y="0"/>
-            <a:ext cx="8824913" cy="4333875"/>
-          </a:xfrm>
-        </p:spPr>
-        <p:txBody>
-          <a:bodyPr/>
-          <a:lstStyle/>
-          <a:p>
-            <a:r>
-              <a:rPr lang="en-US" dirty="0">
-                <a:solidFill>
-                  <a:schemeClr val="tx1"/>
-                </a:solidFill>
-              </a:rPr>
-              <a:t>Use-case </a:t>
-            </a:r>
-            <a:r>
-              <a:rPr lang="en-US" dirty="0" smtClean="0">
-                <a:solidFill>
-                  <a:schemeClr val="tx1"/>
-                </a:solidFill>
-              </a:rPr>
-              <a:t>Diagram:</a:t>
-            </a:r>
-          </a:p>
-          <a:p>
-            <a:pPr marL="0" indent="0">
-              <a:buNone/>
-            </a:pPr>
-            <a:endParaRPr lang="en-US" dirty="0"/>
-          </a:p>
-        </p:txBody>
-      </p:sp>
-      <p:pic>
-        <p:nvPicPr>
-          <p:cNvPr id="4" name="Picture 3"/>
-          <p:cNvPicPr>
-            <a:picLocks noChangeAspect="1"/>
-          </p:cNvPicPr>
-          <p:nvPr/>
-        </p:nvPicPr>
-        <p:blipFill>
-          <a:blip r:embed="rId2">
-            <a:extLst>
-              <a:ext uri="{28A0092B-C50C-407E-A947-70E740481C1C}">
-                <a14:useLocalDpi xmlns:a14="http://schemas.microsoft.com/office/drawing/2010/main" val="0"/>
-              </a:ext>
-            </a:extLst>
-          </a:blip>
-          <a:stretch>
-            <a:fillRect/>
-          </a:stretch>
-        </p:blipFill>
-        <p:spPr>
-          <a:xfrm>
-            <a:off x="2867378" y="11289"/>
-            <a:ext cx="5712178" cy="6513689"/>
-          </a:xfrm>
-          <a:prstGeom prst="rect">
-            <a:avLst/>
-          </a:prstGeom>
-        </p:spPr>
-      </p:pic>
-      <p:sp>
-        <p:nvSpPr>
-          <p:cNvPr id="5" name="Flowchart: Process 4"/>
-          <p:cNvSpPr/>
-          <p:nvPr/>
-        </p:nvSpPr>
-        <p:spPr>
-          <a:xfrm>
-            <a:off x="10374489" y="11289"/>
-            <a:ext cx="790222" cy="1286933"/>
-          </a:xfrm>
-          <a:prstGeom prst="flowChartProcess">
-            <a:avLst/>
-          </a:prstGeom>
-          <a:solidFill>
-            <a:schemeClr val="bg1"/>
-          </a:solidFill>
-          <a:ln>
-            <a:solidFill>
-              <a:schemeClr val="bg1"/>
-            </a:solidFill>
-          </a:ln>
-        </p:spPr>
-        <p:style>
-          <a:lnRef idx="2">
-            <a:schemeClr val="accent1">
-              <a:shade val="50000"/>
-            </a:schemeClr>
-          </a:lnRef>
-          <a:fillRef idx="1">
-            <a:schemeClr val="accent1"/>
-          </a:fillRef>
-          <a:effectRef idx="0">
-            <a:schemeClr val="accent1"/>
-          </a:effectRef>
-          <a:fontRef idx="minor">
-            <a:schemeClr val="lt1"/>
-          </a:fontRef>
-        </p:style>
-        <p:txBody>
-          <a:bodyPr rtlCol="0" anchor="ctr"/>
-          <a:lstStyle/>
-          <a:p>
-            <a:pPr algn="ctr"/>
-            <a:endParaRPr lang="en-US"/>
-          </a:p>
-        </p:txBody>
-      </p:sp>
-    </p:spTree>
-    <p:extLst>
-      <p:ext uri="{BB962C8B-B14F-4D97-AF65-F5344CB8AC3E}">
-        <p14:creationId xmlns:p14="http://schemas.microsoft.com/office/powerpoint/2010/main" val="416776786"/>
       </p:ext>
     </p:extLst>
   </p:cSld>

--- a/Presentation1.pptx
+++ b/Presentation1.pptx
@@ -18824,7 +18824,7 @@
       </p:sp>
       <p:pic>
         <p:nvPicPr>
-          <p:cNvPr id="2" name="Picture 1"/>
+          <p:cNvPr id="4" name="Picture 3"/>
           <p:cNvPicPr>
             <a:picLocks noChangeAspect="1"/>
           </p:cNvPicPr>
@@ -18844,8 +18844,8 @@
         </p:blipFill>
         <p:spPr>
           <a:xfrm>
-            <a:off x="2723917" y="0"/>
-            <a:ext cx="6713594" cy="6858000"/>
+            <a:off x="2923822" y="0"/>
+            <a:ext cx="6649156" cy="6858000"/>
           </a:xfrm>
           <a:prstGeom prst="rect">
             <a:avLst/>
